--- a/src/pics/pics_powerpoint.pptx
+++ b/src/pics/pics_powerpoint.pptx
@@ -6,6 +6,7 @@
   </p:sldMasterIdLst>
   <p:sldIdLst>
     <p:sldId id="256" r:id="rId2"/>
+    <p:sldId id="257" r:id="rId3"/>
   </p:sldIdLst>
   <p:sldSz cx="12192000" cy="6858000"/>
   <p:notesSz cx="6858000" cy="9144000"/>
@@ -104,6 +105,11 @@
       </a:defRPr>
     </a:lvl9pPr>
   </p:defaultTextStyle>
+  <p:extLst>
+    <p:ext uri="{EFAFB233-063F-42B5-8137-9DF3F51BA10A}">
+      <p15:sldGuideLst xmlns:p15="http://schemas.microsoft.com/office/powerpoint/2012/main"/>
+    </p:ext>
+  </p:extLst>
 </p:presentation>
 </file>
 
@@ -254,7 +260,7 @@
           <a:p>
             <a:fld id="{27DD0186-B0A5-4C2D-8DAB-2FF2C82553C4}" type="datetimeFigureOut">
               <a:rPr lang="de-DE" smtClean="0"/>
-              <a:t>03.06.2022</a:t>
+              <a:t>06.06.2022</a:t>
             </a:fld>
             <a:endParaRPr lang="de-DE"/>
           </a:p>
@@ -452,7 +458,7 @@
           <a:p>
             <a:fld id="{27DD0186-B0A5-4C2D-8DAB-2FF2C82553C4}" type="datetimeFigureOut">
               <a:rPr lang="de-DE" smtClean="0"/>
-              <a:t>03.06.2022</a:t>
+              <a:t>06.06.2022</a:t>
             </a:fld>
             <a:endParaRPr lang="de-DE"/>
           </a:p>
@@ -660,7 +666,7 @@
           <a:p>
             <a:fld id="{27DD0186-B0A5-4C2D-8DAB-2FF2C82553C4}" type="datetimeFigureOut">
               <a:rPr lang="de-DE" smtClean="0"/>
-              <a:t>03.06.2022</a:t>
+              <a:t>06.06.2022</a:t>
             </a:fld>
             <a:endParaRPr lang="de-DE"/>
           </a:p>
@@ -858,7 +864,7 @@
           <a:p>
             <a:fld id="{27DD0186-B0A5-4C2D-8DAB-2FF2C82553C4}" type="datetimeFigureOut">
               <a:rPr lang="de-DE" smtClean="0"/>
-              <a:t>03.06.2022</a:t>
+              <a:t>06.06.2022</a:t>
             </a:fld>
             <a:endParaRPr lang="de-DE"/>
           </a:p>
@@ -1133,7 +1139,7 @@
           <a:p>
             <a:fld id="{27DD0186-B0A5-4C2D-8DAB-2FF2C82553C4}" type="datetimeFigureOut">
               <a:rPr lang="de-DE" smtClean="0"/>
-              <a:t>03.06.2022</a:t>
+              <a:t>06.06.2022</a:t>
             </a:fld>
             <a:endParaRPr lang="de-DE"/>
           </a:p>
@@ -1398,7 +1404,7 @@
           <a:p>
             <a:fld id="{27DD0186-B0A5-4C2D-8DAB-2FF2C82553C4}" type="datetimeFigureOut">
               <a:rPr lang="de-DE" smtClean="0"/>
-              <a:t>03.06.2022</a:t>
+              <a:t>06.06.2022</a:t>
             </a:fld>
             <a:endParaRPr lang="de-DE"/>
           </a:p>
@@ -1810,7 +1816,7 @@
           <a:p>
             <a:fld id="{27DD0186-B0A5-4C2D-8DAB-2FF2C82553C4}" type="datetimeFigureOut">
               <a:rPr lang="de-DE" smtClean="0"/>
-              <a:t>03.06.2022</a:t>
+              <a:t>06.06.2022</a:t>
             </a:fld>
             <a:endParaRPr lang="de-DE"/>
           </a:p>
@@ -1951,7 +1957,7 @@
           <a:p>
             <a:fld id="{27DD0186-B0A5-4C2D-8DAB-2FF2C82553C4}" type="datetimeFigureOut">
               <a:rPr lang="de-DE" smtClean="0"/>
-              <a:t>03.06.2022</a:t>
+              <a:t>06.06.2022</a:t>
             </a:fld>
             <a:endParaRPr lang="de-DE"/>
           </a:p>
@@ -2064,7 +2070,7 @@
           <a:p>
             <a:fld id="{27DD0186-B0A5-4C2D-8DAB-2FF2C82553C4}" type="datetimeFigureOut">
               <a:rPr lang="de-DE" smtClean="0"/>
-              <a:t>03.06.2022</a:t>
+              <a:t>06.06.2022</a:t>
             </a:fld>
             <a:endParaRPr lang="de-DE"/>
           </a:p>
@@ -2375,7 +2381,7 @@
           <a:p>
             <a:fld id="{27DD0186-B0A5-4C2D-8DAB-2FF2C82553C4}" type="datetimeFigureOut">
               <a:rPr lang="de-DE" smtClean="0"/>
-              <a:t>03.06.2022</a:t>
+              <a:t>06.06.2022</a:t>
             </a:fld>
             <a:endParaRPr lang="de-DE"/>
           </a:p>
@@ -2663,7 +2669,7 @@
           <a:p>
             <a:fld id="{27DD0186-B0A5-4C2D-8DAB-2FF2C82553C4}" type="datetimeFigureOut">
               <a:rPr lang="de-DE" smtClean="0"/>
-              <a:t>03.06.2022</a:t>
+              <a:t>06.06.2022</a:t>
             </a:fld>
             <a:endParaRPr lang="de-DE"/>
           </a:p>
@@ -2904,7 +2910,7 @@
           <a:p>
             <a:fld id="{27DD0186-B0A5-4C2D-8DAB-2FF2C82553C4}" type="datetimeFigureOut">
               <a:rPr lang="de-DE" smtClean="0"/>
-              <a:t>03.06.2022</a:t>
+              <a:t>06.06.2022</a:t>
             </a:fld>
             <a:endParaRPr lang="de-DE"/>
           </a:p>
@@ -3603,6 +3609,312 @@
 </p:sld>
 </file>
 
+<file path=ppt/slides/slide2.xml><?xml version="1.0" encoding="utf-8"?>
+<p:sld xmlns:a="http://schemas.openxmlformats.org/drawingml/2006/main" xmlns:r="http://schemas.openxmlformats.org/officeDocument/2006/relationships" xmlns:p="http://schemas.openxmlformats.org/presentationml/2006/main">
+  <p:cSld>
+    <p:spTree>
+      <p:nvGrpSpPr>
+        <p:cNvPr id="1" name=""/>
+        <p:cNvGrpSpPr/>
+        <p:nvPr/>
+      </p:nvGrpSpPr>
+      <p:grpSpPr>
+        <a:xfrm>
+          <a:off x="0" y="0"/>
+          <a:ext cx="0" cy="0"/>
+          <a:chOff x="0" y="0"/>
+          <a:chExt cx="0" cy="0"/>
+        </a:xfrm>
+      </p:grpSpPr>
+      <p:sp>
+        <p:nvSpPr>
+          <p:cNvPr id="4" name="Rechteck 3">
+            <a:extLst>
+              <a:ext uri="{FF2B5EF4-FFF2-40B4-BE49-F238E27FC236}">
+                <a16:creationId xmlns:a16="http://schemas.microsoft.com/office/drawing/2014/main" id="{07E4AC41-B75A-36A9-8125-1ECA1566ED05}"/>
+              </a:ext>
+            </a:extLst>
+          </p:cNvPr>
+          <p:cNvSpPr/>
+          <p:nvPr/>
+        </p:nvSpPr>
+        <p:spPr>
+          <a:xfrm>
+            <a:off x="726650" y="490980"/>
+            <a:ext cx="2851609" cy="2851609"/>
+          </a:xfrm>
+          <a:prstGeom prst="rect">
+            <a:avLst/>
+          </a:prstGeom>
+          <a:solidFill>
+            <a:srgbClr val="92D050"/>
+          </a:solidFill>
+          <a:ln>
+            <a:noFill/>
+          </a:ln>
+        </p:spPr>
+        <p:style>
+          <a:lnRef idx="2">
+            <a:schemeClr val="accent1">
+              <a:shade val="50000"/>
+            </a:schemeClr>
+          </a:lnRef>
+          <a:fillRef idx="1">
+            <a:schemeClr val="accent1"/>
+          </a:fillRef>
+          <a:effectRef idx="0">
+            <a:schemeClr val="accent1"/>
+          </a:effectRef>
+          <a:fontRef idx="minor">
+            <a:schemeClr val="lt1"/>
+          </a:fontRef>
+        </p:style>
+        <p:txBody>
+          <a:bodyPr rtlCol="0" anchor="ctr"/>
+          <a:lstStyle/>
+          <a:p>
+            <a:pPr algn="ctr"/>
+            <a:endParaRPr lang="de-DE"/>
+          </a:p>
+        </p:txBody>
+      </p:sp>
+      <p:pic>
+        <p:nvPicPr>
+          <p:cNvPr id="6" name="Grafik 5" descr="Benutzer mit einfarbiger Füllung">
+            <a:extLst>
+              <a:ext uri="{FF2B5EF4-FFF2-40B4-BE49-F238E27FC236}">
+                <a16:creationId xmlns:a16="http://schemas.microsoft.com/office/drawing/2014/main" id="{92C045A9-8818-8A8A-C9C6-2863247AD93D}"/>
+              </a:ext>
+            </a:extLst>
+          </p:cNvPr>
+          <p:cNvPicPr>
+            <a:picLocks noChangeAspect="1"/>
+          </p:cNvPicPr>
+          <p:nvPr/>
+        </p:nvPicPr>
+        <p:blipFill>
+          <a:blip r:embed="rId2">
+            <a:extLst>
+              <a:ext uri="{28A0092B-C50C-407E-A947-70E740481C1C}">
+                <a14:useLocalDpi xmlns:a14="http://schemas.microsoft.com/office/drawing/2010/main" val="0"/>
+              </a:ext>
+              <a:ext uri="{96DAC541-7B7A-43D3-8B79-37D633B846F1}">
+                <asvg:svgBlip xmlns:asvg="http://schemas.microsoft.com/office/drawing/2016/SVG/main" r:embed="rId3"/>
+              </a:ext>
+            </a:extLst>
+          </a:blip>
+          <a:stretch>
+            <a:fillRect/>
+          </a:stretch>
+        </p:blipFill>
+        <p:spPr>
+          <a:xfrm>
+            <a:off x="893191" y="657521"/>
+            <a:ext cx="2518528" cy="2518528"/>
+          </a:xfrm>
+          <a:prstGeom prst="rect">
+            <a:avLst/>
+          </a:prstGeom>
+        </p:spPr>
+      </p:pic>
+      <p:sp>
+        <p:nvSpPr>
+          <p:cNvPr id="8" name="Rechteck 7">
+            <a:extLst>
+              <a:ext uri="{FF2B5EF4-FFF2-40B4-BE49-F238E27FC236}">
+                <a16:creationId xmlns:a16="http://schemas.microsoft.com/office/drawing/2014/main" id="{4C70775C-749D-A4AE-DD2F-F9151A0B1A87}"/>
+              </a:ext>
+            </a:extLst>
+          </p:cNvPr>
+          <p:cNvSpPr/>
+          <p:nvPr/>
+        </p:nvSpPr>
+        <p:spPr>
+          <a:xfrm>
+            <a:off x="5243660" y="490980"/>
+            <a:ext cx="2851609" cy="2851609"/>
+          </a:xfrm>
+          <a:prstGeom prst="rect">
+            <a:avLst/>
+          </a:prstGeom>
+          <a:solidFill>
+            <a:schemeClr val="accent6">
+              <a:lumMod val="60000"/>
+              <a:lumOff val="40000"/>
+            </a:schemeClr>
+          </a:solidFill>
+          <a:ln>
+            <a:noFill/>
+          </a:ln>
+        </p:spPr>
+        <p:style>
+          <a:lnRef idx="2">
+            <a:schemeClr val="accent1">
+              <a:shade val="50000"/>
+            </a:schemeClr>
+          </a:lnRef>
+          <a:fillRef idx="1">
+            <a:schemeClr val="accent1"/>
+          </a:fillRef>
+          <a:effectRef idx="0">
+            <a:schemeClr val="accent1"/>
+          </a:effectRef>
+          <a:fontRef idx="minor">
+            <a:schemeClr val="lt1"/>
+          </a:fontRef>
+        </p:style>
+        <p:txBody>
+          <a:bodyPr rtlCol="0" anchor="ctr"/>
+          <a:lstStyle/>
+          <a:p>
+            <a:pPr algn="ctr"/>
+            <a:endParaRPr lang="de-DE"/>
+          </a:p>
+        </p:txBody>
+      </p:sp>
+      <p:pic>
+        <p:nvPicPr>
+          <p:cNvPr id="10" name="Grafik 9" descr="Benutzer mit einfarbiger Füllung">
+            <a:extLst>
+              <a:ext uri="{FF2B5EF4-FFF2-40B4-BE49-F238E27FC236}">
+                <a16:creationId xmlns:a16="http://schemas.microsoft.com/office/drawing/2014/main" id="{904F8775-77A1-563B-07DF-D54AF4D295CB}"/>
+              </a:ext>
+            </a:extLst>
+          </p:cNvPr>
+          <p:cNvPicPr>
+            <a:picLocks noChangeAspect="1"/>
+          </p:cNvPicPr>
+          <p:nvPr/>
+        </p:nvPicPr>
+        <p:blipFill>
+          <a:blip r:embed="rId2">
+            <a:extLst>
+              <a:ext uri="{28A0092B-C50C-407E-A947-70E740481C1C}">
+                <a14:useLocalDpi xmlns:a14="http://schemas.microsoft.com/office/drawing/2010/main" val="0"/>
+              </a:ext>
+              <a:ext uri="{96DAC541-7B7A-43D3-8B79-37D633B846F1}">
+                <asvg:svgBlip xmlns:asvg="http://schemas.microsoft.com/office/drawing/2016/SVG/main" r:embed="rId3"/>
+              </a:ext>
+            </a:extLst>
+          </a:blip>
+          <a:stretch>
+            <a:fillRect/>
+          </a:stretch>
+        </p:blipFill>
+        <p:spPr>
+          <a:xfrm>
+            <a:off x="5410201" y="657521"/>
+            <a:ext cx="2518528" cy="2518528"/>
+          </a:xfrm>
+          <a:prstGeom prst="rect">
+            <a:avLst/>
+          </a:prstGeom>
+        </p:spPr>
+      </p:pic>
+      <p:sp>
+        <p:nvSpPr>
+          <p:cNvPr id="11" name="Rechteck 10">
+            <a:extLst>
+              <a:ext uri="{FF2B5EF4-FFF2-40B4-BE49-F238E27FC236}">
+                <a16:creationId xmlns:a16="http://schemas.microsoft.com/office/drawing/2014/main" id="{5AAFEA0D-4620-02CF-6B61-4ED49635CD81}"/>
+              </a:ext>
+            </a:extLst>
+          </p:cNvPr>
+          <p:cNvSpPr/>
+          <p:nvPr/>
+        </p:nvSpPr>
+        <p:spPr>
+          <a:xfrm>
+            <a:off x="3817855" y="3515411"/>
+            <a:ext cx="2851609" cy="2851609"/>
+          </a:xfrm>
+          <a:prstGeom prst="rect">
+            <a:avLst/>
+          </a:prstGeom>
+          <a:solidFill>
+            <a:schemeClr val="bg1"/>
+          </a:solidFill>
+          <a:ln>
+            <a:noFill/>
+          </a:ln>
+        </p:spPr>
+        <p:style>
+          <a:lnRef idx="2">
+            <a:schemeClr val="accent1">
+              <a:shade val="50000"/>
+            </a:schemeClr>
+          </a:lnRef>
+          <a:fillRef idx="1">
+            <a:schemeClr val="accent1"/>
+          </a:fillRef>
+          <a:effectRef idx="0">
+            <a:schemeClr val="accent1"/>
+          </a:effectRef>
+          <a:fontRef idx="minor">
+            <a:schemeClr val="lt1"/>
+          </a:fontRef>
+        </p:style>
+        <p:txBody>
+          <a:bodyPr rtlCol="0" anchor="ctr"/>
+          <a:lstStyle/>
+          <a:p>
+            <a:pPr algn="ctr"/>
+            <a:endParaRPr lang="de-DE"/>
+          </a:p>
+        </p:txBody>
+      </p:sp>
+      <p:pic>
+        <p:nvPicPr>
+          <p:cNvPr id="12" name="Grafik 11" descr="Benutzer mit einfarbiger Füllung">
+            <a:extLst>
+              <a:ext uri="{FF2B5EF4-FFF2-40B4-BE49-F238E27FC236}">
+                <a16:creationId xmlns:a16="http://schemas.microsoft.com/office/drawing/2014/main" id="{01DE7D57-3EE0-46E1-D6B0-E66FA74CF0D7}"/>
+              </a:ext>
+            </a:extLst>
+          </p:cNvPr>
+          <p:cNvPicPr>
+            <a:picLocks noChangeAspect="1"/>
+          </p:cNvPicPr>
+          <p:nvPr/>
+        </p:nvPicPr>
+        <p:blipFill>
+          <a:blip r:embed="rId4">
+            <a:extLst>
+              <a:ext uri="{28A0092B-C50C-407E-A947-70E740481C1C}">
+                <a14:useLocalDpi xmlns:a14="http://schemas.microsoft.com/office/drawing/2010/main" val="0"/>
+              </a:ext>
+              <a:ext uri="{96DAC541-7B7A-43D3-8B79-37D633B846F1}">
+                <asvg:svgBlip xmlns:asvg="http://schemas.microsoft.com/office/drawing/2016/SVG/main" r:embed="rId5"/>
+              </a:ext>
+            </a:extLst>
+          </a:blip>
+          <a:stretch>
+            <a:fillRect/>
+          </a:stretch>
+        </p:blipFill>
+        <p:spPr>
+          <a:xfrm>
+            <a:off x="3984396" y="3681952"/>
+            <a:ext cx="2518528" cy="2518528"/>
+          </a:xfrm>
+          <a:prstGeom prst="rect">
+            <a:avLst/>
+          </a:prstGeom>
+        </p:spPr>
+      </p:pic>
+    </p:spTree>
+    <p:extLst>
+      <p:ext uri="{BB962C8B-B14F-4D97-AF65-F5344CB8AC3E}">
+        <p14:creationId xmlns:p14="http://schemas.microsoft.com/office/powerpoint/2010/main" val="3367378128"/>
+      </p:ext>
+    </p:extLst>
+  </p:cSld>
+  <p:clrMapOvr>
+    <a:masterClrMapping/>
+  </p:clrMapOvr>
+</p:sld>
+</file>
+
 <file path=ppt/theme/theme1.xml><?xml version="1.0" encoding="utf-8"?>
 <a:theme xmlns:a="http://schemas.openxmlformats.org/drawingml/2006/main" name="Office">
   <a:themeElements>

--- a/src/pics/pics_powerpoint.pptx
+++ b/src/pics/pics_powerpoint.pptx
@@ -7,6 +7,14 @@
   <p:sldIdLst>
     <p:sldId id="256" r:id="rId2"/>
     <p:sldId id="257" r:id="rId3"/>
+    <p:sldId id="259" r:id="rId4"/>
+    <p:sldId id="258" r:id="rId5"/>
+    <p:sldId id="260" r:id="rId6"/>
+    <p:sldId id="261" r:id="rId7"/>
+    <p:sldId id="262" r:id="rId8"/>
+    <p:sldId id="263" r:id="rId9"/>
+    <p:sldId id="264" r:id="rId10"/>
+    <p:sldId id="265" r:id="rId11"/>
   </p:sldIdLst>
   <p:sldSz cx="12192000" cy="6858000"/>
   <p:notesSz cx="6858000" cy="9144000"/>
@@ -260,7 +268,7 @@
           <a:p>
             <a:fld id="{27DD0186-B0A5-4C2D-8DAB-2FF2C82553C4}" type="datetimeFigureOut">
               <a:rPr lang="de-DE" smtClean="0"/>
-              <a:t>06.06.2022</a:t>
+              <a:t>22.06.2022</a:t>
             </a:fld>
             <a:endParaRPr lang="de-DE"/>
           </a:p>
@@ -458,7 +466,7 @@
           <a:p>
             <a:fld id="{27DD0186-B0A5-4C2D-8DAB-2FF2C82553C4}" type="datetimeFigureOut">
               <a:rPr lang="de-DE" smtClean="0"/>
-              <a:t>06.06.2022</a:t>
+              <a:t>22.06.2022</a:t>
             </a:fld>
             <a:endParaRPr lang="de-DE"/>
           </a:p>
@@ -666,7 +674,7 @@
           <a:p>
             <a:fld id="{27DD0186-B0A5-4C2D-8DAB-2FF2C82553C4}" type="datetimeFigureOut">
               <a:rPr lang="de-DE" smtClean="0"/>
-              <a:t>06.06.2022</a:t>
+              <a:t>22.06.2022</a:t>
             </a:fld>
             <a:endParaRPr lang="de-DE"/>
           </a:p>
@@ -864,7 +872,7 @@
           <a:p>
             <a:fld id="{27DD0186-B0A5-4C2D-8DAB-2FF2C82553C4}" type="datetimeFigureOut">
               <a:rPr lang="de-DE" smtClean="0"/>
-              <a:t>06.06.2022</a:t>
+              <a:t>22.06.2022</a:t>
             </a:fld>
             <a:endParaRPr lang="de-DE"/>
           </a:p>
@@ -1139,7 +1147,7 @@
           <a:p>
             <a:fld id="{27DD0186-B0A5-4C2D-8DAB-2FF2C82553C4}" type="datetimeFigureOut">
               <a:rPr lang="de-DE" smtClean="0"/>
-              <a:t>06.06.2022</a:t>
+              <a:t>22.06.2022</a:t>
             </a:fld>
             <a:endParaRPr lang="de-DE"/>
           </a:p>
@@ -1404,7 +1412,7 @@
           <a:p>
             <a:fld id="{27DD0186-B0A5-4C2D-8DAB-2FF2C82553C4}" type="datetimeFigureOut">
               <a:rPr lang="de-DE" smtClean="0"/>
-              <a:t>06.06.2022</a:t>
+              <a:t>22.06.2022</a:t>
             </a:fld>
             <a:endParaRPr lang="de-DE"/>
           </a:p>
@@ -1816,7 +1824,7 @@
           <a:p>
             <a:fld id="{27DD0186-B0A5-4C2D-8DAB-2FF2C82553C4}" type="datetimeFigureOut">
               <a:rPr lang="de-DE" smtClean="0"/>
-              <a:t>06.06.2022</a:t>
+              <a:t>22.06.2022</a:t>
             </a:fld>
             <a:endParaRPr lang="de-DE"/>
           </a:p>
@@ -1957,7 +1965,7 @@
           <a:p>
             <a:fld id="{27DD0186-B0A5-4C2D-8DAB-2FF2C82553C4}" type="datetimeFigureOut">
               <a:rPr lang="de-DE" smtClean="0"/>
-              <a:t>06.06.2022</a:t>
+              <a:t>22.06.2022</a:t>
             </a:fld>
             <a:endParaRPr lang="de-DE"/>
           </a:p>
@@ -2070,7 +2078,7 @@
           <a:p>
             <a:fld id="{27DD0186-B0A5-4C2D-8DAB-2FF2C82553C4}" type="datetimeFigureOut">
               <a:rPr lang="de-DE" smtClean="0"/>
-              <a:t>06.06.2022</a:t>
+              <a:t>22.06.2022</a:t>
             </a:fld>
             <a:endParaRPr lang="de-DE"/>
           </a:p>
@@ -2381,7 +2389,7 @@
           <a:p>
             <a:fld id="{27DD0186-B0A5-4C2D-8DAB-2FF2C82553C4}" type="datetimeFigureOut">
               <a:rPr lang="de-DE" smtClean="0"/>
-              <a:t>06.06.2022</a:t>
+              <a:t>22.06.2022</a:t>
             </a:fld>
             <a:endParaRPr lang="de-DE"/>
           </a:p>
@@ -2669,7 +2677,7 @@
           <a:p>
             <a:fld id="{27DD0186-B0A5-4C2D-8DAB-2FF2C82553C4}" type="datetimeFigureOut">
               <a:rPr lang="de-DE" smtClean="0"/>
-              <a:t>06.06.2022</a:t>
+              <a:t>22.06.2022</a:t>
             </a:fld>
             <a:endParaRPr lang="de-DE"/>
           </a:p>
@@ -2910,7 +2918,7 @@
           <a:p>
             <a:fld id="{27DD0186-B0A5-4C2D-8DAB-2FF2C82553C4}" type="datetimeFigureOut">
               <a:rPr lang="de-DE" smtClean="0"/>
-              <a:t>06.06.2022</a:t>
+              <a:t>22.06.2022</a:t>
             </a:fld>
             <a:endParaRPr lang="de-DE"/>
           </a:p>
@@ -3379,118 +3387,6 @@
           </a:p>
         </p:txBody>
       </p:sp>
-      <p:grpSp>
-        <p:nvGrpSpPr>
-          <p:cNvPr id="7" name="Gruppieren 6">
-            <a:extLst>
-              <a:ext uri="{FF2B5EF4-FFF2-40B4-BE49-F238E27FC236}">
-                <a16:creationId xmlns:a16="http://schemas.microsoft.com/office/drawing/2014/main" id="{3C2EA42C-2B34-5A04-9DDD-B951F758A277}"/>
-              </a:ext>
-            </a:extLst>
-          </p:cNvPr>
-          <p:cNvGrpSpPr/>
-          <p:nvPr/>
-        </p:nvGrpSpPr>
-        <p:grpSpPr>
-          <a:xfrm>
-            <a:off x="4860301" y="1893607"/>
-            <a:ext cx="2471396" cy="2471396"/>
-            <a:chOff x="3034841" y="1789912"/>
-            <a:chExt cx="2471396" cy="2471396"/>
-          </a:xfrm>
-        </p:grpSpPr>
-        <p:sp>
-          <p:nvSpPr>
-            <p:cNvPr id="6" name="Ellipse 5">
-              <a:extLst>
-                <a:ext uri="{FF2B5EF4-FFF2-40B4-BE49-F238E27FC236}">
-                  <a16:creationId xmlns:a16="http://schemas.microsoft.com/office/drawing/2014/main" id="{176176CB-EC3A-0E75-A9AA-1D022911F091}"/>
-                </a:ext>
-              </a:extLst>
-            </p:cNvPr>
-            <p:cNvSpPr/>
-            <p:nvPr/>
-          </p:nvSpPr>
-          <p:spPr>
-            <a:xfrm>
-              <a:off x="3034841" y="1789912"/>
-              <a:ext cx="2471396" cy="2471396"/>
-            </a:xfrm>
-            <a:prstGeom prst="ellipse">
-              <a:avLst/>
-            </a:prstGeom>
-            <a:solidFill>
-              <a:schemeClr val="bg1"/>
-            </a:solidFill>
-            <a:ln>
-              <a:noFill/>
-            </a:ln>
-          </p:spPr>
-          <p:style>
-            <a:lnRef idx="2">
-              <a:schemeClr val="accent1">
-                <a:shade val="50000"/>
-              </a:schemeClr>
-            </a:lnRef>
-            <a:fillRef idx="1">
-              <a:schemeClr val="accent1"/>
-            </a:fillRef>
-            <a:effectRef idx="0">
-              <a:schemeClr val="accent1"/>
-            </a:effectRef>
-            <a:fontRef idx="minor">
-              <a:schemeClr val="lt1"/>
-            </a:fontRef>
-          </p:style>
-          <p:txBody>
-            <a:bodyPr rtlCol="0" anchor="ctr"/>
-            <a:lstStyle/>
-            <a:p>
-              <a:pPr algn="ctr"/>
-              <a:endParaRPr lang="de-DE"/>
-            </a:p>
-          </p:txBody>
-        </p:sp>
-        <p:pic>
-          <p:nvPicPr>
-            <p:cNvPr id="5" name="Grafik 4" descr="Cabriolet mit einfarbiger Füllung">
-              <a:extLst>
-                <a:ext uri="{FF2B5EF4-FFF2-40B4-BE49-F238E27FC236}">
-                  <a16:creationId xmlns:a16="http://schemas.microsoft.com/office/drawing/2014/main" id="{0EDD7474-35D4-4503-2A6C-38884E846BB0}"/>
-                </a:ext>
-              </a:extLst>
-            </p:cNvPr>
-            <p:cNvPicPr>
-              <a:picLocks noChangeAspect="1"/>
-            </p:cNvPicPr>
-            <p:nvPr/>
-          </p:nvPicPr>
-          <p:blipFill>
-            <a:blip r:embed="rId2">
-              <a:extLst>
-                <a:ext uri="{28A0092B-C50C-407E-A947-70E740481C1C}">
-                  <a14:useLocalDpi xmlns:a14="http://schemas.microsoft.com/office/drawing/2010/main" val="0"/>
-                </a:ext>
-                <a:ext uri="{96DAC541-7B7A-43D3-8B79-37D633B846F1}">
-                  <asvg:svgBlip xmlns:asvg="http://schemas.microsoft.com/office/drawing/2016/SVG/main" r:embed="rId3"/>
-                </a:ext>
-              </a:extLst>
-            </a:blip>
-            <a:stretch>
-              <a:fillRect/>
-            </a:stretch>
-          </p:blipFill>
-          <p:spPr>
-            <a:xfrm>
-              <a:off x="3063515" y="1818586"/>
-              <a:ext cx="2414048" cy="2414048"/>
-            </a:xfrm>
-            <a:prstGeom prst="rect">
-              <a:avLst/>
-            </a:prstGeom>
-          </p:spPr>
-        </p:pic>
-      </p:grpSp>
       <p:sp>
         <p:nvSpPr>
           <p:cNvPr id="9" name="Textfeld 8">
@@ -3505,8 +3401,8 @@
         </p:nvSpPr>
         <p:spPr>
           <a:xfrm>
-            <a:off x="1885361" y="2592370"/>
-            <a:ext cx="2877711" cy="923330"/>
+            <a:off x="1885361" y="2667640"/>
+            <a:ext cx="4929747" cy="923330"/>
           </a:xfrm>
           <a:prstGeom prst="rect">
             <a:avLst/>
@@ -3530,25 +3426,8 @@
                 <a:latin typeface="Arial" panose="020B0604020202020204" pitchFamily="34" charset="0"/>
                 <a:cs typeface="Arial" panose="020B0604020202020204" pitchFamily="34" charset="0"/>
               </a:rPr>
-              <a:t>Rate </a:t>
+              <a:t>RATE MY CAR</a:t>
             </a:r>
-            <a:r>
-              <a:rPr lang="de-DE" sz="5400" b="1" dirty="0" err="1">
-                <a:solidFill>
-                  <a:schemeClr val="bg1"/>
-                </a:solidFill>
-                <a:latin typeface="Arial" panose="020B0604020202020204" pitchFamily="34" charset="0"/>
-                <a:cs typeface="Arial" panose="020B0604020202020204" pitchFamily="34" charset="0"/>
-              </a:rPr>
-              <a:t>my</a:t>
-            </a:r>
-            <a:endParaRPr lang="de-DE" sz="5400" b="1" dirty="0">
-              <a:solidFill>
-                <a:schemeClr val="bg1"/>
-              </a:solidFill>
-              <a:latin typeface="Arial" panose="020B0604020202020204" pitchFamily="34" charset="0"/>
-              <a:cs typeface="Arial" panose="020B0604020202020204" pitchFamily="34" charset="0"/>
-            </a:endParaRPr>
           </a:p>
         </p:txBody>
       </p:sp>
@@ -3566,8 +3445,8 @@
         </p:nvSpPr>
         <p:spPr>
           <a:xfrm>
-            <a:off x="7428926" y="2667640"/>
-            <a:ext cx="3339632" cy="923330"/>
+            <a:off x="8162351" y="2667640"/>
+            <a:ext cx="2480038" cy="923330"/>
           </a:xfrm>
           <a:prstGeom prst="rect">
             <a:avLst/>
@@ -3591,15 +3470,255 @@
                 <a:latin typeface="Arial" panose="020B0604020202020204" pitchFamily="34" charset="0"/>
                 <a:cs typeface="Arial" panose="020B0604020202020204" pitchFamily="34" charset="0"/>
               </a:rPr>
-              <a:t>Car Value</a:t>
+              <a:t>VALUE</a:t>
             </a:r>
           </a:p>
         </p:txBody>
       </p:sp>
+      <p:pic>
+        <p:nvPicPr>
+          <p:cNvPr id="11" name="Grafik 10">
+            <a:extLst>
+              <a:ext uri="{FF2B5EF4-FFF2-40B4-BE49-F238E27FC236}">
+                <a16:creationId xmlns:a16="http://schemas.microsoft.com/office/drawing/2014/main" id="{EC123C12-EC91-B3C4-B673-D578A203A071}"/>
+              </a:ext>
+            </a:extLst>
+          </p:cNvPr>
+          <p:cNvPicPr>
+            <a:picLocks noChangeAspect="1"/>
+          </p:cNvPicPr>
+          <p:nvPr/>
+        </p:nvPicPr>
+        <p:blipFill>
+          <a:blip r:embed="rId2"/>
+          <a:stretch/>
+        </p:blipFill>
+        <p:spPr bwMode="auto">
+          <a:xfrm>
+            <a:off x="6215062" y="2045670"/>
+            <a:ext cx="2194112" cy="2416773"/>
+          </a:xfrm>
+          <a:prstGeom prst="rect">
+            <a:avLst/>
+          </a:prstGeom>
+        </p:spPr>
+      </p:pic>
     </p:spTree>
     <p:extLst>
       <p:ext uri="{BB962C8B-B14F-4D97-AF65-F5344CB8AC3E}">
         <p14:creationId xmlns:p14="http://schemas.microsoft.com/office/powerpoint/2010/main" val="1952878366"/>
+      </p:ext>
+    </p:extLst>
+  </p:cSld>
+  <p:clrMapOvr>
+    <a:masterClrMapping/>
+  </p:clrMapOvr>
+</p:sld>
+</file>
+
+<file path=ppt/slides/slide10.xml><?xml version="1.0" encoding="utf-8"?>
+<p:sld xmlns:a="http://schemas.openxmlformats.org/drawingml/2006/main" xmlns:r="http://schemas.openxmlformats.org/officeDocument/2006/relationships" xmlns:p="http://schemas.openxmlformats.org/presentationml/2006/main">
+  <p:cSld>
+    <p:spTree>
+      <p:nvGrpSpPr>
+        <p:cNvPr id="1" name=""/>
+        <p:cNvGrpSpPr/>
+        <p:nvPr/>
+      </p:nvGrpSpPr>
+      <p:grpSpPr>
+        <a:xfrm>
+          <a:off x="0" y="0"/>
+          <a:ext cx="0" cy="0"/>
+          <a:chOff x="0" y="0"/>
+          <a:chExt cx="0" cy="0"/>
+        </a:xfrm>
+      </p:grpSpPr>
+      <p:sp>
+        <p:nvSpPr>
+          <p:cNvPr id="4" name="Rechteck 3">
+            <a:extLst>
+              <a:ext uri="{FF2B5EF4-FFF2-40B4-BE49-F238E27FC236}">
+                <a16:creationId xmlns:a16="http://schemas.microsoft.com/office/drawing/2014/main" id="{3B6D2775-86A6-4B46-2E3B-2A8C6B389955}"/>
+              </a:ext>
+            </a:extLst>
+          </p:cNvPr>
+          <p:cNvSpPr/>
+          <p:nvPr/>
+        </p:nvSpPr>
+        <p:spPr>
+          <a:xfrm>
+            <a:off x="3479450" y="1303809"/>
+            <a:ext cx="2254468" cy="2254468"/>
+          </a:xfrm>
+          <a:prstGeom prst="rect">
+            <a:avLst/>
+          </a:prstGeom>
+          <a:solidFill>
+            <a:srgbClr val="E2E2E2"/>
+          </a:solidFill>
+          <a:ln>
+            <a:noFill/>
+          </a:ln>
+        </p:spPr>
+        <p:style>
+          <a:lnRef idx="2">
+            <a:schemeClr val="accent1">
+              <a:shade val="50000"/>
+            </a:schemeClr>
+          </a:lnRef>
+          <a:fillRef idx="1">
+            <a:schemeClr val="accent1"/>
+          </a:fillRef>
+          <a:effectRef idx="0">
+            <a:schemeClr val="accent1"/>
+          </a:effectRef>
+          <a:fontRef idx="minor">
+            <a:schemeClr val="lt1"/>
+          </a:fontRef>
+        </p:style>
+        <p:txBody>
+          <a:bodyPr rtlCol="0" anchor="ctr"/>
+          <a:lstStyle/>
+          <a:p>
+            <a:pPr algn="ctr"/>
+            <a:endParaRPr lang="de-DE"/>
+          </a:p>
+        </p:txBody>
+      </p:sp>
+      <p:pic>
+        <p:nvPicPr>
+          <p:cNvPr id="3" name="Grafik 2" descr="Filter Silhouette">
+            <a:extLst>
+              <a:ext uri="{FF2B5EF4-FFF2-40B4-BE49-F238E27FC236}">
+                <a16:creationId xmlns:a16="http://schemas.microsoft.com/office/drawing/2014/main" id="{F68E0E42-336D-D461-165A-637BDAA630CC}"/>
+              </a:ext>
+            </a:extLst>
+          </p:cNvPr>
+          <p:cNvPicPr>
+            <a:picLocks noChangeAspect="1"/>
+          </p:cNvPicPr>
+          <p:nvPr/>
+        </p:nvPicPr>
+        <p:blipFill>
+          <a:blip r:embed="rId2">
+            <a:extLst>
+              <a:ext uri="{28A0092B-C50C-407E-A947-70E740481C1C}">
+                <a14:useLocalDpi xmlns:a14="http://schemas.microsoft.com/office/drawing/2010/main" val="0"/>
+              </a:ext>
+              <a:ext uri="{96DAC541-7B7A-43D3-8B79-37D633B846F1}">
+                <asvg:svgBlip xmlns:asvg="http://schemas.microsoft.com/office/drawing/2016/SVG/main" r:embed="rId3"/>
+              </a:ext>
+            </a:extLst>
+          </a:blip>
+          <a:stretch>
+            <a:fillRect/>
+          </a:stretch>
+        </p:blipFill>
+        <p:spPr>
+          <a:xfrm>
+            <a:off x="3479449" y="1303808"/>
+            <a:ext cx="2254467" cy="2254467"/>
+          </a:xfrm>
+          <a:prstGeom prst="rect">
+            <a:avLst/>
+          </a:prstGeom>
+        </p:spPr>
+      </p:pic>
+      <p:sp>
+        <p:nvSpPr>
+          <p:cNvPr id="9" name="Rechteck 8">
+            <a:extLst>
+              <a:ext uri="{FF2B5EF4-FFF2-40B4-BE49-F238E27FC236}">
+                <a16:creationId xmlns:a16="http://schemas.microsoft.com/office/drawing/2014/main" id="{C212C84B-F830-B831-7663-E9F3EC347F63}"/>
+              </a:ext>
+            </a:extLst>
+          </p:cNvPr>
+          <p:cNvSpPr/>
+          <p:nvPr/>
+        </p:nvSpPr>
+        <p:spPr>
+          <a:xfrm>
+            <a:off x="3479450" y="3874417"/>
+            <a:ext cx="2254468" cy="2254468"/>
+          </a:xfrm>
+          <a:prstGeom prst="rect">
+            <a:avLst/>
+          </a:prstGeom>
+          <a:solidFill>
+            <a:srgbClr val="E2E2E2"/>
+          </a:solidFill>
+          <a:ln>
+            <a:noFill/>
+          </a:ln>
+        </p:spPr>
+        <p:style>
+          <a:lnRef idx="2">
+            <a:schemeClr val="accent1">
+              <a:shade val="50000"/>
+            </a:schemeClr>
+          </a:lnRef>
+          <a:fillRef idx="1">
+            <a:schemeClr val="accent1"/>
+          </a:fillRef>
+          <a:effectRef idx="0">
+            <a:schemeClr val="accent1"/>
+          </a:effectRef>
+          <a:fontRef idx="minor">
+            <a:schemeClr val="lt1"/>
+          </a:fontRef>
+        </p:style>
+        <p:txBody>
+          <a:bodyPr rtlCol="0" anchor="ctr"/>
+          <a:lstStyle/>
+          <a:p>
+            <a:pPr algn="ctr"/>
+            <a:endParaRPr lang="de-DE"/>
+          </a:p>
+        </p:txBody>
+      </p:sp>
+      <p:pic>
+        <p:nvPicPr>
+          <p:cNvPr id="7" name="Grafik 6" descr="Recherche mit einfarbiger Füllung">
+            <a:extLst>
+              <a:ext uri="{FF2B5EF4-FFF2-40B4-BE49-F238E27FC236}">
+                <a16:creationId xmlns:a16="http://schemas.microsoft.com/office/drawing/2014/main" id="{CFCD7E87-9EAF-C988-BDC6-0B2FC5DAEDBD}"/>
+              </a:ext>
+            </a:extLst>
+          </p:cNvPr>
+          <p:cNvPicPr>
+            <a:picLocks noChangeAspect="1"/>
+          </p:cNvPicPr>
+          <p:nvPr/>
+        </p:nvPicPr>
+        <p:blipFill>
+          <a:blip r:embed="rId4">
+            <a:extLst>
+              <a:ext uri="{28A0092B-C50C-407E-A947-70E740481C1C}">
+                <a14:useLocalDpi xmlns:a14="http://schemas.microsoft.com/office/drawing/2010/main" val="0"/>
+              </a:ext>
+              <a:ext uri="{96DAC541-7B7A-43D3-8B79-37D633B846F1}">
+                <asvg:svgBlip xmlns:asvg="http://schemas.microsoft.com/office/drawing/2016/SVG/main" r:embed="rId5"/>
+              </a:ext>
+            </a:extLst>
+          </a:blip>
+          <a:stretch>
+            <a:fillRect/>
+          </a:stretch>
+        </p:blipFill>
+        <p:spPr>
+          <a:xfrm>
+            <a:off x="3479449" y="3874415"/>
+            <a:ext cx="2254466" cy="2254466"/>
+          </a:xfrm>
+          <a:prstGeom prst="rect">
+            <a:avLst/>
+          </a:prstGeom>
+        </p:spPr>
+      </p:pic>
+    </p:spTree>
+    <p:extLst>
+      <p:ext uri="{BB962C8B-B14F-4D97-AF65-F5344CB8AC3E}">
+        <p14:creationId xmlns:p14="http://schemas.microsoft.com/office/powerpoint/2010/main" val="4112720586"/>
       </p:ext>
     </p:extLst>
   </p:cSld>
@@ -3641,7 +3760,7 @@
         <p:spPr>
           <a:xfrm>
             <a:off x="726650" y="490980"/>
-            <a:ext cx="2851609" cy="2851609"/>
+            <a:ext cx="1800000" cy="1800000"/>
           </a:xfrm>
           <a:prstGeom prst="rect">
             <a:avLst/>
@@ -3678,45 +3797,6 @@
           </a:p>
         </p:txBody>
       </p:sp>
-      <p:pic>
-        <p:nvPicPr>
-          <p:cNvPr id="6" name="Grafik 5" descr="Benutzer mit einfarbiger Füllung">
-            <a:extLst>
-              <a:ext uri="{FF2B5EF4-FFF2-40B4-BE49-F238E27FC236}">
-                <a16:creationId xmlns:a16="http://schemas.microsoft.com/office/drawing/2014/main" id="{92C045A9-8818-8A8A-C9C6-2863247AD93D}"/>
-              </a:ext>
-            </a:extLst>
-          </p:cNvPr>
-          <p:cNvPicPr>
-            <a:picLocks noChangeAspect="1"/>
-          </p:cNvPicPr>
-          <p:nvPr/>
-        </p:nvPicPr>
-        <p:blipFill>
-          <a:blip r:embed="rId2">
-            <a:extLst>
-              <a:ext uri="{28A0092B-C50C-407E-A947-70E740481C1C}">
-                <a14:useLocalDpi xmlns:a14="http://schemas.microsoft.com/office/drawing/2010/main" val="0"/>
-              </a:ext>
-              <a:ext uri="{96DAC541-7B7A-43D3-8B79-37D633B846F1}">
-                <asvg:svgBlip xmlns:asvg="http://schemas.microsoft.com/office/drawing/2016/SVG/main" r:embed="rId3"/>
-              </a:ext>
-            </a:extLst>
-          </a:blip>
-          <a:stretch>
-            <a:fillRect/>
-          </a:stretch>
-        </p:blipFill>
-        <p:spPr>
-          <a:xfrm>
-            <a:off x="893191" y="657521"/>
-            <a:ext cx="2518528" cy="2518528"/>
-          </a:xfrm>
-          <a:prstGeom prst="rect">
-            <a:avLst/>
-          </a:prstGeom>
-        </p:spPr>
-      </p:pic>
       <p:sp>
         <p:nvSpPr>
           <p:cNvPr id="8" name="Rechteck 7">
@@ -3732,7 +3812,7 @@
         <p:spPr>
           <a:xfrm>
             <a:off x="5243660" y="490980"/>
-            <a:ext cx="2851609" cy="2851609"/>
+            <a:ext cx="1800000" cy="1800000"/>
           </a:xfrm>
           <a:prstGeom prst="rect">
             <a:avLst/>
@@ -3772,45 +3852,6 @@
           </a:p>
         </p:txBody>
       </p:sp>
-      <p:pic>
-        <p:nvPicPr>
-          <p:cNvPr id="10" name="Grafik 9" descr="Benutzer mit einfarbiger Füllung">
-            <a:extLst>
-              <a:ext uri="{FF2B5EF4-FFF2-40B4-BE49-F238E27FC236}">
-                <a16:creationId xmlns:a16="http://schemas.microsoft.com/office/drawing/2014/main" id="{904F8775-77A1-563B-07DF-D54AF4D295CB}"/>
-              </a:ext>
-            </a:extLst>
-          </p:cNvPr>
-          <p:cNvPicPr>
-            <a:picLocks noChangeAspect="1"/>
-          </p:cNvPicPr>
-          <p:nvPr/>
-        </p:nvPicPr>
-        <p:blipFill>
-          <a:blip r:embed="rId2">
-            <a:extLst>
-              <a:ext uri="{28A0092B-C50C-407E-A947-70E740481C1C}">
-                <a14:useLocalDpi xmlns:a14="http://schemas.microsoft.com/office/drawing/2010/main" val="0"/>
-              </a:ext>
-              <a:ext uri="{96DAC541-7B7A-43D3-8B79-37D633B846F1}">
-                <asvg:svgBlip xmlns:asvg="http://schemas.microsoft.com/office/drawing/2016/SVG/main" r:embed="rId3"/>
-              </a:ext>
-            </a:extLst>
-          </a:blip>
-          <a:stretch>
-            <a:fillRect/>
-          </a:stretch>
-        </p:blipFill>
-        <p:spPr>
-          <a:xfrm>
-            <a:off x="5410201" y="657521"/>
-            <a:ext cx="2518528" cy="2518528"/>
-          </a:xfrm>
-          <a:prstGeom prst="rect">
-            <a:avLst/>
-          </a:prstGeom>
-        </p:spPr>
-      </p:pic>
       <p:sp>
         <p:nvSpPr>
           <p:cNvPr id="11" name="Rechteck 10">
@@ -3825,8 +3866,8 @@
         </p:nvSpPr>
         <p:spPr>
           <a:xfrm>
-            <a:off x="3817855" y="3515411"/>
-            <a:ext cx="2851609" cy="2851609"/>
+            <a:off x="6754795" y="2731462"/>
+            <a:ext cx="1800000" cy="1800000"/>
           </a:xfrm>
           <a:prstGeom prst="rect">
             <a:avLst/>
@@ -3865,10 +3906,88 @@
       </p:sp>
       <p:pic>
         <p:nvPicPr>
-          <p:cNvPr id="12" name="Grafik 11" descr="Benutzer mit einfarbiger Füllung">
-            <a:extLst>
-              <a:ext uri="{FF2B5EF4-FFF2-40B4-BE49-F238E27FC236}">
-                <a16:creationId xmlns:a16="http://schemas.microsoft.com/office/drawing/2014/main" id="{01DE7D57-3EE0-46E1-D6B0-E66FA74CF0D7}"/>
+          <p:cNvPr id="5" name="Grafik 4" descr="Benutzer Silhouette">
+            <a:extLst>
+              <a:ext uri="{FF2B5EF4-FFF2-40B4-BE49-F238E27FC236}">
+                <a16:creationId xmlns:a16="http://schemas.microsoft.com/office/drawing/2014/main" id="{A09FEEEB-3866-0AFB-1C0F-E39AE0688D79}"/>
+              </a:ext>
+            </a:extLst>
+          </p:cNvPr>
+          <p:cNvPicPr>
+            <a:picLocks noChangeAspect="1"/>
+          </p:cNvPicPr>
+          <p:nvPr/>
+        </p:nvPicPr>
+        <p:blipFill>
+          <a:blip r:embed="rId2">
+            <a:extLst>
+              <a:ext uri="{28A0092B-C50C-407E-A947-70E740481C1C}">
+                <a14:useLocalDpi xmlns:a14="http://schemas.microsoft.com/office/drawing/2010/main" val="0"/>
+              </a:ext>
+              <a:ext uri="{96DAC541-7B7A-43D3-8B79-37D633B846F1}">
+                <asvg:svgBlip xmlns:asvg="http://schemas.microsoft.com/office/drawing/2016/SVG/main" r:embed="rId3"/>
+              </a:ext>
+            </a:extLst>
+          </a:blip>
+          <a:stretch>
+            <a:fillRect/>
+          </a:stretch>
+        </p:blipFill>
+        <p:spPr>
+          <a:xfrm>
+            <a:off x="726650" y="490980"/>
+            <a:ext cx="1800000" cy="1800000"/>
+          </a:xfrm>
+          <a:prstGeom prst="rect">
+            <a:avLst/>
+          </a:prstGeom>
+        </p:spPr>
+      </p:pic>
+      <p:pic>
+        <p:nvPicPr>
+          <p:cNvPr id="10" name="Grafik 9" descr="Benutzer Silhouette">
+            <a:extLst>
+              <a:ext uri="{FF2B5EF4-FFF2-40B4-BE49-F238E27FC236}">
+                <a16:creationId xmlns:a16="http://schemas.microsoft.com/office/drawing/2014/main" id="{8C9866CC-1F3B-7238-64BF-D79BEFF55DB8}"/>
+              </a:ext>
+            </a:extLst>
+          </p:cNvPr>
+          <p:cNvPicPr>
+            <a:picLocks noChangeAspect="1"/>
+          </p:cNvPicPr>
+          <p:nvPr/>
+        </p:nvPicPr>
+        <p:blipFill>
+          <a:blip r:embed="rId2">
+            <a:extLst>
+              <a:ext uri="{28A0092B-C50C-407E-A947-70E740481C1C}">
+                <a14:useLocalDpi xmlns:a14="http://schemas.microsoft.com/office/drawing/2010/main" val="0"/>
+              </a:ext>
+              <a:ext uri="{96DAC541-7B7A-43D3-8B79-37D633B846F1}">
+                <asvg:svgBlip xmlns:asvg="http://schemas.microsoft.com/office/drawing/2016/SVG/main" r:embed="rId3"/>
+              </a:ext>
+            </a:extLst>
+          </a:blip>
+          <a:stretch>
+            <a:fillRect/>
+          </a:stretch>
+        </p:blipFill>
+        <p:spPr>
+          <a:xfrm>
+            <a:off x="5243660" y="490979"/>
+            <a:ext cx="1800000" cy="1800000"/>
+          </a:xfrm>
+          <a:prstGeom prst="rect">
+            <a:avLst/>
+          </a:prstGeom>
+        </p:spPr>
+      </p:pic>
+      <p:pic>
+        <p:nvPicPr>
+          <p:cNvPr id="12" name="Grafik 11" descr="Benutzer Silhouette">
+            <a:extLst>
+              <a:ext uri="{FF2B5EF4-FFF2-40B4-BE49-F238E27FC236}">
+                <a16:creationId xmlns:a16="http://schemas.microsoft.com/office/drawing/2014/main" id="{D84C16D7-B7D7-4D49-1D2D-91920393CAA6}"/>
               </a:ext>
             </a:extLst>
           </p:cNvPr>
@@ -3894,8 +4013,8 @@
         </p:blipFill>
         <p:spPr>
           <a:xfrm>
-            <a:off x="3984396" y="3681952"/>
-            <a:ext cx="2518528" cy="2518528"/>
+            <a:off x="6754795" y="2731462"/>
+            <a:ext cx="1800000" cy="1800000"/>
           </a:xfrm>
           <a:prstGeom prst="rect">
             <a:avLst/>
@@ -3906,6 +4025,4615 @@
     <p:extLst>
       <p:ext uri="{BB962C8B-B14F-4D97-AF65-F5344CB8AC3E}">
         <p14:creationId xmlns:p14="http://schemas.microsoft.com/office/powerpoint/2010/main" val="3367378128"/>
+      </p:ext>
+    </p:extLst>
+  </p:cSld>
+  <p:clrMapOvr>
+    <a:masterClrMapping/>
+  </p:clrMapOvr>
+</p:sld>
+</file>
+
+<file path=ppt/slides/slide3.xml><?xml version="1.0" encoding="utf-8"?>
+<p:sld xmlns:a="http://schemas.openxmlformats.org/drawingml/2006/main" xmlns:r="http://schemas.openxmlformats.org/officeDocument/2006/relationships" xmlns:p="http://schemas.openxmlformats.org/presentationml/2006/main">
+  <p:cSld>
+    <p:spTree>
+      <p:nvGrpSpPr>
+        <p:cNvPr id="1" name=""/>
+        <p:cNvGrpSpPr/>
+        <p:nvPr/>
+      </p:nvGrpSpPr>
+      <p:grpSpPr>
+        <a:xfrm>
+          <a:off x="0" y="0"/>
+          <a:ext cx="0" cy="0"/>
+          <a:chOff x="0" y="0"/>
+          <a:chExt cx="0" cy="0"/>
+        </a:xfrm>
+      </p:grpSpPr>
+      <p:sp>
+        <p:nvSpPr>
+          <p:cNvPr id="4" name="Rechteck 3">
+            <a:extLst>
+              <a:ext uri="{FF2B5EF4-FFF2-40B4-BE49-F238E27FC236}">
+                <a16:creationId xmlns:a16="http://schemas.microsoft.com/office/drawing/2014/main" id="{07E4AC41-B75A-36A9-8125-1ECA1566ED05}"/>
+              </a:ext>
+            </a:extLst>
+          </p:cNvPr>
+          <p:cNvSpPr/>
+          <p:nvPr/>
+        </p:nvSpPr>
+        <p:spPr>
+          <a:xfrm>
+            <a:off x="726650" y="490980"/>
+            <a:ext cx="2851609" cy="2851609"/>
+          </a:xfrm>
+          <a:prstGeom prst="rect">
+            <a:avLst/>
+          </a:prstGeom>
+          <a:solidFill>
+            <a:srgbClr val="92D050"/>
+          </a:solidFill>
+          <a:ln>
+            <a:noFill/>
+          </a:ln>
+        </p:spPr>
+        <p:style>
+          <a:lnRef idx="2">
+            <a:schemeClr val="accent1">
+              <a:shade val="50000"/>
+            </a:schemeClr>
+          </a:lnRef>
+          <a:fillRef idx="1">
+            <a:schemeClr val="accent1"/>
+          </a:fillRef>
+          <a:effectRef idx="0">
+            <a:schemeClr val="accent1"/>
+          </a:effectRef>
+          <a:fontRef idx="minor">
+            <a:schemeClr val="lt1"/>
+          </a:fontRef>
+        </p:style>
+        <p:txBody>
+          <a:bodyPr rtlCol="0" anchor="ctr"/>
+          <a:lstStyle/>
+          <a:p>
+            <a:pPr algn="ctr"/>
+            <a:endParaRPr lang="de-DE"/>
+          </a:p>
+        </p:txBody>
+      </p:sp>
+      <p:sp>
+        <p:nvSpPr>
+          <p:cNvPr id="8" name="Rechteck 7">
+            <a:extLst>
+              <a:ext uri="{FF2B5EF4-FFF2-40B4-BE49-F238E27FC236}">
+                <a16:creationId xmlns:a16="http://schemas.microsoft.com/office/drawing/2014/main" id="{4C70775C-749D-A4AE-DD2F-F9151A0B1A87}"/>
+              </a:ext>
+            </a:extLst>
+          </p:cNvPr>
+          <p:cNvSpPr/>
+          <p:nvPr/>
+        </p:nvSpPr>
+        <p:spPr>
+          <a:xfrm>
+            <a:off x="5243660" y="490980"/>
+            <a:ext cx="2851609" cy="2851609"/>
+          </a:xfrm>
+          <a:prstGeom prst="rect">
+            <a:avLst/>
+          </a:prstGeom>
+          <a:solidFill>
+            <a:schemeClr val="accent6">
+              <a:lumMod val="60000"/>
+              <a:lumOff val="40000"/>
+            </a:schemeClr>
+          </a:solidFill>
+          <a:ln>
+            <a:noFill/>
+          </a:ln>
+        </p:spPr>
+        <p:style>
+          <a:lnRef idx="2">
+            <a:schemeClr val="accent1">
+              <a:shade val="50000"/>
+            </a:schemeClr>
+          </a:lnRef>
+          <a:fillRef idx="1">
+            <a:schemeClr val="accent1"/>
+          </a:fillRef>
+          <a:effectRef idx="0">
+            <a:schemeClr val="accent1"/>
+          </a:effectRef>
+          <a:fontRef idx="minor">
+            <a:schemeClr val="lt1"/>
+          </a:fontRef>
+        </p:style>
+        <p:txBody>
+          <a:bodyPr rtlCol="0" anchor="ctr"/>
+          <a:lstStyle/>
+          <a:p>
+            <a:pPr algn="ctr"/>
+            <a:endParaRPr lang="de-DE"/>
+          </a:p>
+        </p:txBody>
+      </p:sp>
+      <p:sp>
+        <p:nvSpPr>
+          <p:cNvPr id="11" name="Rechteck 10">
+            <a:extLst>
+              <a:ext uri="{FF2B5EF4-FFF2-40B4-BE49-F238E27FC236}">
+                <a16:creationId xmlns:a16="http://schemas.microsoft.com/office/drawing/2014/main" id="{5AAFEA0D-4620-02CF-6B61-4ED49635CD81}"/>
+              </a:ext>
+            </a:extLst>
+          </p:cNvPr>
+          <p:cNvSpPr/>
+          <p:nvPr/>
+        </p:nvSpPr>
+        <p:spPr>
+          <a:xfrm>
+            <a:off x="5177184" y="3519100"/>
+            <a:ext cx="2851609" cy="2851609"/>
+          </a:xfrm>
+          <a:prstGeom prst="rect">
+            <a:avLst/>
+          </a:prstGeom>
+          <a:solidFill>
+            <a:schemeClr val="bg1"/>
+          </a:solidFill>
+          <a:ln>
+            <a:noFill/>
+          </a:ln>
+        </p:spPr>
+        <p:style>
+          <a:lnRef idx="2">
+            <a:schemeClr val="accent1">
+              <a:shade val="50000"/>
+            </a:schemeClr>
+          </a:lnRef>
+          <a:fillRef idx="1">
+            <a:schemeClr val="accent1"/>
+          </a:fillRef>
+          <a:effectRef idx="0">
+            <a:schemeClr val="accent1"/>
+          </a:effectRef>
+          <a:fontRef idx="minor">
+            <a:schemeClr val="lt1"/>
+          </a:fontRef>
+        </p:style>
+        <p:txBody>
+          <a:bodyPr rtlCol="0" anchor="ctr"/>
+          <a:lstStyle/>
+          <a:p>
+            <a:pPr algn="ctr"/>
+            <a:endParaRPr lang="de-DE"/>
+          </a:p>
+        </p:txBody>
+      </p:sp>
+      <p:pic>
+        <p:nvPicPr>
+          <p:cNvPr id="3" name="Grafik 2" descr="Zahnrad mit einfarbiger Füllung">
+            <a:extLst>
+              <a:ext uri="{FF2B5EF4-FFF2-40B4-BE49-F238E27FC236}">
+                <a16:creationId xmlns:a16="http://schemas.microsoft.com/office/drawing/2014/main" id="{67D6F64C-D65C-3B98-338C-9D0B032555C1}"/>
+              </a:ext>
+            </a:extLst>
+          </p:cNvPr>
+          <p:cNvPicPr>
+            <a:picLocks noChangeAspect="1"/>
+          </p:cNvPicPr>
+          <p:nvPr/>
+        </p:nvPicPr>
+        <p:blipFill>
+          <a:blip r:embed="rId2">
+            <a:extLst>
+              <a:ext uri="{28A0092B-C50C-407E-A947-70E740481C1C}">
+                <a14:useLocalDpi xmlns:a14="http://schemas.microsoft.com/office/drawing/2010/main" val="0"/>
+              </a:ext>
+              <a:ext uri="{96DAC541-7B7A-43D3-8B79-37D633B846F1}">
+                <asvg:svgBlip xmlns:asvg="http://schemas.microsoft.com/office/drawing/2016/SVG/main" r:embed="rId3"/>
+              </a:ext>
+            </a:extLst>
+          </a:blip>
+          <a:stretch>
+            <a:fillRect/>
+          </a:stretch>
+        </p:blipFill>
+        <p:spPr>
+          <a:xfrm>
+            <a:off x="726650" y="490980"/>
+            <a:ext cx="2851608" cy="2851608"/>
+          </a:xfrm>
+          <a:prstGeom prst="rect">
+            <a:avLst/>
+          </a:prstGeom>
+        </p:spPr>
+      </p:pic>
+      <p:pic>
+        <p:nvPicPr>
+          <p:cNvPr id="12" name="Grafik 11" descr="Zahnrad mit einfarbiger Füllung">
+            <a:extLst>
+              <a:ext uri="{FF2B5EF4-FFF2-40B4-BE49-F238E27FC236}">
+                <a16:creationId xmlns:a16="http://schemas.microsoft.com/office/drawing/2014/main" id="{8276BD9B-47B9-6317-62A3-4507BAECEBE7}"/>
+              </a:ext>
+            </a:extLst>
+          </p:cNvPr>
+          <p:cNvPicPr>
+            <a:picLocks noChangeAspect="1"/>
+          </p:cNvPicPr>
+          <p:nvPr/>
+        </p:nvPicPr>
+        <p:blipFill>
+          <a:blip r:embed="rId2">
+            <a:extLst>
+              <a:ext uri="{28A0092B-C50C-407E-A947-70E740481C1C}">
+                <a14:useLocalDpi xmlns:a14="http://schemas.microsoft.com/office/drawing/2010/main" val="0"/>
+              </a:ext>
+              <a:ext uri="{96DAC541-7B7A-43D3-8B79-37D633B846F1}">
+                <asvg:svgBlip xmlns:asvg="http://schemas.microsoft.com/office/drawing/2016/SVG/main" r:embed="rId3"/>
+              </a:ext>
+            </a:extLst>
+          </a:blip>
+          <a:stretch>
+            <a:fillRect/>
+          </a:stretch>
+        </p:blipFill>
+        <p:spPr>
+          <a:xfrm>
+            <a:off x="5243659" y="490980"/>
+            <a:ext cx="2851608" cy="2851608"/>
+          </a:xfrm>
+          <a:prstGeom prst="rect">
+            <a:avLst/>
+          </a:prstGeom>
+        </p:spPr>
+      </p:pic>
+      <p:pic>
+        <p:nvPicPr>
+          <p:cNvPr id="13" name="Grafik 12" descr="Zahnrad mit einfarbiger Füllung">
+            <a:extLst>
+              <a:ext uri="{FF2B5EF4-FFF2-40B4-BE49-F238E27FC236}">
+                <a16:creationId xmlns:a16="http://schemas.microsoft.com/office/drawing/2014/main" id="{C95E4100-1956-B8D5-1B6A-5683BF034207}"/>
+              </a:ext>
+            </a:extLst>
+          </p:cNvPr>
+          <p:cNvPicPr>
+            <a:picLocks noChangeAspect="1"/>
+          </p:cNvPicPr>
+          <p:nvPr/>
+        </p:nvPicPr>
+        <p:blipFill>
+          <a:blip r:embed="rId4">
+            <a:extLst>
+              <a:ext uri="{28A0092B-C50C-407E-A947-70E740481C1C}">
+                <a14:useLocalDpi xmlns:a14="http://schemas.microsoft.com/office/drawing/2010/main" val="0"/>
+              </a:ext>
+              <a:ext uri="{96DAC541-7B7A-43D3-8B79-37D633B846F1}">
+                <asvg:svgBlip xmlns:asvg="http://schemas.microsoft.com/office/drawing/2016/SVG/main" r:embed="rId5"/>
+              </a:ext>
+            </a:extLst>
+          </a:blip>
+          <a:stretch>
+            <a:fillRect/>
+          </a:stretch>
+        </p:blipFill>
+        <p:spPr>
+          <a:xfrm>
+            <a:off x="5177184" y="3519100"/>
+            <a:ext cx="2851608" cy="2851608"/>
+          </a:xfrm>
+          <a:prstGeom prst="rect">
+            <a:avLst/>
+          </a:prstGeom>
+        </p:spPr>
+      </p:pic>
+    </p:spTree>
+    <p:extLst>
+      <p:ext uri="{BB962C8B-B14F-4D97-AF65-F5344CB8AC3E}">
+        <p14:creationId xmlns:p14="http://schemas.microsoft.com/office/powerpoint/2010/main" val="3609442408"/>
+      </p:ext>
+    </p:extLst>
+  </p:cSld>
+  <p:clrMapOvr>
+    <a:masterClrMapping/>
+  </p:clrMapOvr>
+</p:sld>
+</file>
+
+<file path=ppt/slides/slide4.xml><?xml version="1.0" encoding="utf-8"?>
+<p:sld xmlns:a="http://schemas.openxmlformats.org/drawingml/2006/main" xmlns:r="http://schemas.openxmlformats.org/officeDocument/2006/relationships" xmlns:p="http://schemas.openxmlformats.org/presentationml/2006/main">
+  <p:cSld>
+    <p:spTree>
+      <p:nvGrpSpPr>
+        <p:cNvPr id="1" name=""/>
+        <p:cNvGrpSpPr/>
+        <p:nvPr/>
+      </p:nvGrpSpPr>
+      <p:grpSpPr>
+        <a:xfrm>
+          <a:off x="0" y="0"/>
+          <a:ext cx="0" cy="0"/>
+          <a:chOff x="0" y="0"/>
+          <a:chExt cx="0" cy="0"/>
+        </a:xfrm>
+      </p:grpSpPr>
+      <p:sp>
+        <p:nvSpPr>
+          <p:cNvPr id="4" name="Rechteck 3">
+            <a:extLst>
+              <a:ext uri="{FF2B5EF4-FFF2-40B4-BE49-F238E27FC236}">
+                <a16:creationId xmlns:a16="http://schemas.microsoft.com/office/drawing/2014/main" id="{07E4AC41-B75A-36A9-8125-1ECA1566ED05}"/>
+              </a:ext>
+            </a:extLst>
+          </p:cNvPr>
+          <p:cNvSpPr/>
+          <p:nvPr/>
+        </p:nvSpPr>
+        <p:spPr>
+          <a:xfrm>
+            <a:off x="726650" y="490980"/>
+            <a:ext cx="2851609" cy="2851609"/>
+          </a:xfrm>
+          <a:prstGeom prst="rect">
+            <a:avLst/>
+          </a:prstGeom>
+          <a:solidFill>
+            <a:srgbClr val="92D050"/>
+          </a:solidFill>
+          <a:ln>
+            <a:noFill/>
+          </a:ln>
+        </p:spPr>
+        <p:style>
+          <a:lnRef idx="2">
+            <a:schemeClr val="accent1">
+              <a:shade val="50000"/>
+            </a:schemeClr>
+          </a:lnRef>
+          <a:fillRef idx="1">
+            <a:schemeClr val="accent1"/>
+          </a:fillRef>
+          <a:effectRef idx="0">
+            <a:schemeClr val="accent1"/>
+          </a:effectRef>
+          <a:fontRef idx="minor">
+            <a:schemeClr val="lt1"/>
+          </a:fontRef>
+        </p:style>
+        <p:txBody>
+          <a:bodyPr rtlCol="0" anchor="ctr"/>
+          <a:lstStyle/>
+          <a:p>
+            <a:pPr algn="ctr"/>
+            <a:endParaRPr lang="de-DE"/>
+          </a:p>
+        </p:txBody>
+      </p:sp>
+      <p:sp>
+        <p:nvSpPr>
+          <p:cNvPr id="8" name="Rechteck 7">
+            <a:extLst>
+              <a:ext uri="{FF2B5EF4-FFF2-40B4-BE49-F238E27FC236}">
+                <a16:creationId xmlns:a16="http://schemas.microsoft.com/office/drawing/2014/main" id="{4C70775C-749D-A4AE-DD2F-F9151A0B1A87}"/>
+              </a:ext>
+            </a:extLst>
+          </p:cNvPr>
+          <p:cNvSpPr/>
+          <p:nvPr/>
+        </p:nvSpPr>
+        <p:spPr>
+          <a:xfrm>
+            <a:off x="5243660" y="490980"/>
+            <a:ext cx="2851609" cy="2851609"/>
+          </a:xfrm>
+          <a:prstGeom prst="rect">
+            <a:avLst/>
+          </a:prstGeom>
+          <a:solidFill>
+            <a:schemeClr val="accent6">
+              <a:lumMod val="60000"/>
+              <a:lumOff val="40000"/>
+            </a:schemeClr>
+          </a:solidFill>
+          <a:ln>
+            <a:noFill/>
+          </a:ln>
+        </p:spPr>
+        <p:style>
+          <a:lnRef idx="2">
+            <a:schemeClr val="accent1">
+              <a:shade val="50000"/>
+            </a:schemeClr>
+          </a:lnRef>
+          <a:fillRef idx="1">
+            <a:schemeClr val="accent1"/>
+          </a:fillRef>
+          <a:effectRef idx="0">
+            <a:schemeClr val="accent1"/>
+          </a:effectRef>
+          <a:fontRef idx="minor">
+            <a:schemeClr val="lt1"/>
+          </a:fontRef>
+        </p:style>
+        <p:txBody>
+          <a:bodyPr rtlCol="0" anchor="ctr"/>
+          <a:lstStyle/>
+          <a:p>
+            <a:pPr algn="ctr"/>
+            <a:endParaRPr lang="de-DE"/>
+          </a:p>
+        </p:txBody>
+      </p:sp>
+      <p:sp>
+        <p:nvSpPr>
+          <p:cNvPr id="11" name="Rechteck 10">
+            <a:extLst>
+              <a:ext uri="{FF2B5EF4-FFF2-40B4-BE49-F238E27FC236}">
+                <a16:creationId xmlns:a16="http://schemas.microsoft.com/office/drawing/2014/main" id="{5AAFEA0D-4620-02CF-6B61-4ED49635CD81}"/>
+              </a:ext>
+            </a:extLst>
+          </p:cNvPr>
+          <p:cNvSpPr/>
+          <p:nvPr/>
+        </p:nvSpPr>
+        <p:spPr>
+          <a:xfrm>
+            <a:off x="5647863" y="3696208"/>
+            <a:ext cx="2851609" cy="2851609"/>
+          </a:xfrm>
+          <a:prstGeom prst="rect">
+            <a:avLst/>
+          </a:prstGeom>
+          <a:solidFill>
+            <a:schemeClr val="bg1"/>
+          </a:solidFill>
+          <a:ln>
+            <a:noFill/>
+          </a:ln>
+        </p:spPr>
+        <p:style>
+          <a:lnRef idx="2">
+            <a:schemeClr val="accent1">
+              <a:shade val="50000"/>
+            </a:schemeClr>
+          </a:lnRef>
+          <a:fillRef idx="1">
+            <a:schemeClr val="accent1"/>
+          </a:fillRef>
+          <a:effectRef idx="0">
+            <a:schemeClr val="accent1"/>
+          </a:effectRef>
+          <a:fontRef idx="minor">
+            <a:schemeClr val="lt1"/>
+          </a:fontRef>
+        </p:style>
+        <p:txBody>
+          <a:bodyPr rtlCol="0" anchor="ctr"/>
+          <a:lstStyle/>
+          <a:p>
+            <a:pPr algn="ctr"/>
+            <a:endParaRPr lang="de-DE"/>
+          </a:p>
+        </p:txBody>
+      </p:sp>
+      <p:pic>
+        <p:nvPicPr>
+          <p:cNvPr id="3" name="Grafik 2" descr="Umschlag mit einfarbiger Füllung">
+            <a:extLst>
+              <a:ext uri="{FF2B5EF4-FFF2-40B4-BE49-F238E27FC236}">
+                <a16:creationId xmlns:a16="http://schemas.microsoft.com/office/drawing/2014/main" id="{943A5C1D-31F4-CA24-BC1D-37AC05E4361B}"/>
+              </a:ext>
+            </a:extLst>
+          </p:cNvPr>
+          <p:cNvPicPr>
+            <a:picLocks noChangeAspect="1"/>
+          </p:cNvPicPr>
+          <p:nvPr/>
+        </p:nvPicPr>
+        <p:blipFill>
+          <a:blip r:embed="rId2">
+            <a:extLst>
+              <a:ext uri="{28A0092B-C50C-407E-A947-70E740481C1C}">
+                <a14:useLocalDpi xmlns:a14="http://schemas.microsoft.com/office/drawing/2010/main" val="0"/>
+              </a:ext>
+              <a:ext uri="{96DAC541-7B7A-43D3-8B79-37D633B846F1}">
+                <asvg:svgBlip xmlns:asvg="http://schemas.microsoft.com/office/drawing/2016/SVG/main" r:embed="rId3"/>
+              </a:ext>
+            </a:extLst>
+          </a:blip>
+          <a:stretch>
+            <a:fillRect/>
+          </a:stretch>
+        </p:blipFill>
+        <p:spPr>
+          <a:xfrm>
+            <a:off x="726650" y="490980"/>
+            <a:ext cx="2851608" cy="2851608"/>
+          </a:xfrm>
+          <a:prstGeom prst="rect">
+            <a:avLst/>
+          </a:prstGeom>
+        </p:spPr>
+      </p:pic>
+      <p:pic>
+        <p:nvPicPr>
+          <p:cNvPr id="10" name="Grafik 9" descr="Umschlag mit einfarbiger Füllung">
+            <a:extLst>
+              <a:ext uri="{FF2B5EF4-FFF2-40B4-BE49-F238E27FC236}">
+                <a16:creationId xmlns:a16="http://schemas.microsoft.com/office/drawing/2014/main" id="{9C6418A8-E111-2703-C0C7-374127F8C5B9}"/>
+              </a:ext>
+            </a:extLst>
+          </p:cNvPr>
+          <p:cNvPicPr>
+            <a:picLocks noChangeAspect="1"/>
+          </p:cNvPicPr>
+          <p:nvPr/>
+        </p:nvPicPr>
+        <p:blipFill>
+          <a:blip r:embed="rId2">
+            <a:extLst>
+              <a:ext uri="{28A0092B-C50C-407E-A947-70E740481C1C}">
+                <a14:useLocalDpi xmlns:a14="http://schemas.microsoft.com/office/drawing/2010/main" val="0"/>
+              </a:ext>
+              <a:ext uri="{96DAC541-7B7A-43D3-8B79-37D633B846F1}">
+                <asvg:svgBlip xmlns:asvg="http://schemas.microsoft.com/office/drawing/2016/SVG/main" r:embed="rId3"/>
+              </a:ext>
+            </a:extLst>
+          </a:blip>
+          <a:stretch>
+            <a:fillRect/>
+          </a:stretch>
+        </p:blipFill>
+        <p:spPr>
+          <a:xfrm>
+            <a:off x="5243661" y="490980"/>
+            <a:ext cx="2851608" cy="2851608"/>
+          </a:xfrm>
+          <a:prstGeom prst="rect">
+            <a:avLst/>
+          </a:prstGeom>
+        </p:spPr>
+      </p:pic>
+      <p:pic>
+        <p:nvPicPr>
+          <p:cNvPr id="12" name="Grafik 11" descr="Umschlag mit einfarbiger Füllung">
+            <a:extLst>
+              <a:ext uri="{FF2B5EF4-FFF2-40B4-BE49-F238E27FC236}">
+                <a16:creationId xmlns:a16="http://schemas.microsoft.com/office/drawing/2014/main" id="{82112673-8565-4A4E-43EF-4385181BDFD8}"/>
+              </a:ext>
+            </a:extLst>
+          </p:cNvPr>
+          <p:cNvPicPr>
+            <a:picLocks noChangeAspect="1"/>
+          </p:cNvPicPr>
+          <p:nvPr/>
+        </p:nvPicPr>
+        <p:blipFill>
+          <a:blip r:embed="rId4">
+            <a:extLst>
+              <a:ext uri="{28A0092B-C50C-407E-A947-70E740481C1C}">
+                <a14:useLocalDpi xmlns:a14="http://schemas.microsoft.com/office/drawing/2010/main" val="0"/>
+              </a:ext>
+              <a:ext uri="{96DAC541-7B7A-43D3-8B79-37D633B846F1}">
+                <asvg:svgBlip xmlns:asvg="http://schemas.microsoft.com/office/drawing/2016/SVG/main" r:embed="rId5"/>
+              </a:ext>
+            </a:extLst>
+          </a:blip>
+          <a:stretch>
+            <a:fillRect/>
+          </a:stretch>
+        </p:blipFill>
+        <p:spPr>
+          <a:xfrm>
+            <a:off x="5647863" y="3696208"/>
+            <a:ext cx="2851608" cy="2851608"/>
+          </a:xfrm>
+          <a:prstGeom prst="rect">
+            <a:avLst/>
+          </a:prstGeom>
+        </p:spPr>
+      </p:pic>
+    </p:spTree>
+    <p:extLst>
+      <p:ext uri="{BB962C8B-B14F-4D97-AF65-F5344CB8AC3E}">
+        <p14:creationId xmlns:p14="http://schemas.microsoft.com/office/powerpoint/2010/main" val="3335450018"/>
+      </p:ext>
+    </p:extLst>
+  </p:cSld>
+  <p:clrMapOvr>
+    <a:masterClrMapping/>
+  </p:clrMapOvr>
+</p:sld>
+</file>
+
+<file path=ppt/slides/slide5.xml><?xml version="1.0" encoding="utf-8"?>
+<p:sld xmlns:a="http://schemas.openxmlformats.org/drawingml/2006/main" xmlns:r="http://schemas.openxmlformats.org/officeDocument/2006/relationships" xmlns:p="http://schemas.openxmlformats.org/presentationml/2006/main">
+  <p:cSld>
+    <p:spTree>
+      <p:nvGrpSpPr>
+        <p:cNvPr id="1" name=""/>
+        <p:cNvGrpSpPr/>
+        <p:nvPr/>
+      </p:nvGrpSpPr>
+      <p:grpSpPr>
+        <a:xfrm>
+          <a:off x="0" y="0"/>
+          <a:ext cx="0" cy="0"/>
+          <a:chOff x="0" y="0"/>
+          <a:chExt cx="0" cy="0"/>
+        </a:xfrm>
+      </p:grpSpPr>
+      <p:sp>
+        <p:nvSpPr>
+          <p:cNvPr id="4" name="Rechteck 3">
+            <a:extLst>
+              <a:ext uri="{FF2B5EF4-FFF2-40B4-BE49-F238E27FC236}">
+                <a16:creationId xmlns:a16="http://schemas.microsoft.com/office/drawing/2014/main" id="{07E4AC41-B75A-36A9-8125-1ECA1566ED05}"/>
+              </a:ext>
+            </a:extLst>
+          </p:cNvPr>
+          <p:cNvSpPr/>
+          <p:nvPr/>
+        </p:nvSpPr>
+        <p:spPr>
+          <a:xfrm>
+            <a:off x="726650" y="490980"/>
+            <a:ext cx="2851609" cy="2851609"/>
+          </a:xfrm>
+          <a:prstGeom prst="rect">
+            <a:avLst/>
+          </a:prstGeom>
+          <a:solidFill>
+            <a:srgbClr val="92D050"/>
+          </a:solidFill>
+          <a:ln>
+            <a:noFill/>
+          </a:ln>
+        </p:spPr>
+        <p:style>
+          <a:lnRef idx="2">
+            <a:schemeClr val="accent1">
+              <a:shade val="50000"/>
+            </a:schemeClr>
+          </a:lnRef>
+          <a:fillRef idx="1">
+            <a:schemeClr val="accent1"/>
+          </a:fillRef>
+          <a:effectRef idx="0">
+            <a:schemeClr val="accent1"/>
+          </a:effectRef>
+          <a:fontRef idx="minor">
+            <a:schemeClr val="lt1"/>
+          </a:fontRef>
+        </p:style>
+        <p:txBody>
+          <a:bodyPr rtlCol="0" anchor="ctr"/>
+          <a:lstStyle/>
+          <a:p>
+            <a:pPr algn="ctr"/>
+            <a:endParaRPr lang="de-DE"/>
+          </a:p>
+        </p:txBody>
+      </p:sp>
+      <p:pic>
+        <p:nvPicPr>
+          <p:cNvPr id="9" name="Grafik 8" descr="Haus mit einfarbiger Füllung">
+            <a:extLst>
+              <a:ext uri="{FF2B5EF4-FFF2-40B4-BE49-F238E27FC236}">
+                <a16:creationId xmlns:a16="http://schemas.microsoft.com/office/drawing/2014/main" id="{572C37EB-9C0E-3344-A8E8-5978D7CB1405}"/>
+              </a:ext>
+            </a:extLst>
+          </p:cNvPr>
+          <p:cNvPicPr>
+            <a:picLocks noChangeAspect="1"/>
+          </p:cNvPicPr>
+          <p:nvPr/>
+        </p:nvPicPr>
+        <p:blipFill>
+          <a:blip r:embed="rId2">
+            <a:extLst>
+              <a:ext uri="{28A0092B-C50C-407E-A947-70E740481C1C}">
+                <a14:useLocalDpi xmlns:a14="http://schemas.microsoft.com/office/drawing/2010/main" val="0"/>
+              </a:ext>
+              <a:ext uri="{96DAC541-7B7A-43D3-8B79-37D633B846F1}">
+                <asvg:svgBlip xmlns:asvg="http://schemas.microsoft.com/office/drawing/2016/SVG/main" r:embed="rId3"/>
+              </a:ext>
+            </a:extLst>
+          </a:blip>
+          <a:stretch>
+            <a:fillRect/>
+          </a:stretch>
+        </p:blipFill>
+        <p:spPr>
+          <a:xfrm>
+            <a:off x="726650" y="490980"/>
+            <a:ext cx="2851608" cy="2851608"/>
+          </a:xfrm>
+          <a:prstGeom prst="rect">
+            <a:avLst/>
+          </a:prstGeom>
+        </p:spPr>
+      </p:pic>
+      <p:sp>
+        <p:nvSpPr>
+          <p:cNvPr id="14" name="Rechteck 13">
+            <a:extLst>
+              <a:ext uri="{FF2B5EF4-FFF2-40B4-BE49-F238E27FC236}">
+                <a16:creationId xmlns:a16="http://schemas.microsoft.com/office/drawing/2014/main" id="{9824C6DB-FD75-C0F4-4E1B-91CC86AABE71}"/>
+              </a:ext>
+            </a:extLst>
+          </p:cNvPr>
+          <p:cNvSpPr/>
+          <p:nvPr/>
+        </p:nvSpPr>
+        <p:spPr>
+          <a:xfrm>
+            <a:off x="4146125" y="490979"/>
+            <a:ext cx="2851609" cy="2851609"/>
+          </a:xfrm>
+          <a:prstGeom prst="rect">
+            <a:avLst/>
+          </a:prstGeom>
+          <a:solidFill>
+            <a:srgbClr val="A9D18E"/>
+          </a:solidFill>
+          <a:ln>
+            <a:noFill/>
+          </a:ln>
+        </p:spPr>
+        <p:style>
+          <a:lnRef idx="2">
+            <a:schemeClr val="accent1">
+              <a:shade val="50000"/>
+            </a:schemeClr>
+          </a:lnRef>
+          <a:fillRef idx="1">
+            <a:schemeClr val="accent1"/>
+          </a:fillRef>
+          <a:effectRef idx="0">
+            <a:schemeClr val="accent1"/>
+          </a:effectRef>
+          <a:fontRef idx="minor">
+            <a:schemeClr val="lt1"/>
+          </a:fontRef>
+        </p:style>
+        <p:txBody>
+          <a:bodyPr rtlCol="0" anchor="ctr"/>
+          <a:lstStyle/>
+          <a:p>
+            <a:pPr algn="ctr"/>
+            <a:endParaRPr lang="de-DE"/>
+          </a:p>
+        </p:txBody>
+      </p:sp>
+      <p:pic>
+        <p:nvPicPr>
+          <p:cNvPr id="15" name="Grafik 14" descr="Haus mit einfarbiger Füllung">
+            <a:extLst>
+              <a:ext uri="{FF2B5EF4-FFF2-40B4-BE49-F238E27FC236}">
+                <a16:creationId xmlns:a16="http://schemas.microsoft.com/office/drawing/2014/main" id="{7CB5012D-B959-E8CA-5BFE-4791E9CD7EA5}"/>
+              </a:ext>
+            </a:extLst>
+          </p:cNvPr>
+          <p:cNvPicPr>
+            <a:picLocks noChangeAspect="1"/>
+          </p:cNvPicPr>
+          <p:nvPr/>
+        </p:nvPicPr>
+        <p:blipFill>
+          <a:blip r:embed="rId4">
+            <a:extLst>
+              <a:ext uri="{28A0092B-C50C-407E-A947-70E740481C1C}">
+                <a14:useLocalDpi xmlns:a14="http://schemas.microsoft.com/office/drawing/2010/main" val="0"/>
+              </a:ext>
+              <a:ext uri="{96DAC541-7B7A-43D3-8B79-37D633B846F1}">
+                <asvg:svgBlip xmlns:asvg="http://schemas.microsoft.com/office/drawing/2016/SVG/main" r:embed="rId5"/>
+              </a:ext>
+            </a:extLst>
+          </a:blip>
+          <a:stretch>
+            <a:fillRect/>
+          </a:stretch>
+        </p:blipFill>
+        <p:spPr>
+          <a:xfrm>
+            <a:off x="4146125" y="490979"/>
+            <a:ext cx="2851608" cy="2851608"/>
+          </a:xfrm>
+          <a:prstGeom prst="rect">
+            <a:avLst/>
+          </a:prstGeom>
+        </p:spPr>
+      </p:pic>
+      <p:pic>
+        <p:nvPicPr>
+          <p:cNvPr id="17" name="Grafik 16" descr="Haus mit einfarbiger Füllung">
+            <a:extLst>
+              <a:ext uri="{FF2B5EF4-FFF2-40B4-BE49-F238E27FC236}">
+                <a16:creationId xmlns:a16="http://schemas.microsoft.com/office/drawing/2014/main" id="{64DBCBE4-FF4E-A84A-95F9-82C68AE288B2}"/>
+              </a:ext>
+            </a:extLst>
+          </p:cNvPr>
+          <p:cNvPicPr>
+            <a:picLocks noChangeAspect="1"/>
+          </p:cNvPicPr>
+          <p:nvPr/>
+        </p:nvPicPr>
+        <p:blipFill>
+          <a:blip r:embed="rId2">
+            <a:extLst>
+              <a:ext uri="{28A0092B-C50C-407E-A947-70E740481C1C}">
+                <a14:useLocalDpi xmlns:a14="http://schemas.microsoft.com/office/drawing/2010/main" val="0"/>
+              </a:ext>
+              <a:ext uri="{96DAC541-7B7A-43D3-8B79-37D633B846F1}">
+                <asvg:svgBlip xmlns:asvg="http://schemas.microsoft.com/office/drawing/2016/SVG/main" r:embed="rId3"/>
+              </a:ext>
+            </a:extLst>
+          </a:blip>
+          <a:stretch>
+            <a:fillRect/>
+          </a:stretch>
+        </p:blipFill>
+        <p:spPr>
+          <a:xfrm>
+            <a:off x="4146125" y="490978"/>
+            <a:ext cx="2851608" cy="2851608"/>
+          </a:xfrm>
+          <a:prstGeom prst="rect">
+            <a:avLst/>
+          </a:prstGeom>
+        </p:spPr>
+      </p:pic>
+      <p:sp>
+        <p:nvSpPr>
+          <p:cNvPr id="20" name="Rechteck 19">
+            <a:extLst>
+              <a:ext uri="{FF2B5EF4-FFF2-40B4-BE49-F238E27FC236}">
+                <a16:creationId xmlns:a16="http://schemas.microsoft.com/office/drawing/2014/main" id="{BA2A2787-4925-A67F-4549-EC861DDC553A}"/>
+              </a:ext>
+            </a:extLst>
+          </p:cNvPr>
+          <p:cNvSpPr/>
+          <p:nvPr/>
+        </p:nvSpPr>
+        <p:spPr>
+          <a:xfrm>
+            <a:off x="7841825" y="490977"/>
+            <a:ext cx="2851609" cy="2851609"/>
+          </a:xfrm>
+          <a:prstGeom prst="rect">
+            <a:avLst/>
+          </a:prstGeom>
+          <a:solidFill>
+            <a:schemeClr val="bg1"/>
+          </a:solidFill>
+          <a:ln>
+            <a:noFill/>
+          </a:ln>
+        </p:spPr>
+        <p:style>
+          <a:lnRef idx="2">
+            <a:schemeClr val="accent1">
+              <a:shade val="50000"/>
+            </a:schemeClr>
+          </a:lnRef>
+          <a:fillRef idx="1">
+            <a:schemeClr val="accent1"/>
+          </a:fillRef>
+          <a:effectRef idx="0">
+            <a:schemeClr val="accent1"/>
+          </a:effectRef>
+          <a:fontRef idx="minor">
+            <a:schemeClr val="lt1"/>
+          </a:fontRef>
+        </p:style>
+        <p:txBody>
+          <a:bodyPr rtlCol="0" anchor="ctr"/>
+          <a:lstStyle/>
+          <a:p>
+            <a:pPr algn="ctr"/>
+            <a:endParaRPr lang="de-DE"/>
+          </a:p>
+        </p:txBody>
+      </p:sp>
+      <p:pic>
+        <p:nvPicPr>
+          <p:cNvPr id="21" name="Grafik 20" descr="Haus mit einfarbiger Füllung">
+            <a:extLst>
+              <a:ext uri="{FF2B5EF4-FFF2-40B4-BE49-F238E27FC236}">
+                <a16:creationId xmlns:a16="http://schemas.microsoft.com/office/drawing/2014/main" id="{EE9DBFEE-B556-6880-A897-9528CDA4EF70}"/>
+              </a:ext>
+            </a:extLst>
+          </p:cNvPr>
+          <p:cNvPicPr>
+            <a:picLocks noChangeAspect="1"/>
+          </p:cNvPicPr>
+          <p:nvPr/>
+        </p:nvPicPr>
+        <p:blipFill>
+          <a:blip r:embed="rId2">
+            <a:extLst>
+              <a:ext uri="{28A0092B-C50C-407E-A947-70E740481C1C}">
+                <a14:useLocalDpi xmlns:a14="http://schemas.microsoft.com/office/drawing/2010/main" val="0"/>
+              </a:ext>
+              <a:ext uri="{96DAC541-7B7A-43D3-8B79-37D633B846F1}">
+                <asvg:svgBlip xmlns:asvg="http://schemas.microsoft.com/office/drawing/2016/SVG/main" r:embed="rId3"/>
+              </a:ext>
+            </a:extLst>
+          </a:blip>
+          <a:stretch>
+            <a:fillRect/>
+          </a:stretch>
+        </p:blipFill>
+        <p:spPr>
+          <a:xfrm>
+            <a:off x="7841825" y="490977"/>
+            <a:ext cx="2851608" cy="2851608"/>
+          </a:xfrm>
+          <a:prstGeom prst="rect">
+            <a:avLst/>
+          </a:prstGeom>
+        </p:spPr>
+      </p:pic>
+      <p:pic>
+        <p:nvPicPr>
+          <p:cNvPr id="22" name="Grafik 21" descr="Haus mit einfarbiger Füllung">
+            <a:extLst>
+              <a:ext uri="{FF2B5EF4-FFF2-40B4-BE49-F238E27FC236}">
+                <a16:creationId xmlns:a16="http://schemas.microsoft.com/office/drawing/2014/main" id="{A32BE34A-7EAD-14F1-E4C1-F897322A251C}"/>
+              </a:ext>
+            </a:extLst>
+          </p:cNvPr>
+          <p:cNvPicPr>
+            <a:picLocks noChangeAspect="1"/>
+          </p:cNvPicPr>
+          <p:nvPr/>
+        </p:nvPicPr>
+        <p:blipFill>
+          <a:blip r:embed="rId6">
+            <a:extLst>
+              <a:ext uri="{28A0092B-C50C-407E-A947-70E740481C1C}">
+                <a14:useLocalDpi xmlns:a14="http://schemas.microsoft.com/office/drawing/2010/main" val="0"/>
+              </a:ext>
+              <a:ext uri="{96DAC541-7B7A-43D3-8B79-37D633B846F1}">
+                <asvg:svgBlip xmlns:asvg="http://schemas.microsoft.com/office/drawing/2016/SVG/main" r:embed="rId7"/>
+              </a:ext>
+            </a:extLst>
+          </a:blip>
+          <a:stretch>
+            <a:fillRect/>
+          </a:stretch>
+        </p:blipFill>
+        <p:spPr>
+          <a:xfrm>
+            <a:off x="7841825" y="490977"/>
+            <a:ext cx="2851608" cy="2851608"/>
+          </a:xfrm>
+          <a:prstGeom prst="rect">
+            <a:avLst/>
+          </a:prstGeom>
+        </p:spPr>
+      </p:pic>
+    </p:spTree>
+    <p:extLst>
+      <p:ext uri="{BB962C8B-B14F-4D97-AF65-F5344CB8AC3E}">
+        <p14:creationId xmlns:p14="http://schemas.microsoft.com/office/powerpoint/2010/main" val="1486939548"/>
+      </p:ext>
+    </p:extLst>
+  </p:cSld>
+  <p:clrMapOvr>
+    <a:masterClrMapping/>
+  </p:clrMapOvr>
+</p:sld>
+</file>
+
+<file path=ppt/slides/slide6.xml><?xml version="1.0" encoding="utf-8"?>
+<p:sld xmlns:a="http://schemas.openxmlformats.org/drawingml/2006/main" xmlns:r="http://schemas.openxmlformats.org/officeDocument/2006/relationships" xmlns:p="http://schemas.openxmlformats.org/presentationml/2006/main">
+  <p:cSld>
+    <p:spTree>
+      <p:nvGrpSpPr>
+        <p:cNvPr id="1" name=""/>
+        <p:cNvGrpSpPr/>
+        <p:nvPr/>
+      </p:nvGrpSpPr>
+      <p:grpSpPr>
+        <a:xfrm>
+          <a:off x="0" y="0"/>
+          <a:ext cx="0" cy="0"/>
+          <a:chOff x="0" y="0"/>
+          <a:chExt cx="0" cy="0"/>
+        </a:xfrm>
+      </p:grpSpPr>
+      <p:sp>
+        <p:nvSpPr>
+          <p:cNvPr id="5" name="Rechteck 4">
+            <a:extLst>
+              <a:ext uri="{FF2B5EF4-FFF2-40B4-BE49-F238E27FC236}">
+                <a16:creationId xmlns:a16="http://schemas.microsoft.com/office/drawing/2014/main" id="{BD7A0F91-245F-59D5-7176-694494355834}"/>
+              </a:ext>
+            </a:extLst>
+          </p:cNvPr>
+          <p:cNvSpPr/>
+          <p:nvPr/>
+        </p:nvSpPr>
+        <p:spPr>
+          <a:xfrm>
+            <a:off x="2859695" y="313044"/>
+            <a:ext cx="6159501" cy="1845167"/>
+          </a:xfrm>
+          <a:prstGeom prst="rect">
+            <a:avLst/>
+          </a:prstGeom>
+          <a:solidFill>
+            <a:srgbClr val="92D050"/>
+          </a:solidFill>
+          <a:ln>
+            <a:noFill/>
+          </a:ln>
+        </p:spPr>
+        <p:style>
+          <a:lnRef idx="2">
+            <a:schemeClr val="accent1">
+              <a:shade val="50000"/>
+            </a:schemeClr>
+          </a:lnRef>
+          <a:fillRef idx="1">
+            <a:schemeClr val="accent1"/>
+          </a:fillRef>
+          <a:effectRef idx="0">
+            <a:schemeClr val="accent1"/>
+          </a:effectRef>
+          <a:fontRef idx="minor">
+            <a:schemeClr val="lt1"/>
+          </a:fontRef>
+        </p:style>
+        <p:txBody>
+          <a:bodyPr rtlCol="0" anchor="ctr"/>
+          <a:lstStyle/>
+          <a:p>
+            <a:pPr algn="ctr"/>
+            <a:r>
+              <a:rPr lang="de-DE" sz="4800" b="1" dirty="0">
+                <a:latin typeface="Arial" panose="020B0604020202020204" pitchFamily="34" charset="0"/>
+                <a:cs typeface="Arial" panose="020B0604020202020204" pitchFamily="34" charset="0"/>
+              </a:rPr>
+              <a:t>    Neue Suche</a:t>
+            </a:r>
+          </a:p>
+        </p:txBody>
+      </p:sp>
+      <p:grpSp>
+        <p:nvGrpSpPr>
+          <p:cNvPr id="2" name="Gruppieren 1">
+            <a:extLst>
+              <a:ext uri="{FF2B5EF4-FFF2-40B4-BE49-F238E27FC236}">
+                <a16:creationId xmlns:a16="http://schemas.microsoft.com/office/drawing/2014/main" id="{F4C14616-AD6C-FB01-AE31-C2BCBE2C519D}"/>
+              </a:ext>
+            </a:extLst>
+          </p:cNvPr>
+          <p:cNvGrpSpPr/>
+          <p:nvPr/>
+        </p:nvGrpSpPr>
+        <p:grpSpPr>
+          <a:xfrm>
+            <a:off x="-352338" y="2550879"/>
+            <a:ext cx="1632024" cy="1363963"/>
+            <a:chOff x="1429328" y="2550879"/>
+            <a:chExt cx="1632024" cy="1363963"/>
+          </a:xfrm>
+        </p:grpSpPr>
+        <p:grpSp>
+          <p:nvGrpSpPr>
+            <p:cNvPr id="22" name="Gruppieren 21">
+              <a:extLst>
+                <a:ext uri="{FF2B5EF4-FFF2-40B4-BE49-F238E27FC236}">
+                  <a16:creationId xmlns:a16="http://schemas.microsoft.com/office/drawing/2014/main" id="{1F11B916-7EEF-2AAA-2280-9F0BBECB6D94}"/>
+                </a:ext>
+              </a:extLst>
+            </p:cNvPr>
+            <p:cNvGrpSpPr/>
+            <p:nvPr/>
+          </p:nvGrpSpPr>
+          <p:grpSpPr>
+            <a:xfrm rot="1049711">
+              <a:off x="1429328" y="2550879"/>
+              <a:ext cx="1632024" cy="1363963"/>
+              <a:chOff x="3528152" y="1363848"/>
+              <a:chExt cx="2067299" cy="1908144"/>
+            </a:xfrm>
+          </p:grpSpPr>
+          <p:sp>
+            <p:nvSpPr>
+              <p:cNvPr id="23" name="Rechteck 22">
+                <a:extLst>
+                  <a:ext uri="{FF2B5EF4-FFF2-40B4-BE49-F238E27FC236}">
+                    <a16:creationId xmlns:a16="http://schemas.microsoft.com/office/drawing/2014/main" id="{6BEC64D5-EB57-1AF9-F820-C6BFEB3647FF}"/>
+                  </a:ext>
+                </a:extLst>
+              </p:cNvPr>
+              <p:cNvSpPr/>
+              <p:nvPr/>
+            </p:nvSpPr>
+            <p:spPr>
+              <a:xfrm rot="18682571">
+                <a:off x="4758453" y="2592237"/>
+                <a:ext cx="199820" cy="319932"/>
+              </a:xfrm>
+              <a:prstGeom prst="rect">
+                <a:avLst/>
+              </a:prstGeom>
+              <a:solidFill>
+                <a:schemeClr val="bg1">
+                  <a:lumMod val="75000"/>
+                </a:schemeClr>
+              </a:solidFill>
+              <a:ln>
+                <a:solidFill>
+                  <a:schemeClr val="accent6">
+                    <a:lumMod val="50000"/>
+                  </a:schemeClr>
+                </a:solidFill>
+              </a:ln>
+            </p:spPr>
+            <p:style>
+              <a:lnRef idx="2">
+                <a:schemeClr val="accent1">
+                  <a:shade val="50000"/>
+                </a:schemeClr>
+              </a:lnRef>
+              <a:fillRef idx="1">
+                <a:schemeClr val="accent1"/>
+              </a:fillRef>
+              <a:effectRef idx="0">
+                <a:schemeClr val="accent1"/>
+              </a:effectRef>
+              <a:fontRef idx="minor">
+                <a:schemeClr val="lt1"/>
+              </a:fontRef>
+            </p:style>
+            <p:txBody>
+              <a:bodyPr rtlCol="0" anchor="ctr"/>
+              <a:lstStyle/>
+              <a:p>
+                <a:pPr algn="ctr"/>
+                <a:endParaRPr lang="de-DE"/>
+              </a:p>
+            </p:txBody>
+          </p:sp>
+          <p:sp>
+            <p:nvSpPr>
+              <p:cNvPr id="24" name="Rechteck: abgerundete Ecken 23">
+                <a:extLst>
+                  <a:ext uri="{FF2B5EF4-FFF2-40B4-BE49-F238E27FC236}">
+                    <a16:creationId xmlns:a16="http://schemas.microsoft.com/office/drawing/2014/main" id="{01088807-4BD2-7F22-1B1E-6FDE0E8C8C45}"/>
+                  </a:ext>
+                </a:extLst>
+              </p:cNvPr>
+              <p:cNvSpPr/>
+              <p:nvPr/>
+            </p:nvSpPr>
+            <p:spPr>
+              <a:xfrm rot="18656533">
+                <a:off x="5024759" y="2701299"/>
+                <a:ext cx="403860" cy="737525"/>
+              </a:xfrm>
+              <a:prstGeom prst="roundRect">
+                <a:avLst>
+                  <a:gd name="adj" fmla="val 31504"/>
+                </a:avLst>
+              </a:prstGeom>
+              <a:solidFill>
+                <a:schemeClr val="bg1">
+                  <a:lumMod val="65000"/>
+                </a:schemeClr>
+              </a:solidFill>
+              <a:ln>
+                <a:solidFill>
+                  <a:schemeClr val="accent6">
+                    <a:lumMod val="50000"/>
+                  </a:schemeClr>
+                </a:solidFill>
+              </a:ln>
+            </p:spPr>
+            <p:style>
+              <a:lnRef idx="2">
+                <a:schemeClr val="accent1">
+                  <a:shade val="50000"/>
+                </a:schemeClr>
+              </a:lnRef>
+              <a:fillRef idx="1">
+                <a:schemeClr val="accent1"/>
+              </a:fillRef>
+              <a:effectRef idx="0">
+                <a:schemeClr val="accent1"/>
+              </a:effectRef>
+              <a:fontRef idx="minor">
+                <a:schemeClr val="lt1"/>
+              </a:fontRef>
+            </p:style>
+            <p:txBody>
+              <a:bodyPr rtlCol="0" anchor="ctr"/>
+              <a:lstStyle/>
+              <a:p>
+                <a:pPr algn="ctr"/>
+                <a:endParaRPr lang="de-DE"/>
+              </a:p>
+            </p:txBody>
+          </p:sp>
+          <p:sp>
+            <p:nvSpPr>
+              <p:cNvPr id="31" name="Ellipse 30">
+                <a:extLst>
+                  <a:ext uri="{FF2B5EF4-FFF2-40B4-BE49-F238E27FC236}">
+                    <a16:creationId xmlns:a16="http://schemas.microsoft.com/office/drawing/2014/main" id="{9C3A7C5B-8720-AAC4-272C-1DFF43F140DB}"/>
+                  </a:ext>
+                </a:extLst>
+              </p:cNvPr>
+              <p:cNvSpPr/>
+              <p:nvPr/>
+            </p:nvSpPr>
+            <p:spPr>
+              <a:xfrm>
+                <a:off x="3528152" y="1363848"/>
+                <a:ext cx="1582256" cy="1582252"/>
+              </a:xfrm>
+              <a:prstGeom prst="ellipse">
+                <a:avLst/>
+              </a:prstGeom>
+              <a:solidFill>
+                <a:schemeClr val="bg1">
+                  <a:lumMod val="75000"/>
+                </a:schemeClr>
+              </a:solidFill>
+              <a:ln>
+                <a:solidFill>
+                  <a:schemeClr val="accent6">
+                    <a:lumMod val="50000"/>
+                  </a:schemeClr>
+                </a:solidFill>
+              </a:ln>
+            </p:spPr>
+            <p:style>
+              <a:lnRef idx="2">
+                <a:schemeClr val="accent1">
+                  <a:shade val="50000"/>
+                </a:schemeClr>
+              </a:lnRef>
+              <a:fillRef idx="1">
+                <a:schemeClr val="accent1"/>
+              </a:fillRef>
+              <a:effectRef idx="0">
+                <a:schemeClr val="accent1"/>
+              </a:effectRef>
+              <a:fontRef idx="minor">
+                <a:schemeClr val="lt1"/>
+              </a:fontRef>
+            </p:style>
+            <p:txBody>
+              <a:bodyPr rtlCol="0" anchor="ctr"/>
+              <a:lstStyle/>
+              <a:p>
+                <a:pPr algn="ctr"/>
+                <a:endParaRPr lang="de-DE"/>
+              </a:p>
+            </p:txBody>
+          </p:sp>
+          <p:sp>
+            <p:nvSpPr>
+              <p:cNvPr id="32" name="Ellipse 31">
+                <a:extLst>
+                  <a:ext uri="{FF2B5EF4-FFF2-40B4-BE49-F238E27FC236}">
+                    <a16:creationId xmlns:a16="http://schemas.microsoft.com/office/drawing/2014/main" id="{72743717-F797-AFF6-0844-003BFADED784}"/>
+                  </a:ext>
+                </a:extLst>
+              </p:cNvPr>
+              <p:cNvSpPr/>
+              <p:nvPr/>
+            </p:nvSpPr>
+            <p:spPr>
+              <a:xfrm rot="20029182">
+                <a:off x="3777390" y="1594648"/>
+                <a:ext cx="1083781" cy="1120652"/>
+              </a:xfrm>
+              <a:prstGeom prst="ellipse">
+                <a:avLst/>
+              </a:prstGeom>
+              <a:solidFill>
+                <a:srgbClr val="92D050"/>
+              </a:solidFill>
+              <a:ln>
+                <a:solidFill>
+                  <a:schemeClr val="accent6">
+                    <a:lumMod val="50000"/>
+                  </a:schemeClr>
+                </a:solidFill>
+              </a:ln>
+            </p:spPr>
+            <p:style>
+              <a:lnRef idx="2">
+                <a:schemeClr val="accent1">
+                  <a:shade val="50000"/>
+                </a:schemeClr>
+              </a:lnRef>
+              <a:fillRef idx="1">
+                <a:schemeClr val="accent1"/>
+              </a:fillRef>
+              <a:effectRef idx="0">
+                <a:schemeClr val="accent1"/>
+              </a:effectRef>
+              <a:fontRef idx="minor">
+                <a:schemeClr val="lt1"/>
+              </a:fontRef>
+            </p:style>
+            <p:txBody>
+              <a:bodyPr rtlCol="0" anchor="ctr"/>
+              <a:lstStyle/>
+              <a:p>
+                <a:pPr algn="ctr"/>
+                <a:endParaRPr lang="de-DE"/>
+              </a:p>
+            </p:txBody>
+          </p:sp>
+          <p:sp>
+            <p:nvSpPr>
+              <p:cNvPr id="33" name="Bogen 32">
+                <a:extLst>
+                  <a:ext uri="{FF2B5EF4-FFF2-40B4-BE49-F238E27FC236}">
+                    <a16:creationId xmlns:a16="http://schemas.microsoft.com/office/drawing/2014/main" id="{8FEB0DD8-7857-8326-4C40-D63DD7A69CF5}"/>
+                  </a:ext>
+                </a:extLst>
+              </p:cNvPr>
+              <p:cNvSpPr/>
+              <p:nvPr/>
+            </p:nvSpPr>
+            <p:spPr>
+              <a:xfrm rot="10800000">
+                <a:off x="3822229" y="1550713"/>
+                <a:ext cx="693221" cy="1041547"/>
+              </a:xfrm>
+              <a:prstGeom prst="arc">
+                <a:avLst>
+                  <a:gd name="adj1" fmla="val 16200000"/>
+                  <a:gd name="adj2" fmla="val 18873585"/>
+                </a:avLst>
+              </a:prstGeom>
+              <a:ln w="38100">
+                <a:solidFill>
+                  <a:schemeClr val="bg1"/>
+                </a:solidFill>
+              </a:ln>
+            </p:spPr>
+            <p:style>
+              <a:lnRef idx="1">
+                <a:schemeClr val="accent1"/>
+              </a:lnRef>
+              <a:fillRef idx="0">
+                <a:schemeClr val="accent1"/>
+              </a:fillRef>
+              <a:effectRef idx="0">
+                <a:schemeClr val="accent1"/>
+              </a:effectRef>
+              <a:fontRef idx="minor">
+                <a:schemeClr val="tx1"/>
+              </a:fontRef>
+            </p:style>
+            <p:txBody>
+              <a:bodyPr rtlCol="0" anchor="ctr"/>
+              <a:lstStyle/>
+              <a:p>
+                <a:pPr algn="ctr"/>
+                <a:endParaRPr lang="de-DE"/>
+              </a:p>
+            </p:txBody>
+          </p:sp>
+        </p:grpSp>
+        <p:pic>
+          <p:nvPicPr>
+            <p:cNvPr id="13" name="Grafik 12" descr="Cabriolet mit einfarbiger Füllung">
+              <a:extLst>
+                <a:ext uri="{FF2B5EF4-FFF2-40B4-BE49-F238E27FC236}">
+                  <a16:creationId xmlns:a16="http://schemas.microsoft.com/office/drawing/2014/main" id="{097062A2-9000-0CBB-65FF-D208948243CE}"/>
+                </a:ext>
+              </a:extLst>
+            </p:cNvPr>
+            <p:cNvPicPr>
+              <a:picLocks noChangeAspect="1"/>
+            </p:cNvPicPr>
+            <p:nvPr/>
+          </p:nvPicPr>
+          <p:blipFill>
+            <a:blip r:embed="rId2">
+              <a:extLst>
+                <a:ext uri="{28A0092B-C50C-407E-A947-70E740481C1C}">
+                  <a14:useLocalDpi xmlns:a14="http://schemas.microsoft.com/office/drawing/2010/main" val="0"/>
+                </a:ext>
+                <a:ext uri="{96DAC541-7B7A-43D3-8B79-37D633B846F1}">
+                  <asvg:svgBlip xmlns:asvg="http://schemas.microsoft.com/office/drawing/2016/SVG/main" r:embed="rId3"/>
+                </a:ext>
+              </a:extLst>
+            </a:blip>
+            <a:stretch>
+              <a:fillRect/>
+            </a:stretch>
+          </p:blipFill>
+          <p:spPr>
+            <a:xfrm>
+              <a:off x="1791632" y="2777714"/>
+              <a:ext cx="612243" cy="563034"/>
+            </a:xfrm>
+            <a:prstGeom prst="rect">
+              <a:avLst/>
+            </a:prstGeom>
+          </p:spPr>
+        </p:pic>
+      </p:grpSp>
+      <p:grpSp>
+        <p:nvGrpSpPr>
+          <p:cNvPr id="4" name="Gruppieren 3">
+            <a:extLst>
+              <a:ext uri="{FF2B5EF4-FFF2-40B4-BE49-F238E27FC236}">
+                <a16:creationId xmlns:a16="http://schemas.microsoft.com/office/drawing/2014/main" id="{7C8345B1-0C1B-3C98-EF7B-60104A13E79F}"/>
+              </a:ext>
+            </a:extLst>
+          </p:cNvPr>
+          <p:cNvGrpSpPr/>
+          <p:nvPr/>
+        </p:nvGrpSpPr>
+        <p:grpSpPr>
+          <a:xfrm>
+            <a:off x="3082564" y="412135"/>
+            <a:ext cx="1240115" cy="1646983"/>
+            <a:chOff x="3475818" y="2593001"/>
+            <a:chExt cx="1494782" cy="2054960"/>
+          </a:xfrm>
+        </p:grpSpPr>
+        <p:sp>
+          <p:nvSpPr>
+            <p:cNvPr id="37" name="Rechteck 36">
+              <a:extLst>
+                <a:ext uri="{FF2B5EF4-FFF2-40B4-BE49-F238E27FC236}">
+                  <a16:creationId xmlns:a16="http://schemas.microsoft.com/office/drawing/2014/main" id="{E8D492C5-49F3-846F-9FA2-383442FF43B7}"/>
+                </a:ext>
+              </a:extLst>
+            </p:cNvPr>
+            <p:cNvSpPr/>
+            <p:nvPr/>
+          </p:nvSpPr>
+          <p:spPr>
+            <a:xfrm rot="19732282">
+              <a:off x="4505807" y="3926445"/>
+              <a:ext cx="142834" cy="252570"/>
+            </a:xfrm>
+            <a:prstGeom prst="rect">
+              <a:avLst/>
+            </a:prstGeom>
+            <a:solidFill>
+              <a:schemeClr val="bg1">
+                <a:lumMod val="75000"/>
+              </a:schemeClr>
+            </a:solidFill>
+            <a:ln>
+              <a:solidFill>
+                <a:schemeClr val="accent6">
+                  <a:lumMod val="50000"/>
+                </a:schemeClr>
+              </a:solidFill>
+            </a:ln>
+          </p:spPr>
+          <p:style>
+            <a:lnRef idx="2">
+              <a:schemeClr val="accent1">
+                <a:shade val="50000"/>
+              </a:schemeClr>
+            </a:lnRef>
+            <a:fillRef idx="1">
+              <a:schemeClr val="accent1"/>
+            </a:fillRef>
+            <a:effectRef idx="0">
+              <a:schemeClr val="accent1"/>
+            </a:effectRef>
+            <a:fontRef idx="minor">
+              <a:schemeClr val="lt1"/>
+            </a:fontRef>
+          </p:style>
+          <p:txBody>
+            <a:bodyPr rtlCol="0" anchor="ctr"/>
+            <a:lstStyle/>
+            <a:p>
+              <a:pPr algn="ctr"/>
+              <a:endParaRPr lang="de-DE"/>
+            </a:p>
+          </p:txBody>
+        </p:sp>
+        <p:sp>
+          <p:nvSpPr>
+            <p:cNvPr id="38" name="Rechteck: abgerundete Ecken 37">
+              <a:extLst>
+                <a:ext uri="{FF2B5EF4-FFF2-40B4-BE49-F238E27FC236}">
+                  <a16:creationId xmlns:a16="http://schemas.microsoft.com/office/drawing/2014/main" id="{BC44918D-B02F-E964-1495-0D60D7773CED}"/>
+                </a:ext>
+              </a:extLst>
+            </p:cNvPr>
+            <p:cNvSpPr/>
+            <p:nvPr/>
+          </p:nvSpPr>
+          <p:spPr>
+            <a:xfrm rot="19706244">
+              <a:off x="4641900" y="4065724"/>
+              <a:ext cx="288684" cy="582237"/>
+            </a:xfrm>
+            <a:prstGeom prst="roundRect">
+              <a:avLst>
+                <a:gd name="adj" fmla="val 31504"/>
+              </a:avLst>
+            </a:prstGeom>
+            <a:solidFill>
+              <a:schemeClr val="bg1">
+                <a:lumMod val="65000"/>
+              </a:schemeClr>
+            </a:solidFill>
+            <a:ln>
+              <a:solidFill>
+                <a:schemeClr val="accent6">
+                  <a:lumMod val="50000"/>
+                </a:schemeClr>
+              </a:solidFill>
+            </a:ln>
+          </p:spPr>
+          <p:style>
+            <a:lnRef idx="2">
+              <a:schemeClr val="accent1">
+                <a:shade val="50000"/>
+              </a:schemeClr>
+            </a:lnRef>
+            <a:fillRef idx="1">
+              <a:schemeClr val="accent1"/>
+            </a:fillRef>
+            <a:effectRef idx="0">
+              <a:schemeClr val="accent1"/>
+            </a:effectRef>
+            <a:fontRef idx="minor">
+              <a:schemeClr val="lt1"/>
+            </a:fontRef>
+          </p:style>
+          <p:txBody>
+            <a:bodyPr rtlCol="0" anchor="ctr"/>
+            <a:lstStyle/>
+            <a:p>
+              <a:pPr algn="ctr"/>
+              <a:endParaRPr lang="de-DE"/>
+            </a:p>
+          </p:txBody>
+        </p:sp>
+        <p:sp>
+          <p:nvSpPr>
+            <p:cNvPr id="3" name="Ellipse 2">
+              <a:extLst>
+                <a:ext uri="{FF2B5EF4-FFF2-40B4-BE49-F238E27FC236}">
+                  <a16:creationId xmlns:a16="http://schemas.microsoft.com/office/drawing/2014/main" id="{41DD8CA9-7BD6-47E5-A98B-A9F4B7544CB4}"/>
+                </a:ext>
+              </a:extLst>
+            </p:cNvPr>
+            <p:cNvSpPr/>
+            <p:nvPr/>
+          </p:nvSpPr>
+          <p:spPr>
+            <a:xfrm>
+              <a:off x="3475818" y="2593001"/>
+              <a:ext cx="1494782" cy="1494782"/>
+            </a:xfrm>
+            <a:prstGeom prst="ellipse">
+              <a:avLst/>
+            </a:prstGeom>
+            <a:solidFill>
+              <a:schemeClr val="bg1">
+                <a:lumMod val="95000"/>
+              </a:schemeClr>
+            </a:solidFill>
+            <a:ln>
+              <a:solidFill>
+                <a:schemeClr val="accent6">
+                  <a:lumMod val="50000"/>
+                </a:schemeClr>
+              </a:solidFill>
+            </a:ln>
+          </p:spPr>
+          <p:style>
+            <a:lnRef idx="2">
+              <a:schemeClr val="accent1">
+                <a:shade val="50000"/>
+              </a:schemeClr>
+            </a:lnRef>
+            <a:fillRef idx="1">
+              <a:schemeClr val="accent1"/>
+            </a:fillRef>
+            <a:effectRef idx="0">
+              <a:schemeClr val="accent1"/>
+            </a:effectRef>
+            <a:fontRef idx="minor">
+              <a:schemeClr val="lt1"/>
+            </a:fontRef>
+          </p:style>
+          <p:txBody>
+            <a:bodyPr rtlCol="0" anchor="ctr"/>
+            <a:lstStyle/>
+            <a:p>
+              <a:pPr algn="ctr"/>
+              <a:endParaRPr lang="de-DE"/>
+            </a:p>
+          </p:txBody>
+        </p:sp>
+        <p:sp>
+          <p:nvSpPr>
+            <p:cNvPr id="34" name="Ellipse 33">
+              <a:extLst>
+                <a:ext uri="{FF2B5EF4-FFF2-40B4-BE49-F238E27FC236}">
+                  <a16:creationId xmlns:a16="http://schemas.microsoft.com/office/drawing/2014/main" id="{E4E5D643-442E-D10F-B861-76F13E4BF28E}"/>
+                </a:ext>
+              </a:extLst>
+            </p:cNvPr>
+            <p:cNvSpPr/>
+            <p:nvPr/>
+          </p:nvSpPr>
+          <p:spPr>
+            <a:xfrm>
+              <a:off x="3660175" y="2777358"/>
+              <a:ext cx="1126068" cy="1126068"/>
+            </a:xfrm>
+            <a:prstGeom prst="ellipse">
+              <a:avLst/>
+            </a:prstGeom>
+            <a:gradFill flip="none" rotWithShape="1">
+              <a:gsLst>
+                <a:gs pos="0">
+                  <a:srgbClr val="92D050">
+                    <a:shade val="30000"/>
+                    <a:satMod val="115000"/>
+                  </a:srgbClr>
+                </a:gs>
+                <a:gs pos="50000">
+                  <a:srgbClr val="92D050">
+                    <a:shade val="67500"/>
+                    <a:satMod val="115000"/>
+                  </a:srgbClr>
+                </a:gs>
+                <a:gs pos="100000">
+                  <a:srgbClr val="92D050">
+                    <a:shade val="100000"/>
+                    <a:satMod val="115000"/>
+                  </a:srgbClr>
+                </a:gs>
+              </a:gsLst>
+              <a:lin ang="2700000" scaled="1"/>
+              <a:tileRect/>
+            </a:gradFill>
+            <a:ln>
+              <a:solidFill>
+                <a:schemeClr val="accent6">
+                  <a:lumMod val="50000"/>
+                </a:schemeClr>
+              </a:solidFill>
+            </a:ln>
+          </p:spPr>
+          <p:style>
+            <a:lnRef idx="2">
+              <a:schemeClr val="accent1">
+                <a:shade val="50000"/>
+              </a:schemeClr>
+            </a:lnRef>
+            <a:fillRef idx="1">
+              <a:schemeClr val="accent1"/>
+            </a:fillRef>
+            <a:effectRef idx="0">
+              <a:schemeClr val="accent1"/>
+            </a:effectRef>
+            <a:fontRef idx="minor">
+              <a:schemeClr val="lt1"/>
+            </a:fontRef>
+          </p:style>
+          <p:txBody>
+            <a:bodyPr rtlCol="0" anchor="ctr"/>
+            <a:lstStyle/>
+            <a:p>
+              <a:pPr algn="ctr"/>
+              <a:endParaRPr lang="de-DE" dirty="0"/>
+            </a:p>
+          </p:txBody>
+        </p:sp>
+        <p:pic>
+          <p:nvPicPr>
+            <p:cNvPr id="35" name="Grafik 34" descr="Cabriolet mit einfarbiger Füllung">
+              <a:extLst>
+                <a:ext uri="{FF2B5EF4-FFF2-40B4-BE49-F238E27FC236}">
+                  <a16:creationId xmlns:a16="http://schemas.microsoft.com/office/drawing/2014/main" id="{6509DD5A-A253-7DAC-9625-08C06DE33263}"/>
+                </a:ext>
+              </a:extLst>
+            </p:cNvPr>
+            <p:cNvPicPr>
+              <a:picLocks noChangeAspect="1"/>
+            </p:cNvPicPr>
+            <p:nvPr/>
+          </p:nvPicPr>
+          <p:blipFill>
+            <a:blip r:embed="rId2">
+              <a:extLst>
+                <a:ext uri="{28A0092B-C50C-407E-A947-70E740481C1C}">
+                  <a14:useLocalDpi xmlns:a14="http://schemas.microsoft.com/office/drawing/2010/main" val="0"/>
+                </a:ext>
+                <a:ext uri="{96DAC541-7B7A-43D3-8B79-37D633B846F1}">
+                  <asvg:svgBlip xmlns:asvg="http://schemas.microsoft.com/office/drawing/2016/SVG/main" r:embed="rId3"/>
+                </a:ext>
+              </a:extLst>
+            </a:blip>
+            <a:stretch>
+              <a:fillRect/>
+            </a:stretch>
+          </p:blipFill>
+          <p:spPr>
+            <a:xfrm>
+              <a:off x="3827173" y="2989634"/>
+              <a:ext cx="792072" cy="728409"/>
+            </a:xfrm>
+            <a:prstGeom prst="rect">
+              <a:avLst/>
+            </a:prstGeom>
+          </p:spPr>
+        </p:pic>
+        <p:sp>
+          <p:nvSpPr>
+            <p:cNvPr id="36" name="Bogen 35">
+              <a:extLst>
+                <a:ext uri="{FF2B5EF4-FFF2-40B4-BE49-F238E27FC236}">
+                  <a16:creationId xmlns:a16="http://schemas.microsoft.com/office/drawing/2014/main" id="{529B8D49-E5B3-DFF3-FB84-CA4D36F37CE8}"/>
+                </a:ext>
+              </a:extLst>
+            </p:cNvPr>
+            <p:cNvSpPr/>
+            <p:nvPr/>
+          </p:nvSpPr>
+          <p:spPr>
+            <a:xfrm rot="15848053">
+              <a:off x="3874004" y="2810367"/>
+              <a:ext cx="547262" cy="744510"/>
+            </a:xfrm>
+            <a:prstGeom prst="arc">
+              <a:avLst>
+                <a:gd name="adj1" fmla="val 16200000"/>
+                <a:gd name="adj2" fmla="val 20666533"/>
+              </a:avLst>
+            </a:prstGeom>
+            <a:ln w="38100">
+              <a:solidFill>
+                <a:schemeClr val="bg1"/>
+              </a:solidFill>
+            </a:ln>
+          </p:spPr>
+          <p:style>
+            <a:lnRef idx="1">
+              <a:schemeClr val="accent1"/>
+            </a:lnRef>
+            <a:fillRef idx="0">
+              <a:schemeClr val="accent1"/>
+            </a:fillRef>
+            <a:effectRef idx="0">
+              <a:schemeClr val="accent1"/>
+            </a:effectRef>
+            <a:fontRef idx="minor">
+              <a:schemeClr val="tx1"/>
+            </a:fontRef>
+          </p:style>
+          <p:txBody>
+            <a:bodyPr rtlCol="0" anchor="ctr"/>
+            <a:lstStyle/>
+            <a:p>
+              <a:pPr algn="ctr"/>
+              <a:endParaRPr lang="de-DE"/>
+            </a:p>
+          </p:txBody>
+        </p:sp>
+      </p:grpSp>
+      <p:sp>
+        <p:nvSpPr>
+          <p:cNvPr id="39" name="Rechteck 38">
+            <a:extLst>
+              <a:ext uri="{FF2B5EF4-FFF2-40B4-BE49-F238E27FC236}">
+                <a16:creationId xmlns:a16="http://schemas.microsoft.com/office/drawing/2014/main" id="{DD820F88-DCB4-E6CD-20AD-6F448146ADD4}"/>
+              </a:ext>
+            </a:extLst>
+          </p:cNvPr>
+          <p:cNvSpPr/>
+          <p:nvPr/>
+        </p:nvSpPr>
+        <p:spPr>
+          <a:xfrm>
+            <a:off x="2859695" y="2465992"/>
+            <a:ext cx="6159501" cy="1845167"/>
+          </a:xfrm>
+          <a:prstGeom prst="rect">
+            <a:avLst/>
+          </a:prstGeom>
+          <a:solidFill>
+            <a:srgbClr val="A9D18E"/>
+          </a:solidFill>
+          <a:ln>
+            <a:noFill/>
+          </a:ln>
+        </p:spPr>
+        <p:style>
+          <a:lnRef idx="2">
+            <a:schemeClr val="accent1">
+              <a:shade val="50000"/>
+            </a:schemeClr>
+          </a:lnRef>
+          <a:fillRef idx="1">
+            <a:schemeClr val="accent1"/>
+          </a:fillRef>
+          <a:effectRef idx="0">
+            <a:schemeClr val="accent1"/>
+          </a:effectRef>
+          <a:fontRef idx="minor">
+            <a:schemeClr val="lt1"/>
+          </a:fontRef>
+        </p:style>
+        <p:txBody>
+          <a:bodyPr rtlCol="0" anchor="ctr"/>
+          <a:lstStyle/>
+          <a:p>
+            <a:pPr algn="ctr"/>
+            <a:r>
+              <a:rPr lang="de-DE" sz="4800" b="1" dirty="0">
+                <a:latin typeface="Arial" panose="020B0604020202020204" pitchFamily="34" charset="0"/>
+                <a:cs typeface="Arial" panose="020B0604020202020204" pitchFamily="34" charset="0"/>
+              </a:rPr>
+              <a:t>    Neue Suche</a:t>
+            </a:r>
+          </a:p>
+        </p:txBody>
+      </p:sp>
+      <p:grpSp>
+        <p:nvGrpSpPr>
+          <p:cNvPr id="40" name="Gruppieren 39">
+            <a:extLst>
+              <a:ext uri="{FF2B5EF4-FFF2-40B4-BE49-F238E27FC236}">
+                <a16:creationId xmlns:a16="http://schemas.microsoft.com/office/drawing/2014/main" id="{A5C95BAB-3058-7D09-0829-2C19772C13B9}"/>
+              </a:ext>
+            </a:extLst>
+          </p:cNvPr>
+          <p:cNvGrpSpPr/>
+          <p:nvPr/>
+        </p:nvGrpSpPr>
+        <p:grpSpPr>
+          <a:xfrm>
+            <a:off x="3082564" y="2565083"/>
+            <a:ext cx="1240115" cy="1646983"/>
+            <a:chOff x="3475818" y="2593001"/>
+            <a:chExt cx="1494782" cy="2054960"/>
+          </a:xfrm>
+        </p:grpSpPr>
+        <p:sp>
+          <p:nvSpPr>
+            <p:cNvPr id="41" name="Rechteck 40">
+              <a:extLst>
+                <a:ext uri="{FF2B5EF4-FFF2-40B4-BE49-F238E27FC236}">
+                  <a16:creationId xmlns:a16="http://schemas.microsoft.com/office/drawing/2014/main" id="{C60C8460-F521-3AFA-3311-7A7DC6F2685C}"/>
+                </a:ext>
+              </a:extLst>
+            </p:cNvPr>
+            <p:cNvSpPr/>
+            <p:nvPr/>
+          </p:nvSpPr>
+          <p:spPr>
+            <a:xfrm rot="19732282">
+              <a:off x="4505807" y="3926445"/>
+              <a:ext cx="142834" cy="252570"/>
+            </a:xfrm>
+            <a:prstGeom prst="rect">
+              <a:avLst/>
+            </a:prstGeom>
+            <a:solidFill>
+              <a:schemeClr val="bg1">
+                <a:lumMod val="75000"/>
+              </a:schemeClr>
+            </a:solidFill>
+            <a:ln>
+              <a:solidFill>
+                <a:schemeClr val="accent6">
+                  <a:lumMod val="50000"/>
+                </a:schemeClr>
+              </a:solidFill>
+            </a:ln>
+          </p:spPr>
+          <p:style>
+            <a:lnRef idx="2">
+              <a:schemeClr val="accent1">
+                <a:shade val="50000"/>
+              </a:schemeClr>
+            </a:lnRef>
+            <a:fillRef idx="1">
+              <a:schemeClr val="accent1"/>
+            </a:fillRef>
+            <a:effectRef idx="0">
+              <a:schemeClr val="accent1"/>
+            </a:effectRef>
+            <a:fontRef idx="minor">
+              <a:schemeClr val="lt1"/>
+            </a:fontRef>
+          </p:style>
+          <p:txBody>
+            <a:bodyPr rtlCol="0" anchor="ctr"/>
+            <a:lstStyle/>
+            <a:p>
+              <a:pPr algn="ctr"/>
+              <a:endParaRPr lang="de-DE"/>
+            </a:p>
+          </p:txBody>
+        </p:sp>
+        <p:sp>
+          <p:nvSpPr>
+            <p:cNvPr id="42" name="Rechteck: abgerundete Ecken 41">
+              <a:extLst>
+                <a:ext uri="{FF2B5EF4-FFF2-40B4-BE49-F238E27FC236}">
+                  <a16:creationId xmlns:a16="http://schemas.microsoft.com/office/drawing/2014/main" id="{DA9D0973-72FE-82A5-DF07-372C84214309}"/>
+                </a:ext>
+              </a:extLst>
+            </p:cNvPr>
+            <p:cNvSpPr/>
+            <p:nvPr/>
+          </p:nvSpPr>
+          <p:spPr>
+            <a:xfrm rot="19706244">
+              <a:off x="4641900" y="4065724"/>
+              <a:ext cx="288684" cy="582237"/>
+            </a:xfrm>
+            <a:prstGeom prst="roundRect">
+              <a:avLst>
+                <a:gd name="adj" fmla="val 31504"/>
+              </a:avLst>
+            </a:prstGeom>
+            <a:solidFill>
+              <a:schemeClr val="bg1">
+                <a:lumMod val="65000"/>
+              </a:schemeClr>
+            </a:solidFill>
+            <a:ln>
+              <a:solidFill>
+                <a:schemeClr val="accent6">
+                  <a:lumMod val="50000"/>
+                </a:schemeClr>
+              </a:solidFill>
+            </a:ln>
+          </p:spPr>
+          <p:style>
+            <a:lnRef idx="2">
+              <a:schemeClr val="accent1">
+                <a:shade val="50000"/>
+              </a:schemeClr>
+            </a:lnRef>
+            <a:fillRef idx="1">
+              <a:schemeClr val="accent1"/>
+            </a:fillRef>
+            <a:effectRef idx="0">
+              <a:schemeClr val="accent1"/>
+            </a:effectRef>
+            <a:fontRef idx="minor">
+              <a:schemeClr val="lt1"/>
+            </a:fontRef>
+          </p:style>
+          <p:txBody>
+            <a:bodyPr rtlCol="0" anchor="ctr"/>
+            <a:lstStyle/>
+            <a:p>
+              <a:pPr algn="ctr"/>
+              <a:endParaRPr lang="de-DE"/>
+            </a:p>
+          </p:txBody>
+        </p:sp>
+        <p:sp>
+          <p:nvSpPr>
+            <p:cNvPr id="43" name="Ellipse 42">
+              <a:extLst>
+                <a:ext uri="{FF2B5EF4-FFF2-40B4-BE49-F238E27FC236}">
+                  <a16:creationId xmlns:a16="http://schemas.microsoft.com/office/drawing/2014/main" id="{123645B7-088F-4EA5-A6E6-09410AE848C0}"/>
+                </a:ext>
+              </a:extLst>
+            </p:cNvPr>
+            <p:cNvSpPr/>
+            <p:nvPr/>
+          </p:nvSpPr>
+          <p:spPr>
+            <a:xfrm>
+              <a:off x="3475818" y="2593001"/>
+              <a:ext cx="1494782" cy="1494782"/>
+            </a:xfrm>
+            <a:prstGeom prst="ellipse">
+              <a:avLst/>
+            </a:prstGeom>
+            <a:solidFill>
+              <a:schemeClr val="bg1">
+                <a:lumMod val="95000"/>
+              </a:schemeClr>
+            </a:solidFill>
+            <a:ln>
+              <a:solidFill>
+                <a:schemeClr val="accent6">
+                  <a:lumMod val="50000"/>
+                </a:schemeClr>
+              </a:solidFill>
+            </a:ln>
+          </p:spPr>
+          <p:style>
+            <a:lnRef idx="2">
+              <a:schemeClr val="accent1">
+                <a:shade val="50000"/>
+              </a:schemeClr>
+            </a:lnRef>
+            <a:fillRef idx="1">
+              <a:schemeClr val="accent1"/>
+            </a:fillRef>
+            <a:effectRef idx="0">
+              <a:schemeClr val="accent1"/>
+            </a:effectRef>
+            <a:fontRef idx="minor">
+              <a:schemeClr val="lt1"/>
+            </a:fontRef>
+          </p:style>
+          <p:txBody>
+            <a:bodyPr rtlCol="0" anchor="ctr"/>
+            <a:lstStyle/>
+            <a:p>
+              <a:pPr algn="ctr"/>
+              <a:endParaRPr lang="de-DE"/>
+            </a:p>
+          </p:txBody>
+        </p:sp>
+        <p:sp>
+          <p:nvSpPr>
+            <p:cNvPr id="44" name="Ellipse 43">
+              <a:extLst>
+                <a:ext uri="{FF2B5EF4-FFF2-40B4-BE49-F238E27FC236}">
+                  <a16:creationId xmlns:a16="http://schemas.microsoft.com/office/drawing/2014/main" id="{1912CE22-AE39-5BED-B962-5D4B33CA15B0}"/>
+                </a:ext>
+              </a:extLst>
+            </p:cNvPr>
+            <p:cNvSpPr/>
+            <p:nvPr/>
+          </p:nvSpPr>
+          <p:spPr>
+            <a:xfrm>
+              <a:off x="3660175" y="2777358"/>
+              <a:ext cx="1126068" cy="1126068"/>
+            </a:xfrm>
+            <a:prstGeom prst="ellipse">
+              <a:avLst/>
+            </a:prstGeom>
+            <a:gradFill flip="none" rotWithShape="1">
+              <a:gsLst>
+                <a:gs pos="0">
+                  <a:srgbClr val="A9D18E">
+                    <a:shade val="30000"/>
+                    <a:satMod val="115000"/>
+                  </a:srgbClr>
+                </a:gs>
+                <a:gs pos="50000">
+                  <a:srgbClr val="A9D18E">
+                    <a:shade val="67500"/>
+                    <a:satMod val="115000"/>
+                  </a:srgbClr>
+                </a:gs>
+                <a:gs pos="100000">
+                  <a:srgbClr val="A9D18E">
+                    <a:shade val="100000"/>
+                    <a:satMod val="115000"/>
+                  </a:srgbClr>
+                </a:gs>
+              </a:gsLst>
+              <a:lin ang="2700000" scaled="1"/>
+              <a:tileRect/>
+            </a:gradFill>
+            <a:ln>
+              <a:solidFill>
+                <a:schemeClr val="accent6">
+                  <a:lumMod val="50000"/>
+                </a:schemeClr>
+              </a:solidFill>
+            </a:ln>
+          </p:spPr>
+          <p:style>
+            <a:lnRef idx="2">
+              <a:schemeClr val="accent1">
+                <a:shade val="50000"/>
+              </a:schemeClr>
+            </a:lnRef>
+            <a:fillRef idx="1">
+              <a:schemeClr val="accent1"/>
+            </a:fillRef>
+            <a:effectRef idx="0">
+              <a:schemeClr val="accent1"/>
+            </a:effectRef>
+            <a:fontRef idx="minor">
+              <a:schemeClr val="lt1"/>
+            </a:fontRef>
+          </p:style>
+          <p:txBody>
+            <a:bodyPr rtlCol="0" anchor="ctr"/>
+            <a:lstStyle/>
+            <a:p>
+              <a:pPr algn="ctr"/>
+              <a:endParaRPr lang="de-DE" dirty="0"/>
+            </a:p>
+          </p:txBody>
+        </p:sp>
+        <p:pic>
+          <p:nvPicPr>
+            <p:cNvPr id="45" name="Grafik 44" descr="Cabriolet mit einfarbiger Füllung">
+              <a:extLst>
+                <a:ext uri="{FF2B5EF4-FFF2-40B4-BE49-F238E27FC236}">
+                  <a16:creationId xmlns:a16="http://schemas.microsoft.com/office/drawing/2014/main" id="{B47BB4D0-0F95-A62B-BD24-2476D3524D79}"/>
+                </a:ext>
+              </a:extLst>
+            </p:cNvPr>
+            <p:cNvPicPr>
+              <a:picLocks noChangeAspect="1"/>
+            </p:cNvPicPr>
+            <p:nvPr/>
+          </p:nvPicPr>
+          <p:blipFill>
+            <a:blip r:embed="rId2">
+              <a:extLst>
+                <a:ext uri="{28A0092B-C50C-407E-A947-70E740481C1C}">
+                  <a14:useLocalDpi xmlns:a14="http://schemas.microsoft.com/office/drawing/2010/main" val="0"/>
+                </a:ext>
+                <a:ext uri="{96DAC541-7B7A-43D3-8B79-37D633B846F1}">
+                  <asvg:svgBlip xmlns:asvg="http://schemas.microsoft.com/office/drawing/2016/SVG/main" r:embed="rId3"/>
+                </a:ext>
+              </a:extLst>
+            </a:blip>
+            <a:stretch>
+              <a:fillRect/>
+            </a:stretch>
+          </p:blipFill>
+          <p:spPr>
+            <a:xfrm>
+              <a:off x="3827173" y="2989634"/>
+              <a:ext cx="792072" cy="728409"/>
+            </a:xfrm>
+            <a:prstGeom prst="rect">
+              <a:avLst/>
+            </a:prstGeom>
+          </p:spPr>
+        </p:pic>
+        <p:sp>
+          <p:nvSpPr>
+            <p:cNvPr id="46" name="Bogen 45">
+              <a:extLst>
+                <a:ext uri="{FF2B5EF4-FFF2-40B4-BE49-F238E27FC236}">
+                  <a16:creationId xmlns:a16="http://schemas.microsoft.com/office/drawing/2014/main" id="{6667D66B-4725-F525-B9C3-80935744D37D}"/>
+                </a:ext>
+              </a:extLst>
+            </p:cNvPr>
+            <p:cNvSpPr/>
+            <p:nvPr/>
+          </p:nvSpPr>
+          <p:spPr>
+            <a:xfrm rot="15848053">
+              <a:off x="3874004" y="2810367"/>
+              <a:ext cx="547262" cy="744510"/>
+            </a:xfrm>
+            <a:prstGeom prst="arc">
+              <a:avLst>
+                <a:gd name="adj1" fmla="val 16200000"/>
+                <a:gd name="adj2" fmla="val 20666533"/>
+              </a:avLst>
+            </a:prstGeom>
+            <a:ln w="38100">
+              <a:solidFill>
+                <a:schemeClr val="bg1"/>
+              </a:solidFill>
+            </a:ln>
+          </p:spPr>
+          <p:style>
+            <a:lnRef idx="1">
+              <a:schemeClr val="accent1"/>
+            </a:lnRef>
+            <a:fillRef idx="0">
+              <a:schemeClr val="accent1"/>
+            </a:fillRef>
+            <a:effectRef idx="0">
+              <a:schemeClr val="accent1"/>
+            </a:effectRef>
+            <a:fontRef idx="minor">
+              <a:schemeClr val="tx1"/>
+            </a:fontRef>
+          </p:style>
+          <p:txBody>
+            <a:bodyPr rtlCol="0" anchor="ctr"/>
+            <a:lstStyle/>
+            <a:p>
+              <a:pPr algn="ctr"/>
+              <a:endParaRPr lang="de-DE"/>
+            </a:p>
+          </p:txBody>
+        </p:sp>
+      </p:grpSp>
+      <p:sp>
+        <p:nvSpPr>
+          <p:cNvPr id="47" name="Rechteck 46">
+            <a:extLst>
+              <a:ext uri="{FF2B5EF4-FFF2-40B4-BE49-F238E27FC236}">
+                <a16:creationId xmlns:a16="http://schemas.microsoft.com/office/drawing/2014/main" id="{4ED5CE2C-ADDD-C3FD-E09C-BB02513F0925}"/>
+              </a:ext>
+            </a:extLst>
+          </p:cNvPr>
+          <p:cNvSpPr/>
+          <p:nvPr/>
+        </p:nvSpPr>
+        <p:spPr>
+          <a:xfrm>
+            <a:off x="2859695" y="4570020"/>
+            <a:ext cx="6159501" cy="1845167"/>
+          </a:xfrm>
+          <a:prstGeom prst="rect">
+            <a:avLst/>
+          </a:prstGeom>
+          <a:solidFill>
+            <a:schemeClr val="bg1"/>
+          </a:solidFill>
+          <a:ln>
+            <a:noFill/>
+          </a:ln>
+        </p:spPr>
+        <p:style>
+          <a:lnRef idx="2">
+            <a:schemeClr val="accent1">
+              <a:shade val="50000"/>
+            </a:schemeClr>
+          </a:lnRef>
+          <a:fillRef idx="1">
+            <a:schemeClr val="accent1"/>
+          </a:fillRef>
+          <a:effectRef idx="0">
+            <a:schemeClr val="accent1"/>
+          </a:effectRef>
+          <a:fontRef idx="minor">
+            <a:schemeClr val="lt1"/>
+          </a:fontRef>
+        </p:style>
+        <p:txBody>
+          <a:bodyPr rtlCol="0" anchor="ctr"/>
+          <a:lstStyle/>
+          <a:p>
+            <a:pPr algn="ctr"/>
+            <a:r>
+              <a:rPr lang="de-DE" sz="4800" b="1" dirty="0">
+                <a:solidFill>
+                  <a:srgbClr val="92D050"/>
+                </a:solidFill>
+                <a:latin typeface="Arial" panose="020B0604020202020204" pitchFamily="34" charset="0"/>
+                <a:cs typeface="Arial" panose="020B0604020202020204" pitchFamily="34" charset="0"/>
+              </a:rPr>
+              <a:t>    Neue Suche</a:t>
+            </a:r>
+          </a:p>
+        </p:txBody>
+      </p:sp>
+      <p:grpSp>
+        <p:nvGrpSpPr>
+          <p:cNvPr id="48" name="Gruppieren 47">
+            <a:extLst>
+              <a:ext uri="{FF2B5EF4-FFF2-40B4-BE49-F238E27FC236}">
+                <a16:creationId xmlns:a16="http://schemas.microsoft.com/office/drawing/2014/main" id="{120CAF28-8C29-7E47-4E23-7A42F587AF2B}"/>
+              </a:ext>
+            </a:extLst>
+          </p:cNvPr>
+          <p:cNvGrpSpPr/>
+          <p:nvPr/>
+        </p:nvGrpSpPr>
+        <p:grpSpPr>
+          <a:xfrm>
+            <a:off x="3082564" y="4669111"/>
+            <a:ext cx="1240115" cy="1646983"/>
+            <a:chOff x="3475818" y="2593001"/>
+            <a:chExt cx="1494782" cy="2054960"/>
+          </a:xfrm>
+        </p:grpSpPr>
+        <p:sp>
+          <p:nvSpPr>
+            <p:cNvPr id="49" name="Rechteck 48">
+              <a:extLst>
+                <a:ext uri="{FF2B5EF4-FFF2-40B4-BE49-F238E27FC236}">
+                  <a16:creationId xmlns:a16="http://schemas.microsoft.com/office/drawing/2014/main" id="{AF4037F4-3F1A-365E-683D-CFC98715125F}"/>
+                </a:ext>
+              </a:extLst>
+            </p:cNvPr>
+            <p:cNvSpPr/>
+            <p:nvPr/>
+          </p:nvSpPr>
+          <p:spPr>
+            <a:xfrm rot="19732282">
+              <a:off x="4505807" y="3926445"/>
+              <a:ext cx="142834" cy="252570"/>
+            </a:xfrm>
+            <a:prstGeom prst="rect">
+              <a:avLst/>
+            </a:prstGeom>
+            <a:solidFill>
+              <a:schemeClr val="bg1">
+                <a:lumMod val="75000"/>
+              </a:schemeClr>
+            </a:solidFill>
+            <a:ln>
+              <a:solidFill>
+                <a:schemeClr val="accent6">
+                  <a:lumMod val="50000"/>
+                </a:schemeClr>
+              </a:solidFill>
+            </a:ln>
+          </p:spPr>
+          <p:style>
+            <a:lnRef idx="2">
+              <a:schemeClr val="accent1">
+                <a:shade val="50000"/>
+              </a:schemeClr>
+            </a:lnRef>
+            <a:fillRef idx="1">
+              <a:schemeClr val="accent1"/>
+            </a:fillRef>
+            <a:effectRef idx="0">
+              <a:schemeClr val="accent1"/>
+            </a:effectRef>
+            <a:fontRef idx="minor">
+              <a:schemeClr val="lt1"/>
+            </a:fontRef>
+          </p:style>
+          <p:txBody>
+            <a:bodyPr rtlCol="0" anchor="ctr"/>
+            <a:lstStyle/>
+            <a:p>
+              <a:pPr algn="ctr"/>
+              <a:endParaRPr lang="de-DE"/>
+            </a:p>
+          </p:txBody>
+        </p:sp>
+        <p:sp>
+          <p:nvSpPr>
+            <p:cNvPr id="50" name="Rechteck: abgerundete Ecken 49">
+              <a:extLst>
+                <a:ext uri="{FF2B5EF4-FFF2-40B4-BE49-F238E27FC236}">
+                  <a16:creationId xmlns:a16="http://schemas.microsoft.com/office/drawing/2014/main" id="{95BCE918-EA28-5BC3-3579-F3A9FBFB48A9}"/>
+                </a:ext>
+              </a:extLst>
+            </p:cNvPr>
+            <p:cNvSpPr/>
+            <p:nvPr/>
+          </p:nvSpPr>
+          <p:spPr>
+            <a:xfrm rot="19706244">
+              <a:off x="4641900" y="4065724"/>
+              <a:ext cx="288684" cy="582237"/>
+            </a:xfrm>
+            <a:prstGeom prst="roundRect">
+              <a:avLst>
+                <a:gd name="adj" fmla="val 31504"/>
+              </a:avLst>
+            </a:prstGeom>
+            <a:solidFill>
+              <a:schemeClr val="bg1">
+                <a:lumMod val="65000"/>
+              </a:schemeClr>
+            </a:solidFill>
+            <a:ln>
+              <a:solidFill>
+                <a:schemeClr val="accent6">
+                  <a:lumMod val="50000"/>
+                </a:schemeClr>
+              </a:solidFill>
+            </a:ln>
+          </p:spPr>
+          <p:style>
+            <a:lnRef idx="2">
+              <a:schemeClr val="accent1">
+                <a:shade val="50000"/>
+              </a:schemeClr>
+            </a:lnRef>
+            <a:fillRef idx="1">
+              <a:schemeClr val="accent1"/>
+            </a:fillRef>
+            <a:effectRef idx="0">
+              <a:schemeClr val="accent1"/>
+            </a:effectRef>
+            <a:fontRef idx="minor">
+              <a:schemeClr val="lt1"/>
+            </a:fontRef>
+          </p:style>
+          <p:txBody>
+            <a:bodyPr rtlCol="0" anchor="ctr"/>
+            <a:lstStyle/>
+            <a:p>
+              <a:pPr algn="ctr"/>
+              <a:endParaRPr lang="de-DE"/>
+            </a:p>
+          </p:txBody>
+        </p:sp>
+        <p:sp>
+          <p:nvSpPr>
+            <p:cNvPr id="51" name="Ellipse 50">
+              <a:extLst>
+                <a:ext uri="{FF2B5EF4-FFF2-40B4-BE49-F238E27FC236}">
+                  <a16:creationId xmlns:a16="http://schemas.microsoft.com/office/drawing/2014/main" id="{85C18267-E784-5849-9A5B-5E527F59234B}"/>
+                </a:ext>
+              </a:extLst>
+            </p:cNvPr>
+            <p:cNvSpPr/>
+            <p:nvPr/>
+          </p:nvSpPr>
+          <p:spPr>
+            <a:xfrm>
+              <a:off x="3475818" y="2593001"/>
+              <a:ext cx="1494782" cy="1494782"/>
+            </a:xfrm>
+            <a:prstGeom prst="ellipse">
+              <a:avLst/>
+            </a:prstGeom>
+            <a:solidFill>
+              <a:schemeClr val="bg1">
+                <a:lumMod val="95000"/>
+              </a:schemeClr>
+            </a:solidFill>
+            <a:ln>
+              <a:solidFill>
+                <a:schemeClr val="accent6">
+                  <a:lumMod val="50000"/>
+                </a:schemeClr>
+              </a:solidFill>
+            </a:ln>
+          </p:spPr>
+          <p:style>
+            <a:lnRef idx="2">
+              <a:schemeClr val="accent1">
+                <a:shade val="50000"/>
+              </a:schemeClr>
+            </a:lnRef>
+            <a:fillRef idx="1">
+              <a:schemeClr val="accent1"/>
+            </a:fillRef>
+            <a:effectRef idx="0">
+              <a:schemeClr val="accent1"/>
+            </a:effectRef>
+            <a:fontRef idx="minor">
+              <a:schemeClr val="lt1"/>
+            </a:fontRef>
+          </p:style>
+          <p:txBody>
+            <a:bodyPr rtlCol="0" anchor="ctr"/>
+            <a:lstStyle/>
+            <a:p>
+              <a:pPr algn="ctr"/>
+              <a:endParaRPr lang="de-DE"/>
+            </a:p>
+          </p:txBody>
+        </p:sp>
+        <p:sp>
+          <p:nvSpPr>
+            <p:cNvPr id="52" name="Ellipse 51">
+              <a:extLst>
+                <a:ext uri="{FF2B5EF4-FFF2-40B4-BE49-F238E27FC236}">
+                  <a16:creationId xmlns:a16="http://schemas.microsoft.com/office/drawing/2014/main" id="{12C8BEBD-D98E-95A9-29E8-A96E0AE93F69}"/>
+                </a:ext>
+              </a:extLst>
+            </p:cNvPr>
+            <p:cNvSpPr/>
+            <p:nvPr/>
+          </p:nvSpPr>
+          <p:spPr>
+            <a:xfrm>
+              <a:off x="3660175" y="2777358"/>
+              <a:ext cx="1126068" cy="1126068"/>
+            </a:xfrm>
+            <a:prstGeom prst="ellipse">
+              <a:avLst/>
+            </a:prstGeom>
+            <a:gradFill flip="none" rotWithShape="1">
+              <a:gsLst>
+                <a:gs pos="0">
+                  <a:srgbClr val="92D050">
+                    <a:shade val="30000"/>
+                    <a:satMod val="115000"/>
+                  </a:srgbClr>
+                </a:gs>
+                <a:gs pos="50000">
+                  <a:srgbClr val="92D050">
+                    <a:shade val="67500"/>
+                    <a:satMod val="115000"/>
+                  </a:srgbClr>
+                </a:gs>
+                <a:gs pos="100000">
+                  <a:srgbClr val="92D050">
+                    <a:shade val="100000"/>
+                    <a:satMod val="115000"/>
+                  </a:srgbClr>
+                </a:gs>
+              </a:gsLst>
+              <a:lin ang="2700000" scaled="1"/>
+              <a:tileRect/>
+            </a:gradFill>
+            <a:ln>
+              <a:solidFill>
+                <a:schemeClr val="accent6">
+                  <a:lumMod val="50000"/>
+                </a:schemeClr>
+              </a:solidFill>
+            </a:ln>
+          </p:spPr>
+          <p:style>
+            <a:lnRef idx="2">
+              <a:schemeClr val="accent1">
+                <a:shade val="50000"/>
+              </a:schemeClr>
+            </a:lnRef>
+            <a:fillRef idx="1">
+              <a:schemeClr val="accent1"/>
+            </a:fillRef>
+            <a:effectRef idx="0">
+              <a:schemeClr val="accent1"/>
+            </a:effectRef>
+            <a:fontRef idx="minor">
+              <a:schemeClr val="lt1"/>
+            </a:fontRef>
+          </p:style>
+          <p:txBody>
+            <a:bodyPr rtlCol="0" anchor="ctr"/>
+            <a:lstStyle/>
+            <a:p>
+              <a:pPr algn="ctr"/>
+              <a:endParaRPr lang="de-DE" dirty="0"/>
+            </a:p>
+          </p:txBody>
+        </p:sp>
+        <p:pic>
+          <p:nvPicPr>
+            <p:cNvPr id="53" name="Grafik 52" descr="Cabriolet mit einfarbiger Füllung">
+              <a:extLst>
+                <a:ext uri="{FF2B5EF4-FFF2-40B4-BE49-F238E27FC236}">
+                  <a16:creationId xmlns:a16="http://schemas.microsoft.com/office/drawing/2014/main" id="{5605F92F-DB4D-678D-0773-4A8D85F743F0}"/>
+                </a:ext>
+              </a:extLst>
+            </p:cNvPr>
+            <p:cNvPicPr>
+              <a:picLocks noChangeAspect="1"/>
+            </p:cNvPicPr>
+            <p:nvPr/>
+          </p:nvPicPr>
+          <p:blipFill>
+            <a:blip r:embed="rId2">
+              <a:extLst>
+                <a:ext uri="{28A0092B-C50C-407E-A947-70E740481C1C}">
+                  <a14:useLocalDpi xmlns:a14="http://schemas.microsoft.com/office/drawing/2010/main" val="0"/>
+                </a:ext>
+                <a:ext uri="{96DAC541-7B7A-43D3-8B79-37D633B846F1}">
+                  <asvg:svgBlip xmlns:asvg="http://schemas.microsoft.com/office/drawing/2016/SVG/main" r:embed="rId3"/>
+                </a:ext>
+              </a:extLst>
+            </a:blip>
+            <a:stretch>
+              <a:fillRect/>
+            </a:stretch>
+          </p:blipFill>
+          <p:spPr>
+            <a:xfrm>
+              <a:off x="3827173" y="2989634"/>
+              <a:ext cx="792072" cy="728409"/>
+            </a:xfrm>
+            <a:prstGeom prst="rect">
+              <a:avLst/>
+            </a:prstGeom>
+          </p:spPr>
+        </p:pic>
+        <p:sp>
+          <p:nvSpPr>
+            <p:cNvPr id="54" name="Bogen 53">
+              <a:extLst>
+                <a:ext uri="{FF2B5EF4-FFF2-40B4-BE49-F238E27FC236}">
+                  <a16:creationId xmlns:a16="http://schemas.microsoft.com/office/drawing/2014/main" id="{E9E5DDBD-0F52-9352-3DD3-612DEA667A57}"/>
+                </a:ext>
+              </a:extLst>
+            </p:cNvPr>
+            <p:cNvSpPr/>
+            <p:nvPr/>
+          </p:nvSpPr>
+          <p:spPr>
+            <a:xfrm rot="15848053">
+              <a:off x="3874004" y="2810367"/>
+              <a:ext cx="547262" cy="744510"/>
+            </a:xfrm>
+            <a:prstGeom prst="arc">
+              <a:avLst>
+                <a:gd name="adj1" fmla="val 16200000"/>
+                <a:gd name="adj2" fmla="val 20666533"/>
+              </a:avLst>
+            </a:prstGeom>
+            <a:noFill/>
+            <a:ln w="38100">
+              <a:solidFill>
+                <a:schemeClr val="bg1"/>
+              </a:solidFill>
+            </a:ln>
+          </p:spPr>
+          <p:style>
+            <a:lnRef idx="1">
+              <a:schemeClr val="accent1"/>
+            </a:lnRef>
+            <a:fillRef idx="0">
+              <a:schemeClr val="accent1"/>
+            </a:fillRef>
+            <a:effectRef idx="0">
+              <a:schemeClr val="accent1"/>
+            </a:effectRef>
+            <a:fontRef idx="minor">
+              <a:schemeClr val="tx1"/>
+            </a:fontRef>
+          </p:style>
+          <p:txBody>
+            <a:bodyPr rtlCol="0" anchor="ctr"/>
+            <a:lstStyle/>
+            <a:p>
+              <a:pPr algn="ctr"/>
+              <a:endParaRPr lang="de-DE"/>
+            </a:p>
+          </p:txBody>
+        </p:sp>
+      </p:grpSp>
+    </p:spTree>
+    <p:extLst>
+      <p:ext uri="{BB962C8B-B14F-4D97-AF65-F5344CB8AC3E}">
+        <p14:creationId xmlns:p14="http://schemas.microsoft.com/office/powerpoint/2010/main" val="915673149"/>
+      </p:ext>
+    </p:extLst>
+  </p:cSld>
+  <p:clrMapOvr>
+    <a:masterClrMapping/>
+  </p:clrMapOvr>
+</p:sld>
+</file>
+
+<file path=ppt/slides/slide7.xml><?xml version="1.0" encoding="utf-8"?>
+<p:sld xmlns:a="http://schemas.openxmlformats.org/drawingml/2006/main" xmlns:r="http://schemas.openxmlformats.org/officeDocument/2006/relationships" xmlns:p="http://schemas.openxmlformats.org/presentationml/2006/main">
+  <p:cSld>
+    <p:spTree>
+      <p:nvGrpSpPr>
+        <p:cNvPr id="1" name=""/>
+        <p:cNvGrpSpPr/>
+        <p:nvPr/>
+      </p:nvGrpSpPr>
+      <p:grpSpPr>
+        <a:xfrm>
+          <a:off x="0" y="0"/>
+          <a:ext cx="0" cy="0"/>
+          <a:chOff x="0" y="0"/>
+          <a:chExt cx="0" cy="0"/>
+        </a:xfrm>
+      </p:grpSpPr>
+      <p:sp>
+        <p:nvSpPr>
+          <p:cNvPr id="5" name="Rechteck 4">
+            <a:extLst>
+              <a:ext uri="{FF2B5EF4-FFF2-40B4-BE49-F238E27FC236}">
+                <a16:creationId xmlns:a16="http://schemas.microsoft.com/office/drawing/2014/main" id="{BD7A0F91-245F-59D5-7176-694494355834}"/>
+              </a:ext>
+            </a:extLst>
+          </p:cNvPr>
+          <p:cNvSpPr/>
+          <p:nvPr/>
+        </p:nvSpPr>
+        <p:spPr>
+          <a:xfrm>
+            <a:off x="3086099" y="364633"/>
+            <a:ext cx="6159501" cy="1845167"/>
+          </a:xfrm>
+          <a:prstGeom prst="rect">
+            <a:avLst/>
+          </a:prstGeom>
+          <a:solidFill>
+            <a:srgbClr val="92D050"/>
+          </a:solidFill>
+          <a:ln>
+            <a:noFill/>
+          </a:ln>
+        </p:spPr>
+        <p:style>
+          <a:lnRef idx="2">
+            <a:schemeClr val="accent1">
+              <a:shade val="50000"/>
+            </a:schemeClr>
+          </a:lnRef>
+          <a:fillRef idx="1">
+            <a:schemeClr val="accent1"/>
+          </a:fillRef>
+          <a:effectRef idx="0">
+            <a:schemeClr val="accent1"/>
+          </a:effectRef>
+          <a:fontRef idx="minor">
+            <a:schemeClr val="lt1"/>
+          </a:fontRef>
+        </p:style>
+        <p:txBody>
+          <a:bodyPr rtlCol="0" anchor="ctr"/>
+          <a:lstStyle/>
+          <a:p>
+            <a:pPr algn="ctr"/>
+            <a:r>
+              <a:rPr lang="de-DE" sz="4800" b="1" dirty="0">
+                <a:latin typeface="Arial" panose="020B0604020202020204" pitchFamily="34" charset="0"/>
+                <a:cs typeface="Arial" panose="020B0604020202020204" pitchFamily="34" charset="0"/>
+              </a:rPr>
+              <a:t>       Meine Suchen</a:t>
+            </a:r>
+          </a:p>
+        </p:txBody>
+      </p:sp>
+      <p:sp>
+        <p:nvSpPr>
+          <p:cNvPr id="17" name="Ellipse 16">
+            <a:extLst>
+              <a:ext uri="{FF2B5EF4-FFF2-40B4-BE49-F238E27FC236}">
+                <a16:creationId xmlns:a16="http://schemas.microsoft.com/office/drawing/2014/main" id="{15447C01-F550-37AE-0FCA-A184497CBBF7}"/>
+              </a:ext>
+            </a:extLst>
+          </p:cNvPr>
+          <p:cNvSpPr/>
+          <p:nvPr/>
+        </p:nvSpPr>
+        <p:spPr>
+          <a:xfrm>
+            <a:off x="3281116" y="669432"/>
+            <a:ext cx="1235568" cy="1235568"/>
+          </a:xfrm>
+          <a:prstGeom prst="ellipse">
+            <a:avLst/>
+          </a:prstGeom>
+          <a:solidFill>
+            <a:schemeClr val="bg1"/>
+          </a:solidFill>
+          <a:ln>
+            <a:solidFill>
+              <a:schemeClr val="accent6">
+                <a:lumMod val="50000"/>
+              </a:schemeClr>
+            </a:solidFill>
+          </a:ln>
+        </p:spPr>
+        <p:style>
+          <a:lnRef idx="2">
+            <a:schemeClr val="accent1">
+              <a:shade val="50000"/>
+            </a:schemeClr>
+          </a:lnRef>
+          <a:fillRef idx="1">
+            <a:schemeClr val="accent1"/>
+          </a:fillRef>
+          <a:effectRef idx="0">
+            <a:schemeClr val="accent1"/>
+          </a:effectRef>
+          <a:fontRef idx="minor">
+            <a:schemeClr val="lt1"/>
+          </a:fontRef>
+        </p:style>
+        <p:txBody>
+          <a:bodyPr rtlCol="0" anchor="ctr"/>
+          <a:lstStyle/>
+          <a:p>
+            <a:pPr algn="ctr"/>
+            <a:endParaRPr lang="de-DE"/>
+          </a:p>
+        </p:txBody>
+      </p:sp>
+      <p:sp>
+        <p:nvSpPr>
+          <p:cNvPr id="44" name="Ellipse 43">
+            <a:extLst>
+              <a:ext uri="{FF2B5EF4-FFF2-40B4-BE49-F238E27FC236}">
+                <a16:creationId xmlns:a16="http://schemas.microsoft.com/office/drawing/2014/main" id="{D67D6ACD-0907-B541-0A27-06DF3EF4CC4D}"/>
+              </a:ext>
+            </a:extLst>
+          </p:cNvPr>
+          <p:cNvSpPr/>
+          <p:nvPr/>
+        </p:nvSpPr>
+        <p:spPr>
+          <a:xfrm>
+            <a:off x="3365500" y="753816"/>
+            <a:ext cx="1066800" cy="1066800"/>
+          </a:xfrm>
+          <a:prstGeom prst="ellipse">
+            <a:avLst/>
+          </a:prstGeom>
+          <a:gradFill flip="none" rotWithShape="1">
+            <a:gsLst>
+              <a:gs pos="0">
+                <a:srgbClr val="92D050">
+                  <a:shade val="30000"/>
+                  <a:satMod val="115000"/>
+                </a:srgbClr>
+              </a:gs>
+              <a:gs pos="50000">
+                <a:srgbClr val="92D050">
+                  <a:shade val="67500"/>
+                  <a:satMod val="115000"/>
+                </a:srgbClr>
+              </a:gs>
+              <a:gs pos="100000">
+                <a:srgbClr val="92D050">
+                  <a:shade val="100000"/>
+                  <a:satMod val="115000"/>
+                </a:srgbClr>
+              </a:gs>
+            </a:gsLst>
+            <a:lin ang="2700000" scaled="1"/>
+            <a:tileRect/>
+          </a:gradFill>
+          <a:ln>
+            <a:solidFill>
+              <a:schemeClr val="accent6">
+                <a:lumMod val="50000"/>
+              </a:schemeClr>
+            </a:solidFill>
+          </a:ln>
+        </p:spPr>
+        <p:style>
+          <a:lnRef idx="2">
+            <a:schemeClr val="accent1">
+              <a:shade val="50000"/>
+            </a:schemeClr>
+          </a:lnRef>
+          <a:fillRef idx="1">
+            <a:schemeClr val="accent1"/>
+          </a:fillRef>
+          <a:effectRef idx="0">
+            <a:schemeClr val="accent1"/>
+          </a:effectRef>
+          <a:fontRef idx="minor">
+            <a:schemeClr val="lt1"/>
+          </a:fontRef>
+        </p:style>
+        <p:txBody>
+          <a:bodyPr rtlCol="0" anchor="ctr"/>
+          <a:lstStyle/>
+          <a:p>
+            <a:pPr algn="ctr"/>
+            <a:endParaRPr lang="de-DE"/>
+          </a:p>
+        </p:txBody>
+      </p:sp>
+      <p:pic>
+        <p:nvPicPr>
+          <p:cNvPr id="45" name="Grafik 44" descr="Cabriolet mit einfarbiger Füllung">
+            <a:extLst>
+              <a:ext uri="{FF2B5EF4-FFF2-40B4-BE49-F238E27FC236}">
+                <a16:creationId xmlns:a16="http://schemas.microsoft.com/office/drawing/2014/main" id="{B101C763-D0F4-BFBB-E86D-9D635A1EF438}"/>
+              </a:ext>
+            </a:extLst>
+          </p:cNvPr>
+          <p:cNvPicPr>
+            <a:picLocks noChangeAspect="1"/>
+          </p:cNvPicPr>
+          <p:nvPr/>
+        </p:nvPicPr>
+        <p:blipFill>
+          <a:blip r:embed="rId2">
+            <a:extLst>
+              <a:ext uri="{28A0092B-C50C-407E-A947-70E740481C1C}">
+                <a14:useLocalDpi xmlns:a14="http://schemas.microsoft.com/office/drawing/2010/main" val="0"/>
+              </a:ext>
+              <a:ext uri="{96DAC541-7B7A-43D3-8B79-37D633B846F1}">
+                <asvg:svgBlip xmlns:asvg="http://schemas.microsoft.com/office/drawing/2016/SVG/main" r:embed="rId3"/>
+              </a:ext>
+            </a:extLst>
+          </a:blip>
+          <a:stretch>
+            <a:fillRect/>
+          </a:stretch>
+        </p:blipFill>
+        <p:spPr>
+          <a:xfrm>
+            <a:off x="3477570" y="831849"/>
+            <a:ext cx="528213" cy="469269"/>
+          </a:xfrm>
+          <a:prstGeom prst="rect">
+            <a:avLst/>
+          </a:prstGeom>
+        </p:spPr>
+      </p:pic>
+      <p:pic>
+        <p:nvPicPr>
+          <p:cNvPr id="46" name="Grafik 45" descr="Cabriolet mit einfarbiger Füllung">
+            <a:extLst>
+              <a:ext uri="{FF2B5EF4-FFF2-40B4-BE49-F238E27FC236}">
+                <a16:creationId xmlns:a16="http://schemas.microsoft.com/office/drawing/2014/main" id="{14550AF7-9165-F4DF-FCAC-85D8041A9F72}"/>
+              </a:ext>
+            </a:extLst>
+          </p:cNvPr>
+          <p:cNvPicPr>
+            <a:picLocks noChangeAspect="1"/>
+          </p:cNvPicPr>
+          <p:nvPr/>
+        </p:nvPicPr>
+        <p:blipFill>
+          <a:blip r:embed="rId2">
+            <a:extLst>
+              <a:ext uri="{28A0092B-C50C-407E-A947-70E740481C1C}">
+                <a14:useLocalDpi xmlns:a14="http://schemas.microsoft.com/office/drawing/2010/main" val="0"/>
+              </a:ext>
+              <a:ext uri="{96DAC541-7B7A-43D3-8B79-37D633B846F1}">
+                <asvg:svgBlip xmlns:asvg="http://schemas.microsoft.com/office/drawing/2016/SVG/main" r:embed="rId3"/>
+              </a:ext>
+            </a:extLst>
+          </a:blip>
+          <a:stretch>
+            <a:fillRect/>
+          </a:stretch>
+        </p:blipFill>
+        <p:spPr>
+          <a:xfrm>
+            <a:off x="3853746" y="1066483"/>
+            <a:ext cx="528213" cy="469269"/>
+          </a:xfrm>
+          <a:prstGeom prst="rect">
+            <a:avLst/>
+          </a:prstGeom>
+        </p:spPr>
+      </p:pic>
+      <p:pic>
+        <p:nvPicPr>
+          <p:cNvPr id="47" name="Grafik 46" descr="Cabriolet mit einfarbiger Füllung">
+            <a:extLst>
+              <a:ext uri="{FF2B5EF4-FFF2-40B4-BE49-F238E27FC236}">
+                <a16:creationId xmlns:a16="http://schemas.microsoft.com/office/drawing/2014/main" id="{04574C6A-9E53-494F-6BE0-558579CA740C}"/>
+              </a:ext>
+            </a:extLst>
+          </p:cNvPr>
+          <p:cNvPicPr>
+            <a:picLocks noChangeAspect="1"/>
+          </p:cNvPicPr>
+          <p:nvPr/>
+        </p:nvPicPr>
+        <p:blipFill>
+          <a:blip r:embed="rId2">
+            <a:extLst>
+              <a:ext uri="{28A0092B-C50C-407E-A947-70E740481C1C}">
+                <a14:useLocalDpi xmlns:a14="http://schemas.microsoft.com/office/drawing/2010/main" val="0"/>
+              </a:ext>
+              <a:ext uri="{96DAC541-7B7A-43D3-8B79-37D633B846F1}">
+                <asvg:svgBlip xmlns:asvg="http://schemas.microsoft.com/office/drawing/2016/SVG/main" r:embed="rId3"/>
+              </a:ext>
+            </a:extLst>
+          </a:blip>
+          <a:stretch>
+            <a:fillRect/>
+          </a:stretch>
+        </p:blipFill>
+        <p:spPr>
+          <a:xfrm>
+            <a:off x="3505255" y="1301117"/>
+            <a:ext cx="528213" cy="469269"/>
+          </a:xfrm>
+          <a:prstGeom prst="rect">
+            <a:avLst/>
+          </a:prstGeom>
+        </p:spPr>
+      </p:pic>
+      <p:sp>
+        <p:nvSpPr>
+          <p:cNvPr id="48" name="Rechteck 47">
+            <a:extLst>
+              <a:ext uri="{FF2B5EF4-FFF2-40B4-BE49-F238E27FC236}">
+                <a16:creationId xmlns:a16="http://schemas.microsoft.com/office/drawing/2014/main" id="{CFCB42C0-1C5C-3599-E505-4A7887ECC00C}"/>
+              </a:ext>
+            </a:extLst>
+          </p:cNvPr>
+          <p:cNvSpPr/>
+          <p:nvPr/>
+        </p:nvSpPr>
+        <p:spPr>
+          <a:xfrm>
+            <a:off x="3086099" y="2352183"/>
+            <a:ext cx="6159501" cy="1845167"/>
+          </a:xfrm>
+          <a:prstGeom prst="rect">
+            <a:avLst/>
+          </a:prstGeom>
+          <a:solidFill>
+            <a:srgbClr val="A9D18E"/>
+          </a:solidFill>
+          <a:ln>
+            <a:noFill/>
+          </a:ln>
+        </p:spPr>
+        <p:style>
+          <a:lnRef idx="2">
+            <a:schemeClr val="accent1">
+              <a:shade val="50000"/>
+            </a:schemeClr>
+          </a:lnRef>
+          <a:fillRef idx="1">
+            <a:schemeClr val="accent1"/>
+          </a:fillRef>
+          <a:effectRef idx="0">
+            <a:schemeClr val="accent1"/>
+          </a:effectRef>
+          <a:fontRef idx="minor">
+            <a:schemeClr val="lt1"/>
+          </a:fontRef>
+        </p:style>
+        <p:txBody>
+          <a:bodyPr rtlCol="0" anchor="ctr"/>
+          <a:lstStyle/>
+          <a:p>
+            <a:pPr algn="ctr"/>
+            <a:r>
+              <a:rPr lang="de-DE" sz="4800" b="1" dirty="0">
+                <a:latin typeface="Arial" panose="020B0604020202020204" pitchFamily="34" charset="0"/>
+                <a:cs typeface="Arial" panose="020B0604020202020204" pitchFamily="34" charset="0"/>
+              </a:rPr>
+              <a:t>       Meine Suchen</a:t>
+            </a:r>
+          </a:p>
+        </p:txBody>
+      </p:sp>
+      <p:sp>
+        <p:nvSpPr>
+          <p:cNvPr id="49" name="Ellipse 48">
+            <a:extLst>
+              <a:ext uri="{FF2B5EF4-FFF2-40B4-BE49-F238E27FC236}">
+                <a16:creationId xmlns:a16="http://schemas.microsoft.com/office/drawing/2014/main" id="{B7BF76DF-BB11-2EF2-4E62-B4EE2EF764B6}"/>
+              </a:ext>
+            </a:extLst>
+          </p:cNvPr>
+          <p:cNvSpPr/>
+          <p:nvPr/>
+        </p:nvSpPr>
+        <p:spPr>
+          <a:xfrm>
+            <a:off x="3281116" y="2656982"/>
+            <a:ext cx="1235568" cy="1235568"/>
+          </a:xfrm>
+          <a:prstGeom prst="ellipse">
+            <a:avLst/>
+          </a:prstGeom>
+          <a:solidFill>
+            <a:schemeClr val="bg1"/>
+          </a:solidFill>
+          <a:ln>
+            <a:solidFill>
+              <a:schemeClr val="accent6">
+                <a:lumMod val="50000"/>
+              </a:schemeClr>
+            </a:solidFill>
+          </a:ln>
+        </p:spPr>
+        <p:style>
+          <a:lnRef idx="2">
+            <a:schemeClr val="accent1">
+              <a:shade val="50000"/>
+            </a:schemeClr>
+          </a:lnRef>
+          <a:fillRef idx="1">
+            <a:schemeClr val="accent1"/>
+          </a:fillRef>
+          <a:effectRef idx="0">
+            <a:schemeClr val="accent1"/>
+          </a:effectRef>
+          <a:fontRef idx="minor">
+            <a:schemeClr val="lt1"/>
+          </a:fontRef>
+        </p:style>
+        <p:txBody>
+          <a:bodyPr rtlCol="0" anchor="ctr"/>
+          <a:lstStyle/>
+          <a:p>
+            <a:pPr algn="ctr"/>
+            <a:endParaRPr lang="de-DE"/>
+          </a:p>
+        </p:txBody>
+      </p:sp>
+      <p:sp>
+        <p:nvSpPr>
+          <p:cNvPr id="50" name="Ellipse 49">
+            <a:extLst>
+              <a:ext uri="{FF2B5EF4-FFF2-40B4-BE49-F238E27FC236}">
+                <a16:creationId xmlns:a16="http://schemas.microsoft.com/office/drawing/2014/main" id="{59DB265D-79F1-98B7-CF1A-5365F431F120}"/>
+              </a:ext>
+            </a:extLst>
+          </p:cNvPr>
+          <p:cNvSpPr/>
+          <p:nvPr/>
+        </p:nvSpPr>
+        <p:spPr>
+          <a:xfrm>
+            <a:off x="3365500" y="2741366"/>
+            <a:ext cx="1066800" cy="1066800"/>
+          </a:xfrm>
+          <a:prstGeom prst="ellipse">
+            <a:avLst/>
+          </a:prstGeom>
+          <a:gradFill flip="none" rotWithShape="1">
+            <a:gsLst>
+              <a:gs pos="0">
+                <a:srgbClr val="A9D18E">
+                  <a:shade val="30000"/>
+                  <a:satMod val="115000"/>
+                </a:srgbClr>
+              </a:gs>
+              <a:gs pos="50000">
+                <a:srgbClr val="A9D18E">
+                  <a:shade val="67500"/>
+                  <a:satMod val="115000"/>
+                </a:srgbClr>
+              </a:gs>
+              <a:gs pos="100000">
+                <a:srgbClr val="A9D18E">
+                  <a:shade val="100000"/>
+                  <a:satMod val="115000"/>
+                </a:srgbClr>
+              </a:gs>
+            </a:gsLst>
+            <a:lin ang="2700000" scaled="1"/>
+            <a:tileRect/>
+          </a:gradFill>
+          <a:ln>
+            <a:solidFill>
+              <a:schemeClr val="accent6">
+                <a:lumMod val="50000"/>
+              </a:schemeClr>
+            </a:solidFill>
+          </a:ln>
+        </p:spPr>
+        <p:style>
+          <a:lnRef idx="2">
+            <a:schemeClr val="accent1">
+              <a:shade val="50000"/>
+            </a:schemeClr>
+          </a:lnRef>
+          <a:fillRef idx="1">
+            <a:schemeClr val="accent1"/>
+          </a:fillRef>
+          <a:effectRef idx="0">
+            <a:schemeClr val="accent1"/>
+          </a:effectRef>
+          <a:fontRef idx="minor">
+            <a:schemeClr val="lt1"/>
+          </a:fontRef>
+        </p:style>
+        <p:txBody>
+          <a:bodyPr rtlCol="0" anchor="ctr"/>
+          <a:lstStyle/>
+          <a:p>
+            <a:pPr algn="ctr"/>
+            <a:endParaRPr lang="de-DE"/>
+          </a:p>
+        </p:txBody>
+      </p:sp>
+      <p:pic>
+        <p:nvPicPr>
+          <p:cNvPr id="51" name="Grafik 50" descr="Cabriolet mit einfarbiger Füllung">
+            <a:extLst>
+              <a:ext uri="{FF2B5EF4-FFF2-40B4-BE49-F238E27FC236}">
+                <a16:creationId xmlns:a16="http://schemas.microsoft.com/office/drawing/2014/main" id="{4FD2F3F3-026C-FC7D-9548-1F37A80EA6B1}"/>
+              </a:ext>
+            </a:extLst>
+          </p:cNvPr>
+          <p:cNvPicPr>
+            <a:picLocks noChangeAspect="1"/>
+          </p:cNvPicPr>
+          <p:nvPr/>
+        </p:nvPicPr>
+        <p:blipFill>
+          <a:blip r:embed="rId2">
+            <a:extLst>
+              <a:ext uri="{28A0092B-C50C-407E-A947-70E740481C1C}">
+                <a14:useLocalDpi xmlns:a14="http://schemas.microsoft.com/office/drawing/2010/main" val="0"/>
+              </a:ext>
+              <a:ext uri="{96DAC541-7B7A-43D3-8B79-37D633B846F1}">
+                <asvg:svgBlip xmlns:asvg="http://schemas.microsoft.com/office/drawing/2016/SVG/main" r:embed="rId3"/>
+              </a:ext>
+            </a:extLst>
+          </a:blip>
+          <a:stretch>
+            <a:fillRect/>
+          </a:stretch>
+        </p:blipFill>
+        <p:spPr>
+          <a:xfrm>
+            <a:off x="3477570" y="2819399"/>
+            <a:ext cx="528213" cy="469269"/>
+          </a:xfrm>
+          <a:prstGeom prst="rect">
+            <a:avLst/>
+          </a:prstGeom>
+        </p:spPr>
+      </p:pic>
+      <p:pic>
+        <p:nvPicPr>
+          <p:cNvPr id="52" name="Grafik 51" descr="Cabriolet mit einfarbiger Füllung">
+            <a:extLst>
+              <a:ext uri="{FF2B5EF4-FFF2-40B4-BE49-F238E27FC236}">
+                <a16:creationId xmlns:a16="http://schemas.microsoft.com/office/drawing/2014/main" id="{C237947C-4AA3-62E0-0B45-2C5AA98E0729}"/>
+              </a:ext>
+            </a:extLst>
+          </p:cNvPr>
+          <p:cNvPicPr>
+            <a:picLocks noChangeAspect="1"/>
+          </p:cNvPicPr>
+          <p:nvPr/>
+        </p:nvPicPr>
+        <p:blipFill>
+          <a:blip r:embed="rId2">
+            <a:extLst>
+              <a:ext uri="{28A0092B-C50C-407E-A947-70E740481C1C}">
+                <a14:useLocalDpi xmlns:a14="http://schemas.microsoft.com/office/drawing/2010/main" val="0"/>
+              </a:ext>
+              <a:ext uri="{96DAC541-7B7A-43D3-8B79-37D633B846F1}">
+                <asvg:svgBlip xmlns:asvg="http://schemas.microsoft.com/office/drawing/2016/SVG/main" r:embed="rId3"/>
+              </a:ext>
+            </a:extLst>
+          </a:blip>
+          <a:stretch>
+            <a:fillRect/>
+          </a:stretch>
+        </p:blipFill>
+        <p:spPr>
+          <a:xfrm>
+            <a:off x="3853746" y="3054033"/>
+            <a:ext cx="528213" cy="469269"/>
+          </a:xfrm>
+          <a:prstGeom prst="rect">
+            <a:avLst/>
+          </a:prstGeom>
+        </p:spPr>
+      </p:pic>
+      <p:pic>
+        <p:nvPicPr>
+          <p:cNvPr id="53" name="Grafik 52" descr="Cabriolet mit einfarbiger Füllung">
+            <a:extLst>
+              <a:ext uri="{FF2B5EF4-FFF2-40B4-BE49-F238E27FC236}">
+                <a16:creationId xmlns:a16="http://schemas.microsoft.com/office/drawing/2014/main" id="{8BA44BB7-4E64-7E8A-93A2-072433D553D8}"/>
+              </a:ext>
+            </a:extLst>
+          </p:cNvPr>
+          <p:cNvPicPr>
+            <a:picLocks noChangeAspect="1"/>
+          </p:cNvPicPr>
+          <p:nvPr/>
+        </p:nvPicPr>
+        <p:blipFill>
+          <a:blip r:embed="rId2">
+            <a:extLst>
+              <a:ext uri="{28A0092B-C50C-407E-A947-70E740481C1C}">
+                <a14:useLocalDpi xmlns:a14="http://schemas.microsoft.com/office/drawing/2010/main" val="0"/>
+              </a:ext>
+              <a:ext uri="{96DAC541-7B7A-43D3-8B79-37D633B846F1}">
+                <asvg:svgBlip xmlns:asvg="http://schemas.microsoft.com/office/drawing/2016/SVG/main" r:embed="rId3"/>
+              </a:ext>
+            </a:extLst>
+          </a:blip>
+          <a:stretch>
+            <a:fillRect/>
+          </a:stretch>
+        </p:blipFill>
+        <p:spPr>
+          <a:xfrm>
+            <a:off x="3505255" y="3288667"/>
+            <a:ext cx="528213" cy="469269"/>
+          </a:xfrm>
+          <a:prstGeom prst="rect">
+            <a:avLst/>
+          </a:prstGeom>
+        </p:spPr>
+      </p:pic>
+      <p:sp>
+        <p:nvSpPr>
+          <p:cNvPr id="54" name="Rechteck 53">
+            <a:extLst>
+              <a:ext uri="{FF2B5EF4-FFF2-40B4-BE49-F238E27FC236}">
+                <a16:creationId xmlns:a16="http://schemas.microsoft.com/office/drawing/2014/main" id="{5282277D-1C86-6D02-A8BB-334801814637}"/>
+              </a:ext>
+            </a:extLst>
+          </p:cNvPr>
+          <p:cNvSpPr/>
+          <p:nvPr/>
+        </p:nvSpPr>
+        <p:spPr>
+          <a:xfrm>
+            <a:off x="3086099" y="4339733"/>
+            <a:ext cx="6159501" cy="1845167"/>
+          </a:xfrm>
+          <a:prstGeom prst="rect">
+            <a:avLst/>
+          </a:prstGeom>
+          <a:solidFill>
+            <a:schemeClr val="bg1"/>
+          </a:solidFill>
+          <a:ln>
+            <a:noFill/>
+          </a:ln>
+        </p:spPr>
+        <p:style>
+          <a:lnRef idx="2">
+            <a:schemeClr val="accent1">
+              <a:shade val="50000"/>
+            </a:schemeClr>
+          </a:lnRef>
+          <a:fillRef idx="1">
+            <a:schemeClr val="accent1"/>
+          </a:fillRef>
+          <a:effectRef idx="0">
+            <a:schemeClr val="accent1"/>
+          </a:effectRef>
+          <a:fontRef idx="minor">
+            <a:schemeClr val="lt1"/>
+          </a:fontRef>
+        </p:style>
+        <p:txBody>
+          <a:bodyPr rtlCol="0" anchor="ctr"/>
+          <a:lstStyle/>
+          <a:p>
+            <a:pPr algn="ctr"/>
+            <a:r>
+              <a:rPr lang="de-DE" sz="4800" b="1" dirty="0">
+                <a:solidFill>
+                  <a:srgbClr val="92D050"/>
+                </a:solidFill>
+                <a:latin typeface="Arial" panose="020B0604020202020204" pitchFamily="34" charset="0"/>
+                <a:cs typeface="Arial" panose="020B0604020202020204" pitchFamily="34" charset="0"/>
+              </a:rPr>
+              <a:t>       Meine Suchen</a:t>
+            </a:r>
+          </a:p>
+        </p:txBody>
+      </p:sp>
+      <p:sp>
+        <p:nvSpPr>
+          <p:cNvPr id="55" name="Ellipse 54">
+            <a:extLst>
+              <a:ext uri="{FF2B5EF4-FFF2-40B4-BE49-F238E27FC236}">
+                <a16:creationId xmlns:a16="http://schemas.microsoft.com/office/drawing/2014/main" id="{D2C545D6-CFC1-544B-5E4D-F5521122C83B}"/>
+              </a:ext>
+            </a:extLst>
+          </p:cNvPr>
+          <p:cNvSpPr/>
+          <p:nvPr/>
+        </p:nvSpPr>
+        <p:spPr>
+          <a:xfrm>
+            <a:off x="3281116" y="4644532"/>
+            <a:ext cx="1235568" cy="1235568"/>
+          </a:xfrm>
+          <a:prstGeom prst="ellipse">
+            <a:avLst/>
+          </a:prstGeom>
+          <a:solidFill>
+            <a:schemeClr val="bg1"/>
+          </a:solidFill>
+          <a:ln>
+            <a:solidFill>
+              <a:schemeClr val="accent6">
+                <a:lumMod val="50000"/>
+              </a:schemeClr>
+            </a:solidFill>
+          </a:ln>
+        </p:spPr>
+        <p:style>
+          <a:lnRef idx="2">
+            <a:schemeClr val="accent1">
+              <a:shade val="50000"/>
+            </a:schemeClr>
+          </a:lnRef>
+          <a:fillRef idx="1">
+            <a:schemeClr val="accent1"/>
+          </a:fillRef>
+          <a:effectRef idx="0">
+            <a:schemeClr val="accent1"/>
+          </a:effectRef>
+          <a:fontRef idx="minor">
+            <a:schemeClr val="lt1"/>
+          </a:fontRef>
+        </p:style>
+        <p:txBody>
+          <a:bodyPr rtlCol="0" anchor="ctr"/>
+          <a:lstStyle/>
+          <a:p>
+            <a:pPr algn="ctr"/>
+            <a:endParaRPr lang="de-DE"/>
+          </a:p>
+        </p:txBody>
+      </p:sp>
+      <p:sp>
+        <p:nvSpPr>
+          <p:cNvPr id="56" name="Ellipse 55">
+            <a:extLst>
+              <a:ext uri="{FF2B5EF4-FFF2-40B4-BE49-F238E27FC236}">
+                <a16:creationId xmlns:a16="http://schemas.microsoft.com/office/drawing/2014/main" id="{C899C42A-53E8-C1C6-BA90-759BDB3CAFAC}"/>
+              </a:ext>
+            </a:extLst>
+          </p:cNvPr>
+          <p:cNvSpPr/>
+          <p:nvPr/>
+        </p:nvSpPr>
+        <p:spPr>
+          <a:xfrm>
+            <a:off x="3365500" y="4728916"/>
+            <a:ext cx="1066800" cy="1066800"/>
+          </a:xfrm>
+          <a:prstGeom prst="ellipse">
+            <a:avLst/>
+          </a:prstGeom>
+          <a:gradFill flip="none" rotWithShape="1">
+            <a:gsLst>
+              <a:gs pos="0">
+                <a:srgbClr val="92D050">
+                  <a:shade val="30000"/>
+                  <a:satMod val="115000"/>
+                </a:srgbClr>
+              </a:gs>
+              <a:gs pos="50000">
+                <a:srgbClr val="92D050">
+                  <a:shade val="67500"/>
+                  <a:satMod val="115000"/>
+                </a:srgbClr>
+              </a:gs>
+              <a:gs pos="100000">
+                <a:srgbClr val="92D050">
+                  <a:shade val="100000"/>
+                  <a:satMod val="115000"/>
+                </a:srgbClr>
+              </a:gs>
+            </a:gsLst>
+            <a:lin ang="2700000" scaled="1"/>
+            <a:tileRect/>
+          </a:gradFill>
+          <a:ln>
+            <a:solidFill>
+              <a:schemeClr val="accent6">
+                <a:lumMod val="50000"/>
+              </a:schemeClr>
+            </a:solidFill>
+          </a:ln>
+        </p:spPr>
+        <p:style>
+          <a:lnRef idx="2">
+            <a:schemeClr val="accent1">
+              <a:shade val="50000"/>
+            </a:schemeClr>
+          </a:lnRef>
+          <a:fillRef idx="1">
+            <a:schemeClr val="accent1"/>
+          </a:fillRef>
+          <a:effectRef idx="0">
+            <a:schemeClr val="accent1"/>
+          </a:effectRef>
+          <a:fontRef idx="minor">
+            <a:schemeClr val="lt1"/>
+          </a:fontRef>
+        </p:style>
+        <p:txBody>
+          <a:bodyPr rtlCol="0" anchor="ctr"/>
+          <a:lstStyle/>
+          <a:p>
+            <a:pPr algn="ctr"/>
+            <a:endParaRPr lang="de-DE"/>
+          </a:p>
+        </p:txBody>
+      </p:sp>
+      <p:pic>
+        <p:nvPicPr>
+          <p:cNvPr id="57" name="Grafik 56" descr="Cabriolet mit einfarbiger Füllung">
+            <a:extLst>
+              <a:ext uri="{FF2B5EF4-FFF2-40B4-BE49-F238E27FC236}">
+                <a16:creationId xmlns:a16="http://schemas.microsoft.com/office/drawing/2014/main" id="{3F44265C-A974-6EAC-F335-9E9BBC9215C6}"/>
+              </a:ext>
+            </a:extLst>
+          </p:cNvPr>
+          <p:cNvPicPr>
+            <a:picLocks noChangeAspect="1"/>
+          </p:cNvPicPr>
+          <p:nvPr/>
+        </p:nvPicPr>
+        <p:blipFill>
+          <a:blip r:embed="rId2">
+            <a:extLst>
+              <a:ext uri="{28A0092B-C50C-407E-A947-70E740481C1C}">
+                <a14:useLocalDpi xmlns:a14="http://schemas.microsoft.com/office/drawing/2010/main" val="0"/>
+              </a:ext>
+              <a:ext uri="{96DAC541-7B7A-43D3-8B79-37D633B846F1}">
+                <asvg:svgBlip xmlns:asvg="http://schemas.microsoft.com/office/drawing/2016/SVG/main" r:embed="rId3"/>
+              </a:ext>
+            </a:extLst>
+          </a:blip>
+          <a:stretch>
+            <a:fillRect/>
+          </a:stretch>
+        </p:blipFill>
+        <p:spPr>
+          <a:xfrm>
+            <a:off x="3477570" y="4806949"/>
+            <a:ext cx="528213" cy="469269"/>
+          </a:xfrm>
+          <a:prstGeom prst="rect">
+            <a:avLst/>
+          </a:prstGeom>
+        </p:spPr>
+      </p:pic>
+      <p:pic>
+        <p:nvPicPr>
+          <p:cNvPr id="58" name="Grafik 57" descr="Cabriolet mit einfarbiger Füllung">
+            <a:extLst>
+              <a:ext uri="{FF2B5EF4-FFF2-40B4-BE49-F238E27FC236}">
+                <a16:creationId xmlns:a16="http://schemas.microsoft.com/office/drawing/2014/main" id="{DE06F661-3E50-4443-BCA0-709A6F78E14C}"/>
+              </a:ext>
+            </a:extLst>
+          </p:cNvPr>
+          <p:cNvPicPr>
+            <a:picLocks noChangeAspect="1"/>
+          </p:cNvPicPr>
+          <p:nvPr/>
+        </p:nvPicPr>
+        <p:blipFill>
+          <a:blip r:embed="rId2">
+            <a:extLst>
+              <a:ext uri="{28A0092B-C50C-407E-A947-70E740481C1C}">
+                <a14:useLocalDpi xmlns:a14="http://schemas.microsoft.com/office/drawing/2010/main" val="0"/>
+              </a:ext>
+              <a:ext uri="{96DAC541-7B7A-43D3-8B79-37D633B846F1}">
+                <asvg:svgBlip xmlns:asvg="http://schemas.microsoft.com/office/drawing/2016/SVG/main" r:embed="rId3"/>
+              </a:ext>
+            </a:extLst>
+          </a:blip>
+          <a:stretch>
+            <a:fillRect/>
+          </a:stretch>
+        </p:blipFill>
+        <p:spPr>
+          <a:xfrm>
+            <a:off x="3853746" y="5041583"/>
+            <a:ext cx="528213" cy="469269"/>
+          </a:xfrm>
+          <a:prstGeom prst="rect">
+            <a:avLst/>
+          </a:prstGeom>
+        </p:spPr>
+      </p:pic>
+      <p:pic>
+        <p:nvPicPr>
+          <p:cNvPr id="59" name="Grafik 58" descr="Cabriolet mit einfarbiger Füllung">
+            <a:extLst>
+              <a:ext uri="{FF2B5EF4-FFF2-40B4-BE49-F238E27FC236}">
+                <a16:creationId xmlns:a16="http://schemas.microsoft.com/office/drawing/2014/main" id="{D4C39FDD-3659-3ECC-9430-333333851187}"/>
+              </a:ext>
+            </a:extLst>
+          </p:cNvPr>
+          <p:cNvPicPr>
+            <a:picLocks noChangeAspect="1"/>
+          </p:cNvPicPr>
+          <p:nvPr/>
+        </p:nvPicPr>
+        <p:blipFill>
+          <a:blip r:embed="rId2">
+            <a:extLst>
+              <a:ext uri="{28A0092B-C50C-407E-A947-70E740481C1C}">
+                <a14:useLocalDpi xmlns:a14="http://schemas.microsoft.com/office/drawing/2010/main" val="0"/>
+              </a:ext>
+              <a:ext uri="{96DAC541-7B7A-43D3-8B79-37D633B846F1}">
+                <asvg:svgBlip xmlns:asvg="http://schemas.microsoft.com/office/drawing/2016/SVG/main" r:embed="rId3"/>
+              </a:ext>
+            </a:extLst>
+          </a:blip>
+          <a:stretch>
+            <a:fillRect/>
+          </a:stretch>
+        </p:blipFill>
+        <p:spPr>
+          <a:xfrm>
+            <a:off x="3505255" y="5276217"/>
+            <a:ext cx="528213" cy="469269"/>
+          </a:xfrm>
+          <a:prstGeom prst="rect">
+            <a:avLst/>
+          </a:prstGeom>
+        </p:spPr>
+      </p:pic>
+    </p:spTree>
+    <p:extLst>
+      <p:ext uri="{BB962C8B-B14F-4D97-AF65-F5344CB8AC3E}">
+        <p14:creationId xmlns:p14="http://schemas.microsoft.com/office/powerpoint/2010/main" val="1656868369"/>
+      </p:ext>
+    </p:extLst>
+  </p:cSld>
+  <p:clrMapOvr>
+    <a:masterClrMapping/>
+  </p:clrMapOvr>
+</p:sld>
+</file>
+
+<file path=ppt/slides/slide8.xml><?xml version="1.0" encoding="utf-8"?>
+<p:sld xmlns:a="http://schemas.openxmlformats.org/drawingml/2006/main" xmlns:r="http://schemas.openxmlformats.org/officeDocument/2006/relationships" xmlns:p="http://schemas.openxmlformats.org/presentationml/2006/main">
+  <p:cSld>
+    <p:spTree>
+      <p:nvGrpSpPr>
+        <p:cNvPr id="1" name=""/>
+        <p:cNvGrpSpPr/>
+        <p:nvPr/>
+      </p:nvGrpSpPr>
+      <p:grpSpPr>
+        <a:xfrm>
+          <a:off x="0" y="0"/>
+          <a:ext cx="0" cy="0"/>
+          <a:chOff x="0" y="0"/>
+          <a:chExt cx="0" cy="0"/>
+        </a:xfrm>
+      </p:grpSpPr>
+      <p:sp>
+        <p:nvSpPr>
+          <p:cNvPr id="4" name="Rechteck 3">
+            <a:extLst>
+              <a:ext uri="{FF2B5EF4-FFF2-40B4-BE49-F238E27FC236}">
+                <a16:creationId xmlns:a16="http://schemas.microsoft.com/office/drawing/2014/main" id="{C817F7D3-A66E-1AAB-A018-F7316CA54494}"/>
+              </a:ext>
+            </a:extLst>
+          </p:cNvPr>
+          <p:cNvSpPr/>
+          <p:nvPr/>
+        </p:nvSpPr>
+        <p:spPr>
+          <a:xfrm>
+            <a:off x="3352800" y="1123950"/>
+            <a:ext cx="2476500" cy="838200"/>
+          </a:xfrm>
+          <a:prstGeom prst="rect">
+            <a:avLst/>
+          </a:prstGeom>
+          <a:solidFill>
+            <a:srgbClr val="92D050"/>
+          </a:solidFill>
+          <a:ln>
+            <a:noFill/>
+          </a:ln>
+        </p:spPr>
+        <p:style>
+          <a:lnRef idx="2">
+            <a:schemeClr val="accent1">
+              <a:shade val="50000"/>
+            </a:schemeClr>
+          </a:lnRef>
+          <a:fillRef idx="1">
+            <a:schemeClr val="accent1"/>
+          </a:fillRef>
+          <a:effectRef idx="0">
+            <a:schemeClr val="accent1"/>
+          </a:effectRef>
+          <a:fontRef idx="minor">
+            <a:schemeClr val="lt1"/>
+          </a:fontRef>
+        </p:style>
+        <p:txBody>
+          <a:bodyPr rtlCol="0" anchor="ctr"/>
+          <a:lstStyle/>
+          <a:p>
+            <a:pPr algn="r"/>
+            <a:endParaRPr lang="de-DE" sz="4800" b="1" dirty="0">
+              <a:latin typeface="Arial" panose="020B0604020202020204" pitchFamily="34" charset="0"/>
+              <a:cs typeface="Arial" panose="020B0604020202020204" pitchFamily="34" charset="0"/>
+            </a:endParaRPr>
+          </a:p>
+        </p:txBody>
+      </p:sp>
+      <p:sp>
+        <p:nvSpPr>
+          <p:cNvPr id="5" name="Rechteck: abgerundete Ecken 4">
+            <a:extLst>
+              <a:ext uri="{FF2B5EF4-FFF2-40B4-BE49-F238E27FC236}">
+                <a16:creationId xmlns:a16="http://schemas.microsoft.com/office/drawing/2014/main" id="{53A93F5E-EC04-B66B-74A0-0E0ACFE15F25}"/>
+              </a:ext>
+            </a:extLst>
+          </p:cNvPr>
+          <p:cNvSpPr/>
+          <p:nvPr/>
+        </p:nvSpPr>
+        <p:spPr>
+          <a:xfrm>
+            <a:off x="3352799" y="1123950"/>
+            <a:ext cx="2476500" cy="838200"/>
+          </a:xfrm>
+          <a:prstGeom prst="roundRect">
+            <a:avLst>
+              <a:gd name="adj" fmla="val 50000"/>
+            </a:avLst>
+          </a:prstGeom>
+          <a:gradFill flip="none" rotWithShape="1">
+            <a:gsLst>
+              <a:gs pos="0">
+                <a:schemeClr val="bg1">
+                  <a:lumMod val="75000"/>
+                  <a:shade val="30000"/>
+                  <a:satMod val="115000"/>
+                </a:schemeClr>
+              </a:gs>
+              <a:gs pos="50000">
+                <a:schemeClr val="bg1">
+                  <a:lumMod val="75000"/>
+                  <a:shade val="67500"/>
+                  <a:satMod val="115000"/>
+                </a:schemeClr>
+              </a:gs>
+              <a:gs pos="100000">
+                <a:schemeClr val="bg1">
+                  <a:lumMod val="75000"/>
+                  <a:shade val="100000"/>
+                  <a:satMod val="115000"/>
+                </a:schemeClr>
+              </a:gs>
+            </a:gsLst>
+            <a:lin ang="10800000" scaled="1"/>
+            <a:tileRect/>
+          </a:gradFill>
+          <a:ln>
+            <a:noFill/>
+          </a:ln>
+        </p:spPr>
+        <p:style>
+          <a:lnRef idx="2">
+            <a:schemeClr val="accent1">
+              <a:shade val="50000"/>
+            </a:schemeClr>
+          </a:lnRef>
+          <a:fillRef idx="1">
+            <a:schemeClr val="accent1"/>
+          </a:fillRef>
+          <a:effectRef idx="0">
+            <a:schemeClr val="accent1"/>
+          </a:effectRef>
+          <a:fontRef idx="minor">
+            <a:schemeClr val="lt1"/>
+          </a:fontRef>
+        </p:style>
+        <p:txBody>
+          <a:bodyPr rtlCol="0" anchor="ctr"/>
+          <a:lstStyle/>
+          <a:p>
+            <a:pPr algn="ctr"/>
+            <a:endParaRPr lang="de-DE"/>
+          </a:p>
+        </p:txBody>
+      </p:sp>
+      <p:sp>
+        <p:nvSpPr>
+          <p:cNvPr id="6" name="Rechteck: abgerundete Ecken 5">
+            <a:extLst>
+              <a:ext uri="{FF2B5EF4-FFF2-40B4-BE49-F238E27FC236}">
+                <a16:creationId xmlns:a16="http://schemas.microsoft.com/office/drawing/2014/main" id="{432BA6BF-2548-7853-75B9-1F41532CDDB0}"/>
+              </a:ext>
+            </a:extLst>
+          </p:cNvPr>
+          <p:cNvSpPr/>
+          <p:nvPr/>
+        </p:nvSpPr>
+        <p:spPr>
+          <a:xfrm>
+            <a:off x="3467100" y="1181100"/>
+            <a:ext cx="1314450" cy="723900"/>
+          </a:xfrm>
+          <a:prstGeom prst="roundRect">
+            <a:avLst>
+              <a:gd name="adj" fmla="val 50000"/>
+            </a:avLst>
+          </a:prstGeom>
+          <a:gradFill flip="none" rotWithShape="1">
+            <a:gsLst>
+              <a:gs pos="0">
+                <a:schemeClr val="tx1">
+                  <a:lumMod val="50000"/>
+                  <a:lumOff val="50000"/>
+                  <a:shade val="30000"/>
+                  <a:satMod val="115000"/>
+                </a:schemeClr>
+              </a:gs>
+              <a:gs pos="50000">
+                <a:schemeClr val="tx1">
+                  <a:lumMod val="50000"/>
+                  <a:lumOff val="50000"/>
+                  <a:shade val="67500"/>
+                  <a:satMod val="115000"/>
+                </a:schemeClr>
+              </a:gs>
+              <a:gs pos="100000">
+                <a:schemeClr val="tx1">
+                  <a:lumMod val="50000"/>
+                  <a:lumOff val="50000"/>
+                  <a:shade val="100000"/>
+                  <a:satMod val="115000"/>
+                </a:schemeClr>
+              </a:gs>
+            </a:gsLst>
+            <a:path path="circle">
+              <a:fillToRect r="100000" b="100000"/>
+            </a:path>
+            <a:tileRect l="-100000" t="-100000"/>
+          </a:gradFill>
+          <a:ln>
+            <a:noFill/>
+          </a:ln>
+        </p:spPr>
+        <p:style>
+          <a:lnRef idx="2">
+            <a:schemeClr val="accent1">
+              <a:shade val="50000"/>
+            </a:schemeClr>
+          </a:lnRef>
+          <a:fillRef idx="1">
+            <a:schemeClr val="accent1"/>
+          </a:fillRef>
+          <a:effectRef idx="0">
+            <a:schemeClr val="accent1"/>
+          </a:effectRef>
+          <a:fontRef idx="minor">
+            <a:schemeClr val="lt1"/>
+          </a:fontRef>
+        </p:style>
+        <p:txBody>
+          <a:bodyPr rtlCol="0" anchor="ctr"/>
+          <a:lstStyle/>
+          <a:p>
+            <a:pPr algn="ctr"/>
+            <a:endParaRPr lang="de-DE"/>
+          </a:p>
+        </p:txBody>
+      </p:sp>
+      <p:sp>
+        <p:nvSpPr>
+          <p:cNvPr id="7" name="Ellipse 6">
+            <a:extLst>
+              <a:ext uri="{FF2B5EF4-FFF2-40B4-BE49-F238E27FC236}">
+                <a16:creationId xmlns:a16="http://schemas.microsoft.com/office/drawing/2014/main" id="{D2207E4C-D182-3217-BF86-60ACD887F3ED}"/>
+              </a:ext>
+            </a:extLst>
+          </p:cNvPr>
+          <p:cNvSpPr/>
+          <p:nvPr/>
+        </p:nvSpPr>
+        <p:spPr>
+          <a:xfrm>
+            <a:off x="3933822" y="1285872"/>
+            <a:ext cx="533402" cy="533402"/>
+          </a:xfrm>
+          <a:prstGeom prst="ellipse">
+            <a:avLst/>
+          </a:prstGeom>
+          <a:gradFill flip="none" rotWithShape="1">
+            <a:gsLst>
+              <a:gs pos="0">
+                <a:schemeClr val="tx1">
+                  <a:lumMod val="65000"/>
+                  <a:lumOff val="35000"/>
+                  <a:shade val="30000"/>
+                  <a:satMod val="115000"/>
+                </a:schemeClr>
+              </a:gs>
+              <a:gs pos="50000">
+                <a:schemeClr val="tx1">
+                  <a:lumMod val="65000"/>
+                  <a:lumOff val="35000"/>
+                  <a:shade val="67500"/>
+                  <a:satMod val="115000"/>
+                </a:schemeClr>
+              </a:gs>
+              <a:gs pos="100000">
+                <a:schemeClr val="tx1">
+                  <a:lumMod val="65000"/>
+                  <a:lumOff val="35000"/>
+                  <a:shade val="100000"/>
+                  <a:satMod val="115000"/>
+                </a:schemeClr>
+              </a:gs>
+            </a:gsLst>
+            <a:path path="circle">
+              <a:fillToRect r="100000" b="100000"/>
+            </a:path>
+            <a:tileRect l="-100000" t="-100000"/>
+          </a:gradFill>
+          <a:ln>
+            <a:noFill/>
+          </a:ln>
+        </p:spPr>
+        <p:style>
+          <a:lnRef idx="2">
+            <a:schemeClr val="accent1">
+              <a:shade val="50000"/>
+            </a:schemeClr>
+          </a:lnRef>
+          <a:fillRef idx="1">
+            <a:schemeClr val="accent1"/>
+          </a:fillRef>
+          <a:effectRef idx="0">
+            <a:schemeClr val="accent1"/>
+          </a:effectRef>
+          <a:fontRef idx="minor">
+            <a:schemeClr val="lt1"/>
+          </a:fontRef>
+        </p:style>
+        <p:txBody>
+          <a:bodyPr rtlCol="0" anchor="ctr"/>
+          <a:lstStyle/>
+          <a:p>
+            <a:pPr algn="ctr"/>
+            <a:endParaRPr lang="de-DE"/>
+          </a:p>
+        </p:txBody>
+      </p:sp>
+      <p:sp>
+        <p:nvSpPr>
+          <p:cNvPr id="8" name="Rechteck 7">
+            <a:extLst>
+              <a:ext uri="{FF2B5EF4-FFF2-40B4-BE49-F238E27FC236}">
+                <a16:creationId xmlns:a16="http://schemas.microsoft.com/office/drawing/2014/main" id="{258F44F0-CFDA-B387-A2FD-62C3E7BC4125}"/>
+              </a:ext>
+            </a:extLst>
+          </p:cNvPr>
+          <p:cNvSpPr/>
+          <p:nvPr/>
+        </p:nvSpPr>
+        <p:spPr>
+          <a:xfrm>
+            <a:off x="3352800" y="2228850"/>
+            <a:ext cx="2476500" cy="838200"/>
+          </a:xfrm>
+          <a:prstGeom prst="rect">
+            <a:avLst/>
+          </a:prstGeom>
+          <a:solidFill>
+            <a:srgbClr val="92D050"/>
+          </a:solidFill>
+          <a:ln>
+            <a:noFill/>
+          </a:ln>
+        </p:spPr>
+        <p:style>
+          <a:lnRef idx="2">
+            <a:schemeClr val="accent1">
+              <a:shade val="50000"/>
+            </a:schemeClr>
+          </a:lnRef>
+          <a:fillRef idx="1">
+            <a:schemeClr val="accent1"/>
+          </a:fillRef>
+          <a:effectRef idx="0">
+            <a:schemeClr val="accent1"/>
+          </a:effectRef>
+          <a:fontRef idx="minor">
+            <a:schemeClr val="lt1"/>
+          </a:fontRef>
+        </p:style>
+        <p:txBody>
+          <a:bodyPr rtlCol="0" anchor="ctr"/>
+          <a:lstStyle/>
+          <a:p>
+            <a:pPr algn="r"/>
+            <a:endParaRPr lang="de-DE" sz="4800" b="1" dirty="0">
+              <a:latin typeface="Arial" panose="020B0604020202020204" pitchFamily="34" charset="0"/>
+              <a:cs typeface="Arial" panose="020B0604020202020204" pitchFamily="34" charset="0"/>
+            </a:endParaRPr>
+          </a:p>
+        </p:txBody>
+      </p:sp>
+      <p:sp>
+        <p:nvSpPr>
+          <p:cNvPr id="9" name="Rechteck: abgerundete Ecken 8">
+            <a:extLst>
+              <a:ext uri="{FF2B5EF4-FFF2-40B4-BE49-F238E27FC236}">
+                <a16:creationId xmlns:a16="http://schemas.microsoft.com/office/drawing/2014/main" id="{A4BAC8F0-3DA2-4E67-25AD-7B205088BB85}"/>
+              </a:ext>
+            </a:extLst>
+          </p:cNvPr>
+          <p:cNvSpPr/>
+          <p:nvPr/>
+        </p:nvSpPr>
+        <p:spPr>
+          <a:xfrm>
+            <a:off x="3352799" y="2228850"/>
+            <a:ext cx="2476500" cy="838200"/>
+          </a:xfrm>
+          <a:prstGeom prst="roundRect">
+            <a:avLst>
+              <a:gd name="adj" fmla="val 50000"/>
+            </a:avLst>
+          </a:prstGeom>
+          <a:gradFill flip="none" rotWithShape="1">
+            <a:gsLst>
+              <a:gs pos="0">
+                <a:schemeClr val="bg1">
+                  <a:lumMod val="75000"/>
+                  <a:shade val="30000"/>
+                  <a:satMod val="115000"/>
+                </a:schemeClr>
+              </a:gs>
+              <a:gs pos="50000">
+                <a:schemeClr val="bg1">
+                  <a:lumMod val="75000"/>
+                  <a:shade val="67500"/>
+                  <a:satMod val="115000"/>
+                </a:schemeClr>
+              </a:gs>
+              <a:gs pos="100000">
+                <a:schemeClr val="bg1">
+                  <a:lumMod val="75000"/>
+                  <a:shade val="100000"/>
+                  <a:satMod val="115000"/>
+                </a:schemeClr>
+              </a:gs>
+            </a:gsLst>
+            <a:lin ang="0" scaled="1"/>
+            <a:tileRect/>
+          </a:gradFill>
+          <a:ln>
+            <a:noFill/>
+          </a:ln>
+        </p:spPr>
+        <p:style>
+          <a:lnRef idx="2">
+            <a:schemeClr val="accent1">
+              <a:shade val="50000"/>
+            </a:schemeClr>
+          </a:lnRef>
+          <a:fillRef idx="1">
+            <a:schemeClr val="accent1"/>
+          </a:fillRef>
+          <a:effectRef idx="0">
+            <a:schemeClr val="accent1"/>
+          </a:effectRef>
+          <a:fontRef idx="minor">
+            <a:schemeClr val="lt1"/>
+          </a:fontRef>
+        </p:style>
+        <p:txBody>
+          <a:bodyPr rtlCol="0" anchor="ctr"/>
+          <a:lstStyle/>
+          <a:p>
+            <a:pPr algn="ctr"/>
+            <a:endParaRPr lang="de-DE"/>
+          </a:p>
+        </p:txBody>
+      </p:sp>
+      <p:sp>
+        <p:nvSpPr>
+          <p:cNvPr id="10" name="Rechteck: abgerundete Ecken 9">
+            <a:extLst>
+              <a:ext uri="{FF2B5EF4-FFF2-40B4-BE49-F238E27FC236}">
+                <a16:creationId xmlns:a16="http://schemas.microsoft.com/office/drawing/2014/main" id="{D452FDC6-932D-D0FC-A67B-2563EF073AD9}"/>
+              </a:ext>
+            </a:extLst>
+          </p:cNvPr>
+          <p:cNvSpPr/>
+          <p:nvPr/>
+        </p:nvSpPr>
+        <p:spPr>
+          <a:xfrm>
+            <a:off x="4419599" y="2276475"/>
+            <a:ext cx="1314450" cy="723900"/>
+          </a:xfrm>
+          <a:prstGeom prst="roundRect">
+            <a:avLst>
+              <a:gd name="adj" fmla="val 50000"/>
+            </a:avLst>
+          </a:prstGeom>
+          <a:gradFill flip="none" rotWithShape="1">
+            <a:gsLst>
+              <a:gs pos="0">
+                <a:srgbClr val="A9D18E">
+                  <a:shade val="30000"/>
+                  <a:satMod val="115000"/>
+                </a:srgbClr>
+              </a:gs>
+              <a:gs pos="50000">
+                <a:srgbClr val="A9D18E">
+                  <a:shade val="67500"/>
+                  <a:satMod val="115000"/>
+                </a:srgbClr>
+              </a:gs>
+              <a:gs pos="100000">
+                <a:srgbClr val="A9D18E">
+                  <a:shade val="100000"/>
+                  <a:satMod val="115000"/>
+                </a:srgbClr>
+              </a:gs>
+            </a:gsLst>
+            <a:path path="circle">
+              <a:fillToRect l="100000" t="100000"/>
+            </a:path>
+            <a:tileRect r="-100000" b="-100000"/>
+          </a:gradFill>
+          <a:ln>
+            <a:noFill/>
+          </a:ln>
+        </p:spPr>
+        <p:style>
+          <a:lnRef idx="2">
+            <a:schemeClr val="accent1">
+              <a:shade val="50000"/>
+            </a:schemeClr>
+          </a:lnRef>
+          <a:fillRef idx="1">
+            <a:schemeClr val="accent1"/>
+          </a:fillRef>
+          <a:effectRef idx="0">
+            <a:schemeClr val="accent1"/>
+          </a:effectRef>
+          <a:fontRef idx="minor">
+            <a:schemeClr val="lt1"/>
+          </a:fontRef>
+        </p:style>
+        <p:txBody>
+          <a:bodyPr rtlCol="0" anchor="ctr"/>
+          <a:lstStyle/>
+          <a:p>
+            <a:pPr algn="ctr"/>
+            <a:endParaRPr lang="de-DE"/>
+          </a:p>
+        </p:txBody>
+      </p:sp>
+      <p:sp>
+        <p:nvSpPr>
+          <p:cNvPr id="11" name="Ellipse 10">
+            <a:extLst>
+              <a:ext uri="{FF2B5EF4-FFF2-40B4-BE49-F238E27FC236}">
+                <a16:creationId xmlns:a16="http://schemas.microsoft.com/office/drawing/2014/main" id="{0DA14999-C200-A43D-7B64-4E2188231E36}"/>
+              </a:ext>
+            </a:extLst>
+          </p:cNvPr>
+          <p:cNvSpPr/>
+          <p:nvPr/>
+        </p:nvSpPr>
+        <p:spPr>
+          <a:xfrm>
+            <a:off x="4886321" y="2381247"/>
+            <a:ext cx="533402" cy="533402"/>
+          </a:xfrm>
+          <a:prstGeom prst="ellipse">
+            <a:avLst/>
+          </a:prstGeom>
+          <a:gradFill flip="none" rotWithShape="1">
+            <a:gsLst>
+              <a:gs pos="0">
+                <a:srgbClr val="92D050">
+                  <a:tint val="66000"/>
+                  <a:satMod val="160000"/>
+                </a:srgbClr>
+              </a:gs>
+              <a:gs pos="50000">
+                <a:srgbClr val="92D050">
+                  <a:tint val="44500"/>
+                  <a:satMod val="160000"/>
+                </a:srgbClr>
+              </a:gs>
+              <a:gs pos="100000">
+                <a:srgbClr val="92D050">
+                  <a:tint val="23500"/>
+                  <a:satMod val="160000"/>
+                </a:srgbClr>
+              </a:gs>
+            </a:gsLst>
+            <a:lin ang="10800000" scaled="1"/>
+            <a:tileRect/>
+          </a:gradFill>
+          <a:ln>
+            <a:noFill/>
+          </a:ln>
+        </p:spPr>
+        <p:style>
+          <a:lnRef idx="2">
+            <a:schemeClr val="accent1">
+              <a:shade val="50000"/>
+            </a:schemeClr>
+          </a:lnRef>
+          <a:fillRef idx="1">
+            <a:schemeClr val="accent1"/>
+          </a:fillRef>
+          <a:effectRef idx="0">
+            <a:schemeClr val="accent1"/>
+          </a:effectRef>
+          <a:fontRef idx="minor">
+            <a:schemeClr val="lt1"/>
+          </a:fontRef>
+        </p:style>
+        <p:txBody>
+          <a:bodyPr rtlCol="0" anchor="ctr"/>
+          <a:lstStyle/>
+          <a:p>
+            <a:pPr algn="ctr"/>
+            <a:endParaRPr lang="de-DE"/>
+          </a:p>
+        </p:txBody>
+      </p:sp>
+    </p:spTree>
+    <p:extLst>
+      <p:ext uri="{BB962C8B-B14F-4D97-AF65-F5344CB8AC3E}">
+        <p14:creationId xmlns:p14="http://schemas.microsoft.com/office/powerpoint/2010/main" val="611630330"/>
+      </p:ext>
+    </p:extLst>
+  </p:cSld>
+  <p:clrMapOvr>
+    <a:masterClrMapping/>
+  </p:clrMapOvr>
+</p:sld>
+</file>
+
+<file path=ppt/slides/slide9.xml><?xml version="1.0" encoding="utf-8"?>
+<p:sld xmlns:a="http://schemas.openxmlformats.org/drawingml/2006/main" xmlns:r="http://schemas.openxmlformats.org/officeDocument/2006/relationships" xmlns:p="http://schemas.openxmlformats.org/presentationml/2006/main">
+  <p:cSld>
+    <p:spTree>
+      <p:nvGrpSpPr>
+        <p:cNvPr id="1" name=""/>
+        <p:cNvGrpSpPr/>
+        <p:nvPr/>
+      </p:nvGrpSpPr>
+      <p:grpSpPr>
+        <a:xfrm>
+          <a:off x="0" y="0"/>
+          <a:ext cx="0" cy="0"/>
+          <a:chOff x="0" y="0"/>
+          <a:chExt cx="0" cy="0"/>
+        </a:xfrm>
+      </p:grpSpPr>
+      <p:sp>
+        <p:nvSpPr>
+          <p:cNvPr id="4" name="Rechteck 3">
+            <a:extLst>
+              <a:ext uri="{FF2B5EF4-FFF2-40B4-BE49-F238E27FC236}">
+                <a16:creationId xmlns:a16="http://schemas.microsoft.com/office/drawing/2014/main" id="{3B6D2775-86A6-4B46-2E3B-2A8C6B389955}"/>
+              </a:ext>
+            </a:extLst>
+          </p:cNvPr>
+          <p:cNvSpPr/>
+          <p:nvPr/>
+        </p:nvSpPr>
+        <p:spPr>
+          <a:xfrm>
+            <a:off x="3479450" y="1303809"/>
+            <a:ext cx="2254468" cy="2254468"/>
+          </a:xfrm>
+          <a:prstGeom prst="rect">
+            <a:avLst/>
+          </a:prstGeom>
+          <a:solidFill>
+            <a:srgbClr val="E2E2E2"/>
+          </a:solidFill>
+          <a:ln>
+            <a:noFill/>
+          </a:ln>
+        </p:spPr>
+        <p:style>
+          <a:lnRef idx="2">
+            <a:schemeClr val="accent1">
+              <a:shade val="50000"/>
+            </a:schemeClr>
+          </a:lnRef>
+          <a:fillRef idx="1">
+            <a:schemeClr val="accent1"/>
+          </a:fillRef>
+          <a:effectRef idx="0">
+            <a:schemeClr val="accent1"/>
+          </a:effectRef>
+          <a:fontRef idx="minor">
+            <a:schemeClr val="lt1"/>
+          </a:fontRef>
+        </p:style>
+        <p:txBody>
+          <a:bodyPr rtlCol="0" anchor="ctr"/>
+          <a:lstStyle/>
+          <a:p>
+            <a:pPr algn="ctr"/>
+            <a:endParaRPr lang="de-DE"/>
+          </a:p>
+        </p:txBody>
+      </p:sp>
+      <p:grpSp>
+        <p:nvGrpSpPr>
+          <p:cNvPr id="18" name="Gruppieren 17">
+            <a:extLst>
+              <a:ext uri="{FF2B5EF4-FFF2-40B4-BE49-F238E27FC236}">
+                <a16:creationId xmlns:a16="http://schemas.microsoft.com/office/drawing/2014/main" id="{33072216-9E5B-2727-EB6C-8EE706B9BB82}"/>
+              </a:ext>
+            </a:extLst>
+          </p:cNvPr>
+          <p:cNvGrpSpPr/>
+          <p:nvPr/>
+        </p:nvGrpSpPr>
+        <p:grpSpPr>
+          <a:xfrm rot="1049711">
+            <a:off x="3582518" y="1411245"/>
+            <a:ext cx="1911136" cy="1759156"/>
+            <a:chOff x="3594120" y="1429814"/>
+            <a:chExt cx="2001331" cy="1842178"/>
+          </a:xfrm>
+        </p:grpSpPr>
+        <p:sp>
+          <p:nvSpPr>
+            <p:cNvPr id="7" name="Rechteck 6">
+              <a:extLst>
+                <a:ext uri="{FF2B5EF4-FFF2-40B4-BE49-F238E27FC236}">
+                  <a16:creationId xmlns:a16="http://schemas.microsoft.com/office/drawing/2014/main" id="{B4577321-ADFE-0C31-7AED-B3A563278DA2}"/>
+                </a:ext>
+              </a:extLst>
+            </p:cNvPr>
+            <p:cNvSpPr/>
+            <p:nvPr/>
+          </p:nvSpPr>
+          <p:spPr>
+            <a:xfrm rot="18682571">
+              <a:off x="4758453" y="2592237"/>
+              <a:ext cx="199820" cy="319932"/>
+            </a:xfrm>
+            <a:prstGeom prst="rect">
+              <a:avLst/>
+            </a:prstGeom>
+            <a:solidFill>
+              <a:srgbClr val="92D050"/>
+            </a:solidFill>
+            <a:ln>
+              <a:solidFill>
+                <a:schemeClr val="accent6">
+                  <a:lumMod val="50000"/>
+                </a:schemeClr>
+              </a:solidFill>
+            </a:ln>
+          </p:spPr>
+          <p:style>
+            <a:lnRef idx="2">
+              <a:schemeClr val="accent1">
+                <a:shade val="50000"/>
+              </a:schemeClr>
+            </a:lnRef>
+            <a:fillRef idx="1">
+              <a:schemeClr val="accent1"/>
+            </a:fillRef>
+            <a:effectRef idx="0">
+              <a:schemeClr val="accent1"/>
+            </a:effectRef>
+            <a:fontRef idx="minor">
+              <a:schemeClr val="lt1"/>
+            </a:fontRef>
+          </p:style>
+          <p:txBody>
+            <a:bodyPr rtlCol="0" anchor="ctr"/>
+            <a:lstStyle/>
+            <a:p>
+              <a:pPr algn="ctr"/>
+              <a:endParaRPr lang="de-DE"/>
+            </a:p>
+          </p:txBody>
+        </p:sp>
+        <p:sp>
+          <p:nvSpPr>
+            <p:cNvPr id="10" name="Rechteck: abgerundete Ecken 9">
+              <a:extLst>
+                <a:ext uri="{FF2B5EF4-FFF2-40B4-BE49-F238E27FC236}">
+                  <a16:creationId xmlns:a16="http://schemas.microsoft.com/office/drawing/2014/main" id="{B43A3988-CF7C-9145-4A74-79BEDAF0DAEA}"/>
+                </a:ext>
+              </a:extLst>
+            </p:cNvPr>
+            <p:cNvSpPr/>
+            <p:nvPr/>
+          </p:nvSpPr>
+          <p:spPr>
+            <a:xfrm rot="18656533">
+              <a:off x="5024759" y="2701299"/>
+              <a:ext cx="403860" cy="737525"/>
+            </a:xfrm>
+            <a:prstGeom prst="roundRect">
+              <a:avLst>
+                <a:gd name="adj" fmla="val 31504"/>
+              </a:avLst>
+            </a:prstGeom>
+            <a:solidFill>
+              <a:srgbClr val="92D050"/>
+            </a:solidFill>
+            <a:ln>
+              <a:solidFill>
+                <a:schemeClr val="accent6">
+                  <a:lumMod val="50000"/>
+                </a:schemeClr>
+              </a:solidFill>
+            </a:ln>
+          </p:spPr>
+          <p:style>
+            <a:lnRef idx="2">
+              <a:schemeClr val="accent1">
+                <a:shade val="50000"/>
+              </a:schemeClr>
+            </a:lnRef>
+            <a:fillRef idx="1">
+              <a:schemeClr val="accent1"/>
+            </a:fillRef>
+            <a:effectRef idx="0">
+              <a:schemeClr val="accent1"/>
+            </a:effectRef>
+            <a:fontRef idx="minor">
+              <a:schemeClr val="lt1"/>
+            </a:fontRef>
+          </p:style>
+          <p:txBody>
+            <a:bodyPr rtlCol="0" anchor="ctr"/>
+            <a:lstStyle/>
+            <a:p>
+              <a:pPr algn="ctr"/>
+              <a:endParaRPr lang="de-DE"/>
+            </a:p>
+          </p:txBody>
+        </p:sp>
+        <p:sp>
+          <p:nvSpPr>
+            <p:cNvPr id="11" name="Ellipse 10">
+              <a:extLst>
+                <a:ext uri="{FF2B5EF4-FFF2-40B4-BE49-F238E27FC236}">
+                  <a16:creationId xmlns:a16="http://schemas.microsoft.com/office/drawing/2014/main" id="{46E98D32-259C-5C8F-DBDB-A6C080B1B01F}"/>
+                </a:ext>
+              </a:extLst>
+            </p:cNvPr>
+            <p:cNvSpPr/>
+            <p:nvPr/>
+          </p:nvSpPr>
+          <p:spPr>
+            <a:xfrm>
+              <a:off x="3594120" y="1429814"/>
+              <a:ext cx="1450320" cy="1450320"/>
+            </a:xfrm>
+            <a:prstGeom prst="ellipse">
+              <a:avLst/>
+            </a:prstGeom>
+            <a:solidFill>
+              <a:srgbClr val="92D050"/>
+            </a:solidFill>
+            <a:ln>
+              <a:solidFill>
+                <a:schemeClr val="accent6">
+                  <a:lumMod val="50000"/>
+                </a:schemeClr>
+              </a:solidFill>
+            </a:ln>
+          </p:spPr>
+          <p:style>
+            <a:lnRef idx="2">
+              <a:schemeClr val="accent1">
+                <a:shade val="50000"/>
+              </a:schemeClr>
+            </a:lnRef>
+            <a:fillRef idx="1">
+              <a:schemeClr val="accent1"/>
+            </a:fillRef>
+            <a:effectRef idx="0">
+              <a:schemeClr val="accent1"/>
+            </a:effectRef>
+            <a:fontRef idx="minor">
+              <a:schemeClr val="lt1"/>
+            </a:fontRef>
+          </p:style>
+          <p:txBody>
+            <a:bodyPr rtlCol="0" anchor="ctr"/>
+            <a:lstStyle/>
+            <a:p>
+              <a:pPr algn="ctr"/>
+              <a:endParaRPr lang="de-DE"/>
+            </a:p>
+          </p:txBody>
+        </p:sp>
+        <p:sp>
+          <p:nvSpPr>
+            <p:cNvPr id="12" name="Ellipse 11">
+              <a:extLst>
+                <a:ext uri="{FF2B5EF4-FFF2-40B4-BE49-F238E27FC236}">
+                  <a16:creationId xmlns:a16="http://schemas.microsoft.com/office/drawing/2014/main" id="{219DA679-E9F8-E1F4-708F-6686FCDF7952}"/>
+                </a:ext>
+              </a:extLst>
+            </p:cNvPr>
+            <p:cNvSpPr/>
+            <p:nvPr/>
+          </p:nvSpPr>
+          <p:spPr>
+            <a:xfrm rot="20029182">
+              <a:off x="3758954" y="1594648"/>
+              <a:ext cx="1120652" cy="1120652"/>
+            </a:xfrm>
+            <a:prstGeom prst="ellipse">
+              <a:avLst/>
+            </a:prstGeom>
+            <a:solidFill>
+              <a:schemeClr val="accent6">
+                <a:lumMod val="40000"/>
+                <a:lumOff val="60000"/>
+              </a:schemeClr>
+            </a:solidFill>
+            <a:ln>
+              <a:solidFill>
+                <a:schemeClr val="accent6">
+                  <a:lumMod val="50000"/>
+                </a:schemeClr>
+              </a:solidFill>
+            </a:ln>
+          </p:spPr>
+          <p:style>
+            <a:lnRef idx="2">
+              <a:schemeClr val="accent1">
+                <a:shade val="50000"/>
+              </a:schemeClr>
+            </a:lnRef>
+            <a:fillRef idx="1">
+              <a:schemeClr val="accent1"/>
+            </a:fillRef>
+            <a:effectRef idx="0">
+              <a:schemeClr val="accent1"/>
+            </a:effectRef>
+            <a:fontRef idx="minor">
+              <a:schemeClr val="lt1"/>
+            </a:fontRef>
+          </p:style>
+          <p:txBody>
+            <a:bodyPr rtlCol="0" anchor="ctr"/>
+            <a:lstStyle/>
+            <a:p>
+              <a:pPr algn="ctr"/>
+              <a:endParaRPr lang="de-DE"/>
+            </a:p>
+          </p:txBody>
+        </p:sp>
+        <p:sp>
+          <p:nvSpPr>
+            <p:cNvPr id="13" name="Bogen 12">
+              <a:extLst>
+                <a:ext uri="{FF2B5EF4-FFF2-40B4-BE49-F238E27FC236}">
+                  <a16:creationId xmlns:a16="http://schemas.microsoft.com/office/drawing/2014/main" id="{B40FD660-564F-64ED-E5AB-309CF4248C74}"/>
+                </a:ext>
+              </a:extLst>
+            </p:cNvPr>
+            <p:cNvSpPr/>
+            <p:nvPr/>
+          </p:nvSpPr>
+          <p:spPr>
+            <a:xfrm rot="10800000">
+              <a:off x="3921270" y="1519389"/>
+              <a:ext cx="693222" cy="1041548"/>
+            </a:xfrm>
+            <a:prstGeom prst="arc">
+              <a:avLst/>
+            </a:prstGeom>
+            <a:ln w="38100">
+              <a:solidFill>
+                <a:schemeClr val="bg1"/>
+              </a:solidFill>
+            </a:ln>
+          </p:spPr>
+          <p:style>
+            <a:lnRef idx="1">
+              <a:schemeClr val="accent1"/>
+            </a:lnRef>
+            <a:fillRef idx="0">
+              <a:schemeClr val="accent1"/>
+            </a:fillRef>
+            <a:effectRef idx="0">
+              <a:schemeClr val="accent1"/>
+            </a:effectRef>
+            <a:fontRef idx="minor">
+              <a:schemeClr val="tx1"/>
+            </a:fontRef>
+          </p:style>
+          <p:txBody>
+            <a:bodyPr rtlCol="0" anchor="ctr"/>
+            <a:lstStyle/>
+            <a:p>
+              <a:pPr algn="ctr"/>
+              <a:endParaRPr lang="de-DE"/>
+            </a:p>
+          </p:txBody>
+        </p:sp>
+      </p:grpSp>
+    </p:spTree>
+    <p:extLst>
+      <p:ext uri="{BB962C8B-B14F-4D97-AF65-F5344CB8AC3E}">
+        <p14:creationId xmlns:p14="http://schemas.microsoft.com/office/powerpoint/2010/main" val="3267696575"/>
       </p:ext>
     </p:extLst>
   </p:cSld>
